--- a/DS-08-capstone-Nitin-Pawar.pptx
+++ b/DS-08-capstone-Nitin-Pawar.pptx
@@ -21,23 +21,25 @@
     <p:sldId id="266" r:id="rId16"/>
     <p:sldId id="267" r:id="rId17"/>
     <p:sldId id="268" r:id="rId18"/>
+    <p:sldId id="269" r:id="rId19"/>
+    <p:sldId id="270" r:id="rId20"/>
   </p:sldIdLst>
   <p:sldSz cy="5143500" cx="9144000"/>
   <p:notesSz cx="6858000" cy="9144000"/>
   <p:embeddedFontLst>
     <p:embeddedFont>
       <p:font typeface="Raleway"/>
-      <p:regular r:id="rId19"/>
-      <p:bold r:id="rId20"/>
-      <p:italic r:id="rId21"/>
-      <p:boldItalic r:id="rId22"/>
+      <p:regular r:id="rId21"/>
+      <p:bold r:id="rId22"/>
+      <p:italic r:id="rId23"/>
+      <p:boldItalic r:id="rId24"/>
     </p:embeddedFont>
     <p:embeddedFont>
       <p:font typeface="Lato"/>
-      <p:regular r:id="rId23"/>
-      <p:bold r:id="rId24"/>
-      <p:italic r:id="rId25"/>
-      <p:boldItalic r:id="rId26"/>
+      <p:regular r:id="rId25"/>
+      <p:bold r:id="rId26"/>
+      <p:italic r:id="rId27"/>
+      <p:boldItalic r:id="rId28"/>
     </p:embeddedFont>
   </p:embeddedFontLst>
   <p:defaultTextStyle>
@@ -832,7 +834,7 @@
       </p:grpSpPr>
       <p:sp>
         <p:nvSpPr>
-          <p:cNvPr id="140" name="Google Shape;140;g36b28fefa9a_0_123:notes"/>
+          <p:cNvPr id="140" name="Google Shape;140;g36b28fefa9a_0_91:notes"/>
           <p:cNvSpPr/>
           <p:nvPr>
             <p:ph idx="2" type="sldImg"/>
@@ -867,7 +869,7 @@
       </p:sp>
       <p:sp>
         <p:nvSpPr>
-          <p:cNvPr id="141" name="Google Shape;141;g36b28fefa9a_0_123:notes"/>
+          <p:cNvPr id="141" name="Google Shape;141;g36b28fefa9a_0_91:notes"/>
           <p:cNvSpPr txBox="1"/>
           <p:nvPr>
             <p:ph idx="1" type="body"/>
@@ -931,7 +933,7 @@
       </p:grpSpPr>
       <p:sp>
         <p:nvSpPr>
-          <p:cNvPr id="148" name="Google Shape;148;g36b28fefa9a_0_141:notes"/>
+          <p:cNvPr id="148" name="Google Shape;148;g36b28fefa9a_0_106:notes"/>
           <p:cNvSpPr/>
           <p:nvPr>
             <p:ph idx="2" type="sldImg"/>
@@ -966,7 +968,7 @@
       </p:sp>
       <p:sp>
         <p:nvSpPr>
-          <p:cNvPr id="149" name="Google Shape;149;g36b28fefa9a_0_141:notes"/>
+          <p:cNvPr id="149" name="Google Shape;149;g36b28fefa9a_0_106:notes"/>
           <p:cNvSpPr txBox="1"/>
           <p:nvPr>
             <p:ph idx="1" type="body"/>
@@ -1030,7 +1032,7 @@
       </p:grpSpPr>
       <p:sp>
         <p:nvSpPr>
-          <p:cNvPr id="156" name="Google Shape;156;gd251bb473_0_600:notes"/>
+          <p:cNvPr id="156" name="Google Shape;156;g36b28fefa9a_0_123:notes"/>
           <p:cNvSpPr/>
           <p:nvPr>
             <p:ph idx="2" type="sldImg"/>
@@ -1065,7 +1067,7 @@
       </p:sp>
       <p:sp>
         <p:nvSpPr>
-          <p:cNvPr id="157" name="Google Shape;157;gd251bb473_0_600:notes"/>
+          <p:cNvPr id="157" name="Google Shape;157;g36b28fefa9a_0_123:notes"/>
           <p:cNvSpPr txBox="1"/>
           <p:nvPr>
             <p:ph idx="1" type="body"/>
@@ -1115,7 +1117,7 @@
   <p:cSld>
     <p:spTree>
       <p:nvGrpSpPr>
-        <p:cNvPr id="164" name="Shape 164"/>
+        <p:cNvPr id="163" name="Shape 163"/>
         <p:cNvGrpSpPr/>
         <p:nvPr/>
       </p:nvGrpSpPr>
@@ -1129,7 +1131,7 @@
       </p:grpSpPr>
       <p:sp>
         <p:nvSpPr>
-          <p:cNvPr id="165" name="Google Shape;165;g36b28fefa9a_0_157:notes"/>
+          <p:cNvPr id="164" name="Google Shape;164;g36b28fefa9a_0_141:notes"/>
           <p:cNvSpPr/>
           <p:nvPr>
             <p:ph idx="2" type="sldImg"/>
@@ -1164,7 +1166,205 @@
       </p:sp>
       <p:sp>
         <p:nvSpPr>
-          <p:cNvPr id="166" name="Google Shape;166;g36b28fefa9a_0_157:notes"/>
+          <p:cNvPr id="165" name="Google Shape;165;g36b28fefa9a_0_141:notes"/>
+          <p:cNvSpPr txBox="1"/>
+          <p:nvPr>
+            <p:ph idx="1" type="body"/>
+          </p:nvPr>
+        </p:nvSpPr>
+        <p:spPr>
+          <a:xfrm>
+            <a:off x="685800" y="4343400"/>
+            <a:ext cx="5486400" cy="4114800"/>
+          </a:xfrm>
+          <a:prstGeom prst="rect">
+            <a:avLst/>
+          </a:prstGeom>
+        </p:spPr>
+        <p:txBody>
+          <a:bodyPr anchorCtr="0" anchor="t" bIns="91425" lIns="91425" spcFirstLastPara="1" rIns="91425" wrap="square" tIns="91425">
+            <a:noAutofit/>
+          </a:bodyPr>
+          <a:lstStyle/>
+          <a:p>
+            <a:pPr indent="0" lvl="0" marL="0" rtl="0" algn="l">
+              <a:spcBef>
+                <a:spcPts val="0"/>
+              </a:spcBef>
+              <a:spcAft>
+                <a:spcPts val="0"/>
+              </a:spcAft>
+              <a:buNone/>
+            </a:pPr>
+            <a:r>
+              <a:t/>
+            </a:r>
+            <a:endParaRPr/>
+          </a:p>
+        </p:txBody>
+      </p:sp>
+    </p:spTree>
+  </p:cSld>
+  <p:clrMapOvr>
+    <a:masterClrMapping/>
+  </p:clrMapOvr>
+</p:notes>
+</file>
+
+<file path=ppt/notesSlides/notesSlide14.xml><?xml version="1.0" encoding="utf-8"?>
+<p:notes xmlns:a="http://schemas.openxmlformats.org/drawingml/2006/main" xmlns:r="http://schemas.openxmlformats.org/officeDocument/2006/relationships" xmlns:mc="http://schemas.openxmlformats.org/markup-compatibility/2006" xmlns:mv="urn:schemas-microsoft-com:mac:vml" xmlns:p="http://schemas.openxmlformats.org/presentationml/2006/main" xmlns:c="http://schemas.openxmlformats.org/drawingml/2006/chart" xmlns:dgm="http://schemas.openxmlformats.org/drawingml/2006/diagram" xmlns:o="urn:schemas-microsoft-com:office:office" xmlns:v="urn:schemas-microsoft-com:vml" xmlns:pvml="urn:schemas-microsoft-com:office:powerpoint" xmlns:com="http://schemas.openxmlformats.org/drawingml/2006/compatibility" xmlns:p14="http://schemas.microsoft.com/office/powerpoint/2010/main" xmlns:p15="http://schemas.microsoft.com/office/powerpoint/2012/main" xmlns:ahyp="http://schemas.microsoft.com/office/drawing/2018/hyperlinkcolor" showMasterPhAnim="0" showMasterSp="0">
+  <p:cSld>
+    <p:spTree>
+      <p:nvGrpSpPr>
+        <p:cNvPr id="171" name="Shape 171"/>
+        <p:cNvGrpSpPr/>
+        <p:nvPr/>
+      </p:nvGrpSpPr>
+      <p:grpSpPr>
+        <a:xfrm>
+          <a:off x="0" y="0"/>
+          <a:ext cx="0" cy="0"/>
+          <a:chOff x="0" y="0"/>
+          <a:chExt cx="0" cy="0"/>
+        </a:xfrm>
+      </p:grpSpPr>
+      <p:sp>
+        <p:nvSpPr>
+          <p:cNvPr id="172" name="Google Shape;172;gd251bb473_0_600:notes"/>
+          <p:cNvSpPr/>
+          <p:nvPr>
+            <p:ph idx="2" type="sldImg"/>
+          </p:nvPr>
+        </p:nvSpPr>
+        <p:spPr>
+          <a:xfrm>
+            <a:off x="381300" y="685800"/>
+            <a:ext cx="6096000" cy="3429000"/>
+          </a:xfrm>
+          <a:custGeom>
+            <a:rect b="b" l="l" r="r" t="t"/>
+            <a:pathLst>
+              <a:path extrusionOk="0" h="120000" w="120000">
+                <a:moveTo>
+                  <a:pt x="0" y="0"/>
+                </a:moveTo>
+                <a:lnTo>
+                  <a:pt x="120000" y="0"/>
+                </a:lnTo>
+                <a:lnTo>
+                  <a:pt x="120000" y="120000"/>
+                </a:lnTo>
+                <a:lnTo>
+                  <a:pt x="0" y="120000"/>
+                </a:lnTo>
+                <a:close/>
+              </a:path>
+            </a:pathLst>
+          </a:custGeom>
+        </p:spPr>
+      </p:sp>
+      <p:sp>
+        <p:nvSpPr>
+          <p:cNvPr id="173" name="Google Shape;173;gd251bb473_0_600:notes"/>
+          <p:cNvSpPr txBox="1"/>
+          <p:nvPr>
+            <p:ph idx="1" type="body"/>
+          </p:nvPr>
+        </p:nvSpPr>
+        <p:spPr>
+          <a:xfrm>
+            <a:off x="685800" y="4343400"/>
+            <a:ext cx="5486400" cy="4114800"/>
+          </a:xfrm>
+          <a:prstGeom prst="rect">
+            <a:avLst/>
+          </a:prstGeom>
+        </p:spPr>
+        <p:txBody>
+          <a:bodyPr anchorCtr="0" anchor="t" bIns="91425" lIns="91425" spcFirstLastPara="1" rIns="91425" wrap="square" tIns="91425">
+            <a:noAutofit/>
+          </a:bodyPr>
+          <a:lstStyle/>
+          <a:p>
+            <a:pPr indent="0" lvl="0" marL="0" rtl="0" algn="l">
+              <a:spcBef>
+                <a:spcPts val="0"/>
+              </a:spcBef>
+              <a:spcAft>
+                <a:spcPts val="0"/>
+              </a:spcAft>
+              <a:buNone/>
+            </a:pPr>
+            <a:r>
+              <a:t/>
+            </a:r>
+            <a:endParaRPr/>
+          </a:p>
+        </p:txBody>
+      </p:sp>
+    </p:spTree>
+  </p:cSld>
+  <p:clrMapOvr>
+    <a:masterClrMapping/>
+  </p:clrMapOvr>
+</p:notes>
+</file>
+
+<file path=ppt/notesSlides/notesSlide15.xml><?xml version="1.0" encoding="utf-8"?>
+<p:notes xmlns:a="http://schemas.openxmlformats.org/drawingml/2006/main" xmlns:r="http://schemas.openxmlformats.org/officeDocument/2006/relationships" xmlns:mc="http://schemas.openxmlformats.org/markup-compatibility/2006" xmlns:mv="urn:schemas-microsoft-com:mac:vml" xmlns:p="http://schemas.openxmlformats.org/presentationml/2006/main" xmlns:c="http://schemas.openxmlformats.org/drawingml/2006/chart" xmlns:dgm="http://schemas.openxmlformats.org/drawingml/2006/diagram" xmlns:o="urn:schemas-microsoft-com:office:office" xmlns:v="urn:schemas-microsoft-com:vml" xmlns:pvml="urn:schemas-microsoft-com:office:powerpoint" xmlns:com="http://schemas.openxmlformats.org/drawingml/2006/compatibility" xmlns:p14="http://schemas.microsoft.com/office/powerpoint/2010/main" xmlns:p15="http://schemas.microsoft.com/office/powerpoint/2012/main" xmlns:ahyp="http://schemas.microsoft.com/office/drawing/2018/hyperlinkcolor" showMasterPhAnim="0" showMasterSp="0">
+  <p:cSld>
+    <p:spTree>
+      <p:nvGrpSpPr>
+        <p:cNvPr id="181" name="Shape 181"/>
+        <p:cNvGrpSpPr/>
+        <p:nvPr/>
+      </p:nvGrpSpPr>
+      <p:grpSpPr>
+        <a:xfrm>
+          <a:off x="0" y="0"/>
+          <a:ext cx="0" cy="0"/>
+          <a:chOff x="0" y="0"/>
+          <a:chExt cx="0" cy="0"/>
+        </a:xfrm>
+      </p:grpSpPr>
+      <p:sp>
+        <p:nvSpPr>
+          <p:cNvPr id="182" name="Google Shape;182;g36b28fefa9a_0_157:notes"/>
+          <p:cNvSpPr/>
+          <p:nvPr>
+            <p:ph idx="2" type="sldImg"/>
+          </p:nvPr>
+        </p:nvSpPr>
+        <p:spPr>
+          <a:xfrm>
+            <a:off x="381300" y="685800"/>
+            <a:ext cx="6096000" cy="3429000"/>
+          </a:xfrm>
+          <a:custGeom>
+            <a:rect b="b" l="l" r="r" t="t"/>
+            <a:pathLst>
+              <a:path extrusionOk="0" h="120000" w="120000">
+                <a:moveTo>
+                  <a:pt x="0" y="0"/>
+                </a:moveTo>
+                <a:lnTo>
+                  <a:pt x="120000" y="0"/>
+                </a:lnTo>
+                <a:lnTo>
+                  <a:pt x="120000" y="120000"/>
+                </a:lnTo>
+                <a:lnTo>
+                  <a:pt x="0" y="120000"/>
+                </a:lnTo>
+                <a:close/>
+              </a:path>
+            </a:pathLst>
+          </a:custGeom>
+        </p:spPr>
+      </p:sp>
+      <p:sp>
+        <p:nvSpPr>
+          <p:cNvPr id="183" name="Google Shape;183;g36b28fefa9a_0_157:notes"/>
           <p:cNvSpPr txBox="1"/>
           <p:nvPr>
             <p:ph idx="1" type="body"/>
@@ -1313,7 +1513,7 @@
   <p:cSld>
     <p:spTree>
       <p:nvGrpSpPr>
-        <p:cNvPr id="82" name="Shape 82"/>
+        <p:cNvPr id="81" name="Shape 81"/>
         <p:cNvGrpSpPr/>
         <p:nvPr/>
       </p:nvGrpSpPr>
@@ -1327,7 +1527,7 @@
       </p:grpSpPr>
       <p:sp>
         <p:nvSpPr>
-          <p:cNvPr id="83" name="Google Shape;83;g36b28fefa9a_0_13:notes"/>
+          <p:cNvPr id="82" name="Google Shape;82;g36d7823ba96_0_0:notes"/>
           <p:cNvSpPr/>
           <p:nvPr>
             <p:ph idx="2" type="sldImg"/>
@@ -1362,7 +1562,7 @@
       </p:sp>
       <p:sp>
         <p:nvSpPr>
-          <p:cNvPr id="84" name="Google Shape;84;g36b28fefa9a_0_13:notes"/>
+          <p:cNvPr id="83" name="Google Shape;83;g36d7823ba96_0_0:notes"/>
           <p:cNvSpPr txBox="1"/>
           <p:nvPr>
             <p:ph idx="1" type="body"/>
@@ -1426,7 +1626,7 @@
       </p:grpSpPr>
       <p:sp>
         <p:nvSpPr>
-          <p:cNvPr id="89" name="Google Shape;89;g36b28fefa9a_0_32:notes"/>
+          <p:cNvPr id="89" name="Google Shape;89;g36b28fefa9a_0_13:notes"/>
           <p:cNvSpPr/>
           <p:nvPr>
             <p:ph idx="2" type="sldImg"/>
@@ -1461,7 +1661,7 @@
       </p:sp>
       <p:sp>
         <p:nvSpPr>
-          <p:cNvPr id="90" name="Google Shape;90;g36b28fefa9a_0_32:notes"/>
+          <p:cNvPr id="90" name="Google Shape;90;g36b28fefa9a_0_13:notes"/>
           <p:cNvSpPr txBox="1"/>
           <p:nvPr>
             <p:ph idx="1" type="body"/>
@@ -1511,7 +1711,7 @@
   <p:cSld>
     <p:spTree>
       <p:nvGrpSpPr>
-        <p:cNvPr id="94" name="Shape 94"/>
+        <p:cNvPr id="95" name="Shape 95"/>
         <p:cNvGrpSpPr/>
         <p:nvPr/>
       </p:nvGrpSpPr>
@@ -1525,7 +1725,7 @@
       </p:grpSpPr>
       <p:sp>
         <p:nvSpPr>
-          <p:cNvPr id="95" name="Google Shape;95;gcb9a0b074_2_0:notes"/>
+          <p:cNvPr id="96" name="Google Shape;96;g36b28fefa9a_0_32:notes"/>
           <p:cNvSpPr/>
           <p:nvPr>
             <p:ph idx="2" type="sldImg"/>
@@ -1560,7 +1760,7 @@
       </p:sp>
       <p:sp>
         <p:nvSpPr>
-          <p:cNvPr id="96" name="Google Shape;96;gcb9a0b074_2_0:notes"/>
+          <p:cNvPr id="97" name="Google Shape;97;g36b28fefa9a_0_32:notes"/>
           <p:cNvSpPr txBox="1"/>
           <p:nvPr>
             <p:ph idx="1" type="body"/>
@@ -1610,7 +1810,7 @@
   <p:cSld>
     <p:spTree>
       <p:nvGrpSpPr>
-        <p:cNvPr id="107" name="Shape 107"/>
+        <p:cNvPr id="102" name="Shape 102"/>
         <p:cNvGrpSpPr/>
         <p:nvPr/>
       </p:nvGrpSpPr>
@@ -1624,7 +1824,7 @@
       </p:grpSpPr>
       <p:sp>
         <p:nvSpPr>
-          <p:cNvPr id="108" name="Google Shape;108;g723630543_3_0:notes"/>
+          <p:cNvPr id="103" name="Google Shape;103;gcb9a0b074_2_0:notes"/>
           <p:cNvSpPr/>
           <p:nvPr>
             <p:ph idx="2" type="sldImg"/>
@@ -1659,7 +1859,7 @@
       </p:sp>
       <p:sp>
         <p:nvSpPr>
-          <p:cNvPr id="109" name="Google Shape;109;g723630543_3_0:notes"/>
+          <p:cNvPr id="104" name="Google Shape;104;gcb9a0b074_2_0:notes"/>
           <p:cNvSpPr txBox="1"/>
           <p:nvPr>
             <p:ph idx="1" type="body"/>
@@ -1723,7 +1923,7 @@
       </p:grpSpPr>
       <p:sp>
         <p:nvSpPr>
-          <p:cNvPr id="116" name="Google Shape;116;g36b28fefa9a_0_75:notes"/>
+          <p:cNvPr id="116" name="Google Shape;116;g723630543_3_0:notes"/>
           <p:cNvSpPr/>
           <p:nvPr>
             <p:ph idx="2" type="sldImg"/>
@@ -1758,7 +1958,7 @@
       </p:sp>
       <p:sp>
         <p:nvSpPr>
-          <p:cNvPr id="117" name="Google Shape;117;g36b28fefa9a_0_75:notes"/>
+          <p:cNvPr id="117" name="Google Shape;117;g723630543_3_0:notes"/>
           <p:cNvSpPr txBox="1"/>
           <p:nvPr>
             <p:ph idx="1" type="body"/>
@@ -1822,7 +2022,7 @@
       </p:grpSpPr>
       <p:sp>
         <p:nvSpPr>
-          <p:cNvPr id="124" name="Google Shape;124;g36b28fefa9a_0_91:notes"/>
+          <p:cNvPr id="124" name="Google Shape;124;g36b28fefa9a_0_75:notes"/>
           <p:cNvSpPr/>
           <p:nvPr>
             <p:ph idx="2" type="sldImg"/>
@@ -1857,7 +2057,7 @@
       </p:sp>
       <p:sp>
         <p:nvSpPr>
-          <p:cNvPr id="125" name="Google Shape;125;g36b28fefa9a_0_91:notes"/>
+          <p:cNvPr id="125" name="Google Shape;125;g36b28fefa9a_0_75:notes"/>
           <p:cNvSpPr txBox="1"/>
           <p:nvPr>
             <p:ph idx="1" type="body"/>
@@ -1921,7 +2121,7 @@
       </p:grpSpPr>
       <p:sp>
         <p:nvSpPr>
-          <p:cNvPr id="132" name="Google Shape;132;g36b28fefa9a_0_106:notes"/>
+          <p:cNvPr id="132" name="Google Shape;132;g36d64f928f6_0_12:notes"/>
           <p:cNvSpPr/>
           <p:nvPr>
             <p:ph idx="2" type="sldImg"/>
@@ -1956,7 +2156,7 @@
       </p:sp>
       <p:sp>
         <p:nvSpPr>
-          <p:cNvPr id="133" name="Google Shape;133;g36b28fefa9a_0_106:notes"/>
+          <p:cNvPr id="133" name="Google Shape;133;g36d64f928f6_0_12:notes"/>
           <p:cNvSpPr txBox="1"/>
           <p:nvPr>
             <p:ph idx="1" type="body"/>
@@ -8256,19 +8456,7 @@
                 <a:cs typeface="Raleway"/>
                 <a:sym typeface="Raleway"/>
               </a:rPr>
-              <a:t>Step 5. </a:t>
-            </a:r>
-            <a:r>
-              <a:rPr b="1" lang="en" sz="2300">
-                <a:solidFill>
-                  <a:schemeClr val="lt2"/>
-                </a:solidFill>
-                <a:latin typeface="Raleway"/>
-                <a:ea typeface="Raleway"/>
-                <a:cs typeface="Raleway"/>
-                <a:sym typeface="Raleway"/>
-              </a:rPr>
-              <a:t>Update Embeddings in Database</a:t>
+              <a:t>Step 3. Database Utility</a:t>
             </a:r>
             <a:endParaRPr b="1" sz="2300">
               <a:solidFill>
@@ -8321,7 +8509,7 @@
                 <a:cs typeface="Raleway"/>
                 <a:sym typeface="Raleway"/>
               </a:rPr>
-              <a:t>Generate and store sentence embeddings for each movie's textual metadata using Hugging Face transformer.</a:t>
+              <a:t>Create and configure the PostgreSQL database, enable vector support, and initialize the movies table.</a:t>
             </a:r>
             <a:endParaRPr sz="1200">
               <a:latin typeface="Raleway"/>
@@ -8386,34 +8574,7 @@
                 <a:cs typeface="Raleway"/>
                 <a:sym typeface="Raleway"/>
               </a:rPr>
-              <a:t>Connect to PostgreSQL</a:t>
-            </a:r>
-            <a:r>
-              <a:rPr lang="en" sz="1200">
-                <a:latin typeface="Raleway"/>
-                <a:ea typeface="Raleway"/>
-                <a:cs typeface="Raleway"/>
-                <a:sym typeface="Raleway"/>
-              </a:rPr>
-              <a:t> : </a:t>
-            </a:r>
-            <a:r>
-              <a:rPr lang="en" sz="1200">
-                <a:latin typeface="Raleway"/>
-                <a:ea typeface="Raleway"/>
-                <a:cs typeface="Raleway"/>
-                <a:sym typeface="Raleway"/>
-              </a:rPr>
-              <a:t>Establishes connection to the imdb database</a:t>
-            </a:r>
-            <a:r>
-              <a:rPr lang="en" sz="1200">
-                <a:latin typeface="Raleway"/>
-                <a:ea typeface="Raleway"/>
-                <a:cs typeface="Raleway"/>
-                <a:sym typeface="Raleway"/>
-              </a:rPr>
-              <a:t>.</a:t>
+              <a:t>Database Setup : Connects to PostgreSQL and checks if the imdb database exists; creates it if not</a:t>
             </a:r>
             <a:endParaRPr sz="1200">
               <a:latin typeface="Raleway"/>
@@ -8441,25 +8602,7 @@
                 <a:cs typeface="Raleway"/>
                 <a:sym typeface="Raleway"/>
               </a:rPr>
-              <a:t>Select Records Needing Embeddings</a:t>
-            </a:r>
-            <a:r>
-              <a:rPr lang="en" sz="1200">
-                <a:latin typeface="Raleway"/>
-                <a:ea typeface="Raleway"/>
-                <a:cs typeface="Raleway"/>
-                <a:sym typeface="Raleway"/>
-              </a:rPr>
-              <a:t> : </a:t>
-            </a:r>
-            <a:r>
-              <a:rPr lang="en" sz="1200">
-                <a:latin typeface="Raleway"/>
-                <a:ea typeface="Raleway"/>
-                <a:cs typeface="Raleway"/>
-                <a:sym typeface="Raleway"/>
-              </a:rPr>
-              <a:t>Queries all rows from the movies table where the embedding column is NULL.</a:t>
+              <a:t>Enable pgvector Extension : Ensures the vector extension is enabled to support embedding storage and similarity search</a:t>
             </a:r>
             <a:endParaRPr sz="1200">
               <a:latin typeface="Raleway"/>
@@ -8487,43 +8630,7 @@
                 <a:cs typeface="Raleway"/>
                 <a:sym typeface="Raleway"/>
               </a:rPr>
-              <a:t>Generate Embeddings</a:t>
-            </a:r>
-            <a:r>
-              <a:rPr lang="en" sz="1200">
-                <a:latin typeface="Raleway"/>
-                <a:ea typeface="Raleway"/>
-                <a:cs typeface="Raleway"/>
-                <a:sym typeface="Raleway"/>
-              </a:rPr>
-              <a:t> : </a:t>
-            </a:r>
-            <a:r>
-              <a:rPr lang="en" sz="1200">
-                <a:latin typeface="Raleway"/>
-                <a:ea typeface="Raleway"/>
-                <a:cs typeface="Raleway"/>
-                <a:sym typeface="Raleway"/>
-              </a:rPr>
-              <a:t>Uses </a:t>
-            </a:r>
-            <a:r>
-              <a:rPr lang="en" sz="1200">
-                <a:latin typeface="Raleway"/>
-                <a:ea typeface="Raleway"/>
-                <a:cs typeface="Raleway"/>
-                <a:sym typeface="Raleway"/>
-              </a:rPr>
-              <a:t>Sentence Transformer</a:t>
-            </a:r>
-            <a:r>
-              <a:rPr lang="en" sz="1200">
-                <a:latin typeface="Raleway"/>
-                <a:ea typeface="Raleway"/>
-                <a:cs typeface="Raleway"/>
-                <a:sym typeface="Raleway"/>
-              </a:rPr>
-              <a:t> model all-MiniLM-L6-v2 to embed mov_details</a:t>
+              <a:t>Create movies Table : Defines schema with mov_id (primary key), mov_details (text), and embedding (vector of 384 dimensions). If the table exists, deletes all existing records to refresh with new data.</a:t>
             </a:r>
             <a:endParaRPr sz="1200">
               <a:latin typeface="Raleway"/>
@@ -8551,25 +8658,7 @@
                 <a:cs typeface="Raleway"/>
                 <a:sym typeface="Raleway"/>
               </a:rPr>
-              <a:t>Update Database</a:t>
-            </a:r>
-            <a:r>
-              <a:rPr lang="en" sz="1200">
-                <a:latin typeface="Raleway"/>
-                <a:ea typeface="Raleway"/>
-                <a:cs typeface="Raleway"/>
-                <a:sym typeface="Raleway"/>
-              </a:rPr>
-              <a:t>: </a:t>
-            </a:r>
-            <a:r>
-              <a:rPr lang="en" sz="1200">
-                <a:latin typeface="Raleway"/>
-                <a:ea typeface="Raleway"/>
-                <a:cs typeface="Raleway"/>
-                <a:sym typeface="Raleway"/>
-              </a:rPr>
-              <a:t>Stores each generated embedding vector back into the movies table against its mov_id.</a:t>
+              <a:t>Insertion : Final database set up to support full vector search.</a:t>
             </a:r>
             <a:endParaRPr sz="1200">
               <a:latin typeface="Raleway"/>
@@ -8632,7 +8721,7 @@
                 <a:cs typeface="Raleway"/>
                 <a:sym typeface="Raleway"/>
               </a:rPr>
-              <a:t>Movies now have semantic embeddings, enabling similarity-based retrieval and RAG functionality in the next steps.</a:t>
+              <a:t>Table structure along with vector supported column ready for  insertion and embedding.</a:t>
             </a:r>
             <a:endParaRPr sz="1200">
               <a:latin typeface="Raleway"/>
@@ -8774,7 +8863,7 @@
                 <a:cs typeface="Raleway"/>
                 <a:sym typeface="Raleway"/>
               </a:rPr>
-              <a:t>Step 6. </a:t>
+              <a:t>Step 4. </a:t>
             </a:r>
             <a:r>
               <a:rPr b="1" lang="en" sz="2300">
@@ -8786,7 +8875,7 @@
                 <a:cs typeface="Raleway"/>
                 <a:sym typeface="Raleway"/>
               </a:rPr>
-              <a:t>Interactive Movie Chatbot</a:t>
+              <a:t>Populate Movie Records</a:t>
             </a:r>
             <a:endParaRPr b="1" sz="2300">
               <a:solidFill>
@@ -8839,7 +8928,16 @@
                 <a:cs typeface="Raleway"/>
                 <a:sym typeface="Raleway"/>
               </a:rPr>
-              <a:t>Build a conversational chatbot that answers movie-related questions using semantic search and LLM-generated responses.</a:t>
+              <a:t>Insert movie metadata into the PostgreSQL database with placeholder embeddings.</a:t>
+            </a:r>
+            <a:r>
+              <a:rPr b="1" lang="en" sz="1200">
+                <a:latin typeface="Raleway"/>
+                <a:ea typeface="Raleway"/>
+                <a:cs typeface="Raleway"/>
+                <a:sym typeface="Raleway"/>
+              </a:rPr>
+              <a:t>.</a:t>
             </a:r>
             <a:endParaRPr sz="1200">
               <a:latin typeface="Raleway"/>
@@ -8873,97 +8971,185 @@
                 <a:cs typeface="Raleway"/>
                 <a:sym typeface="Raleway"/>
               </a:rPr>
-              <a:t>Query Flow : </a:t>
-            </a:r>
-            <a:r>
-              <a:rPr b="1" lang="en" sz="1400">
-                <a:latin typeface="Raleway"/>
-                <a:ea typeface="Raleway"/>
-                <a:cs typeface="Raleway"/>
-                <a:sym typeface="Raleway"/>
-              </a:rPr>
-              <a:t>1</a:t>
-            </a:r>
-            <a:r>
-              <a:rPr lang="en" sz="1400">
-                <a:latin typeface="Raleway"/>
-                <a:ea typeface="Raleway"/>
-                <a:cs typeface="Raleway"/>
-                <a:sym typeface="Raleway"/>
-              </a:rPr>
-              <a:t>.User question is embedded </a:t>
-            </a:r>
-            <a:r>
-              <a:rPr b="1" lang="en" sz="1400">
-                <a:latin typeface="Raleway"/>
-                <a:ea typeface="Raleway"/>
-                <a:cs typeface="Raleway"/>
-                <a:sym typeface="Raleway"/>
-              </a:rPr>
-              <a:t>2</a:t>
-            </a:r>
-            <a:r>
-              <a:rPr lang="en" sz="1400">
-                <a:latin typeface="Raleway"/>
-                <a:ea typeface="Raleway"/>
-                <a:cs typeface="Raleway"/>
-                <a:sym typeface="Raleway"/>
-              </a:rPr>
-              <a:t>. Vector search on `movies` table retrieves top matches </a:t>
-            </a:r>
-            <a:r>
-              <a:rPr b="1" lang="en" sz="1400">
-                <a:latin typeface="Raleway"/>
-                <a:ea typeface="Raleway"/>
-                <a:cs typeface="Raleway"/>
-                <a:sym typeface="Raleway"/>
-              </a:rPr>
-              <a:t>3</a:t>
-            </a:r>
-            <a:r>
-              <a:rPr lang="en" sz="1400">
-                <a:latin typeface="Raleway"/>
-                <a:ea typeface="Raleway"/>
-                <a:cs typeface="Raleway"/>
-                <a:sym typeface="Raleway"/>
-              </a:rPr>
-              <a:t>. Context is constructed from movie details </a:t>
-            </a:r>
-            <a:r>
-              <a:rPr b="1" lang="en" sz="1400">
-                <a:latin typeface="Raleway"/>
-                <a:ea typeface="Raleway"/>
-                <a:cs typeface="Raleway"/>
-                <a:sym typeface="Raleway"/>
-              </a:rPr>
-              <a:t>4</a:t>
-            </a:r>
-            <a:r>
-              <a:rPr lang="en" sz="1400">
-                <a:latin typeface="Raleway"/>
-                <a:ea typeface="Raleway"/>
-                <a:cs typeface="Raleway"/>
-                <a:sym typeface="Raleway"/>
-              </a:rPr>
-              <a:t>. LLM prompt is dynamically generated </a:t>
-            </a:r>
-            <a:r>
-              <a:rPr b="1" lang="en" sz="1400">
-                <a:latin typeface="Raleway"/>
-                <a:ea typeface="Raleway"/>
-                <a:cs typeface="Raleway"/>
-                <a:sym typeface="Raleway"/>
-              </a:rPr>
-              <a:t>5</a:t>
-            </a:r>
-            <a:r>
-              <a:rPr lang="en" sz="1400">
-                <a:latin typeface="Raleway"/>
-                <a:ea typeface="Raleway"/>
-                <a:cs typeface="Raleway"/>
-                <a:sym typeface="Raleway"/>
-              </a:rPr>
-              <a:t>. LLM responds with a natural language answer</a:t>
+              <a:t>Key Actions</a:t>
+            </a:r>
+            <a:endParaRPr b="1" sz="1400">
+              <a:solidFill>
+                <a:schemeClr val="dk1"/>
+              </a:solidFill>
+              <a:latin typeface="Raleway"/>
+              <a:ea typeface="Raleway"/>
+              <a:cs typeface="Raleway"/>
+              <a:sym typeface="Raleway"/>
+            </a:endParaRPr>
+          </a:p>
+          <a:p>
+            <a:pPr indent="-304800" lvl="1" marL="914400" rtl="0" algn="l">
+              <a:spcBef>
+                <a:spcPts val="1000"/>
+              </a:spcBef>
+              <a:spcAft>
+                <a:spcPts val="0"/>
+              </a:spcAft>
+              <a:buSzPts val="1200"/>
+              <a:buFont typeface="Raleway"/>
+              <a:buChar char="◆"/>
+            </a:pPr>
+            <a:r>
+              <a:rPr lang="en" sz="1200">
+                <a:latin typeface="Raleway"/>
+                <a:ea typeface="Raleway"/>
+                <a:cs typeface="Raleway"/>
+                <a:sym typeface="Raleway"/>
+              </a:rPr>
+              <a:t>Read Data </a:t>
+            </a:r>
+            <a:r>
+              <a:rPr lang="en" sz="1200">
+                <a:latin typeface="Raleway"/>
+                <a:ea typeface="Raleway"/>
+                <a:cs typeface="Raleway"/>
+                <a:sym typeface="Raleway"/>
+              </a:rPr>
+              <a:t>: </a:t>
+            </a:r>
+            <a:r>
+              <a:rPr lang="en" sz="1200">
+                <a:latin typeface="Raleway"/>
+                <a:ea typeface="Raleway"/>
+                <a:cs typeface="Raleway"/>
+                <a:sym typeface="Raleway"/>
+              </a:rPr>
+              <a:t>Loads a CSV file (movies.csv) containing movie IDs and textual descriptions.</a:t>
+            </a:r>
+            <a:endParaRPr sz="1200">
+              <a:latin typeface="Raleway"/>
+              <a:ea typeface="Raleway"/>
+              <a:cs typeface="Raleway"/>
+              <a:sym typeface="Raleway"/>
+            </a:endParaRPr>
+          </a:p>
+          <a:p>
+            <a:pPr indent="-304800" lvl="1" marL="914400" rtl="0" algn="l">
+              <a:spcBef>
+                <a:spcPts val="1000"/>
+              </a:spcBef>
+              <a:spcAft>
+                <a:spcPts val="0"/>
+              </a:spcAft>
+              <a:buSzPts val="1200"/>
+              <a:buFont typeface="Raleway"/>
+              <a:buChar char="◆"/>
+            </a:pPr>
+            <a:r>
+              <a:rPr lang="en" sz="1200">
+                <a:latin typeface="Raleway"/>
+                <a:ea typeface="Raleway"/>
+                <a:cs typeface="Raleway"/>
+                <a:sym typeface="Raleway"/>
+              </a:rPr>
+              <a:t>Database Connection</a:t>
+            </a:r>
+            <a:r>
+              <a:rPr lang="en" sz="1200">
+                <a:latin typeface="Raleway"/>
+                <a:ea typeface="Raleway"/>
+                <a:cs typeface="Raleway"/>
+                <a:sym typeface="Raleway"/>
+              </a:rPr>
+              <a:t> : </a:t>
+            </a:r>
+            <a:r>
+              <a:rPr lang="en" sz="1200">
+                <a:latin typeface="Raleway"/>
+                <a:ea typeface="Raleway"/>
+                <a:cs typeface="Raleway"/>
+                <a:sym typeface="Raleway"/>
+              </a:rPr>
+              <a:t>Establishes a connection to the imdb PostgreSQL database using psycopg2.</a:t>
+            </a:r>
+            <a:endParaRPr sz="1200">
+              <a:latin typeface="Raleway"/>
+              <a:ea typeface="Raleway"/>
+              <a:cs typeface="Raleway"/>
+              <a:sym typeface="Raleway"/>
+            </a:endParaRPr>
+          </a:p>
+          <a:p>
+            <a:pPr indent="-317500" lvl="1" marL="914400" rtl="0" algn="l">
+              <a:spcBef>
+                <a:spcPts val="1000"/>
+              </a:spcBef>
+              <a:spcAft>
+                <a:spcPts val="0"/>
+              </a:spcAft>
+              <a:buSzPts val="1400"/>
+              <a:buFont typeface="Raleway"/>
+              <a:buChar char="◆"/>
+            </a:pPr>
+            <a:r>
+              <a:rPr lang="en" sz="1200">
+                <a:latin typeface="Raleway"/>
+                <a:ea typeface="Raleway"/>
+                <a:cs typeface="Raleway"/>
+                <a:sym typeface="Raleway"/>
+              </a:rPr>
+              <a:t>Insert Records</a:t>
+            </a:r>
+            <a:r>
+              <a:rPr lang="en" sz="1200">
+                <a:latin typeface="Raleway"/>
+                <a:ea typeface="Raleway"/>
+                <a:cs typeface="Raleway"/>
+                <a:sym typeface="Raleway"/>
+              </a:rPr>
+              <a:t> : </a:t>
+            </a:r>
+            <a:r>
+              <a:rPr lang="en" sz="1200">
+                <a:latin typeface="Raleway"/>
+                <a:ea typeface="Raleway"/>
+                <a:cs typeface="Raleway"/>
+                <a:sym typeface="Raleway"/>
+              </a:rPr>
+              <a:t>Iterates over each movie row in the DataFrame. Executes an INSERT SQL statement for each row with: mov_id, mov_details, and embedding set as NULL.</a:t>
+            </a:r>
+            <a:r>
+              <a:rPr lang="en" sz="1200">
+                <a:latin typeface="Raleway"/>
+                <a:ea typeface="Raleway"/>
+                <a:cs typeface="Raleway"/>
+                <a:sym typeface="Raleway"/>
+              </a:rPr>
+              <a:t>.</a:t>
+            </a:r>
+            <a:endParaRPr sz="1200">
+              <a:latin typeface="Raleway"/>
+              <a:ea typeface="Raleway"/>
+              <a:cs typeface="Raleway"/>
+              <a:sym typeface="Raleway"/>
+            </a:endParaRPr>
+          </a:p>
+          <a:p>
+            <a:pPr indent="-304800" lvl="1" marL="914400" rtl="0" algn="l">
+              <a:spcBef>
+                <a:spcPts val="1000"/>
+              </a:spcBef>
+              <a:spcAft>
+                <a:spcPts val="0"/>
+              </a:spcAft>
+              <a:buSzPts val="1200"/>
+              <a:buFont typeface="Raleway"/>
+              <a:buChar char="◆"/>
+            </a:pPr>
+            <a:r>
+              <a:rPr lang="en" sz="1200">
+                <a:latin typeface="Raleway"/>
+                <a:ea typeface="Raleway"/>
+                <a:cs typeface="Raleway"/>
+                <a:sym typeface="Raleway"/>
+              </a:rPr>
+              <a:t>Insertion : Final database set up to support full vector search.</a:t>
             </a:r>
             <a:endParaRPr sz="1200">
               <a:latin typeface="Raleway"/>
@@ -9015,7 +9201,7 @@
                 <a:spcPts val="1000"/>
               </a:spcBef>
               <a:spcAft>
-                <a:spcPts val="0"/>
+                <a:spcPts val="1000"/>
               </a:spcAft>
               <a:buNone/>
             </a:pPr>
@@ -9026,110 +9212,7 @@
                 <a:cs typeface="Raleway"/>
                 <a:sym typeface="Raleway"/>
               </a:rPr>
-              <a:t>A user-friendly, movie-aware chatbot that demonstrates real-world Retrieval-Augmented Generation (RAG).</a:t>
-            </a:r>
-            <a:endParaRPr sz="1200">
-              <a:latin typeface="Raleway"/>
-              <a:ea typeface="Raleway"/>
-              <a:cs typeface="Raleway"/>
-              <a:sym typeface="Raleway"/>
-            </a:endParaRPr>
-          </a:p>
-          <a:p>
-            <a:pPr indent="-304800" lvl="0" marL="457200" rtl="0" algn="l">
-              <a:spcBef>
-                <a:spcPts val="1000"/>
-              </a:spcBef>
-              <a:spcAft>
-                <a:spcPts val="0"/>
-              </a:spcAft>
-              <a:buClr>
-                <a:schemeClr val="dk1"/>
-              </a:buClr>
-              <a:buSzPts val="1200"/>
-              <a:buFont typeface="Raleway"/>
-              <a:buChar char="➔"/>
-            </a:pPr>
-            <a:r>
-              <a:rPr b="1" lang="en" sz="1200">
-                <a:solidFill>
-                  <a:schemeClr val="dk1"/>
-                </a:solidFill>
-                <a:latin typeface="Raleway"/>
-                <a:ea typeface="Raleway"/>
-                <a:cs typeface="Raleway"/>
-                <a:sym typeface="Raleway"/>
-              </a:rPr>
-              <a:t>Sample Questions and Answers - chat</a:t>
-            </a:r>
-            <a:endParaRPr b="1" sz="1200">
-              <a:solidFill>
-                <a:schemeClr val="dk1"/>
-              </a:solidFill>
-              <a:latin typeface="Raleway"/>
-              <a:ea typeface="Raleway"/>
-              <a:cs typeface="Raleway"/>
-              <a:sym typeface="Raleway"/>
-            </a:endParaRPr>
-          </a:p>
-          <a:p>
-            <a:pPr indent="0" lvl="0" marL="457200" rtl="0" algn="l">
-              <a:spcBef>
-                <a:spcPts val="1000"/>
-              </a:spcBef>
-              <a:spcAft>
-                <a:spcPts val="0"/>
-              </a:spcAft>
-              <a:buNone/>
-            </a:pPr>
-            <a:r>
-              <a:rPr lang="en" sz="1200">
-                <a:latin typeface="Raleway"/>
-                <a:ea typeface="Raleway"/>
-                <a:cs typeface="Raleway"/>
-                <a:sym typeface="Raleway"/>
-              </a:rPr>
-              <a:t>Check the screen recording to see sample chat</a:t>
-            </a:r>
-            <a:endParaRPr sz="1200">
-              <a:latin typeface="Raleway"/>
-              <a:ea typeface="Raleway"/>
-              <a:cs typeface="Raleway"/>
-              <a:sym typeface="Raleway"/>
-            </a:endParaRPr>
-          </a:p>
-          <a:p>
-            <a:pPr indent="0" lvl="0" marL="457200" rtl="0" algn="l">
-              <a:spcBef>
-                <a:spcPts val="1000"/>
-              </a:spcBef>
-              <a:spcAft>
-                <a:spcPts val="0"/>
-              </a:spcAft>
-              <a:buNone/>
-            </a:pPr>
-            <a:r>
-              <a:t/>
-            </a:r>
-            <a:endParaRPr sz="1200">
-              <a:latin typeface="Raleway"/>
-              <a:ea typeface="Raleway"/>
-              <a:cs typeface="Raleway"/>
-              <a:sym typeface="Raleway"/>
-            </a:endParaRPr>
-          </a:p>
-          <a:p>
-            <a:pPr indent="0" lvl="0" marL="0" rtl="0" algn="l">
-              <a:spcBef>
-                <a:spcPts val="1000"/>
-              </a:spcBef>
-              <a:spcAft>
-                <a:spcPts val="1000"/>
-              </a:spcAft>
-              <a:buNone/>
-            </a:pPr>
-            <a:r>
-              <a:t/>
+              <a:t>The movies table is populated with metadata, ready for embedding in the next step.</a:t>
             </a:r>
             <a:endParaRPr sz="1200">
               <a:latin typeface="Raleway"/>
@@ -9172,18 +9255,143 @@
           <a:chExt cx="0" cy="0"/>
         </a:xfrm>
       </p:grpSpPr>
+      <p:pic>
+        <p:nvPicPr>
+          <p:cNvPr id="159" name="Google Shape;159;p24"/>
+          <p:cNvPicPr preferRelativeResize="0"/>
+          <p:nvPr/>
+        </p:nvPicPr>
+        <p:blipFill>
+          <a:blip r:embed="rId3">
+            <a:alphaModFix/>
+          </a:blip>
+          <a:stretch>
+            <a:fillRect/>
+          </a:stretch>
+        </p:blipFill>
+        <p:spPr>
+          <a:xfrm>
+            <a:off x="549025" y="162725"/>
+            <a:ext cx="8274534" cy="4980776"/>
+          </a:xfrm>
+          <a:prstGeom prst="rect">
+            <a:avLst/>
+          </a:prstGeom>
+          <a:noFill/>
+          <a:ln>
+            <a:noFill/>
+          </a:ln>
+        </p:spPr>
+      </p:pic>
+      <p:pic>
+        <p:nvPicPr>
+          <p:cNvPr descr="Piece of duct tape sticking a note to the slide" id="160" name="Google Shape;160;p24"/>
+          <p:cNvPicPr preferRelativeResize="0"/>
+          <p:nvPr/>
+        </p:nvPicPr>
+        <p:blipFill rotWithShape="1">
+          <a:blip r:embed="rId4">
+            <a:alphaModFix/>
+          </a:blip>
+          <a:srcRect b="10011" l="9244" r="2118" t="5926"/>
+          <a:stretch/>
+        </p:blipFill>
+        <p:spPr>
+          <a:xfrm rot="154832">
+            <a:off x="3542410" y="147443"/>
+            <a:ext cx="2072005" cy="451394"/>
+          </a:xfrm>
+          <a:prstGeom prst="rect">
+            <a:avLst/>
+          </a:prstGeom>
+          <a:noFill/>
+          <a:ln>
+            <a:noFill/>
+          </a:ln>
+        </p:spPr>
+      </p:pic>
       <p:sp>
         <p:nvSpPr>
-          <p:cNvPr id="159" name="Google Shape;159;p24"/>
+          <p:cNvPr id="161" name="Google Shape;161;p24"/>
+          <p:cNvSpPr txBox="1"/>
+          <p:nvPr/>
+        </p:nvSpPr>
+        <p:spPr>
+          <a:xfrm>
+            <a:off x="1704875" y="687400"/>
+            <a:ext cx="6020100" cy="497400"/>
+          </a:xfrm>
+          <a:prstGeom prst="rect">
+            <a:avLst/>
+          </a:prstGeom>
+          <a:noFill/>
+          <a:ln>
+            <a:noFill/>
+          </a:ln>
+        </p:spPr>
+        <p:txBody>
+          <a:bodyPr anchorCtr="0" anchor="b" bIns="91425" lIns="91425" spcFirstLastPara="1" rIns="91425" wrap="square" tIns="91425">
+            <a:noAutofit/>
+          </a:bodyPr>
+          <a:lstStyle/>
+          <a:p>
+            <a:pPr indent="0" lvl="0" marL="0" rtl="0" algn="l">
+              <a:spcBef>
+                <a:spcPts val="0"/>
+              </a:spcBef>
+              <a:spcAft>
+                <a:spcPts val="0"/>
+              </a:spcAft>
+              <a:buNone/>
+            </a:pPr>
+            <a:r>
+              <a:rPr b="1" lang="en" sz="2300">
+                <a:solidFill>
+                  <a:schemeClr val="lt2"/>
+                </a:solidFill>
+                <a:latin typeface="Raleway"/>
+                <a:ea typeface="Raleway"/>
+                <a:cs typeface="Raleway"/>
+                <a:sym typeface="Raleway"/>
+              </a:rPr>
+              <a:t>Step 5. </a:t>
+            </a:r>
+            <a:r>
+              <a:rPr b="1" lang="en" sz="2300">
+                <a:solidFill>
+                  <a:schemeClr val="lt2"/>
+                </a:solidFill>
+                <a:latin typeface="Raleway"/>
+                <a:ea typeface="Raleway"/>
+                <a:cs typeface="Raleway"/>
+                <a:sym typeface="Raleway"/>
+              </a:rPr>
+              <a:t>Update Embeddings in Database</a:t>
+            </a:r>
+            <a:endParaRPr b="1" sz="2300">
+              <a:solidFill>
+                <a:schemeClr val="lt2"/>
+              </a:solidFill>
+              <a:latin typeface="Raleway"/>
+              <a:ea typeface="Raleway"/>
+              <a:cs typeface="Raleway"/>
+              <a:sym typeface="Raleway"/>
+            </a:endParaRPr>
+          </a:p>
+        </p:txBody>
+      </p:sp>
+      <p:sp>
+        <p:nvSpPr>
+          <p:cNvPr id="162" name="Google Shape;162;p24"/>
           <p:cNvSpPr txBox="1"/>
           <p:nvPr>
-            <p:ph type="title"/>
+            <p:ph idx="4294967295" type="body"/>
           </p:nvPr>
         </p:nvSpPr>
         <p:spPr>
           <a:xfrm>
-            <a:off x="283100" y="712150"/>
-            <a:ext cx="8631600" cy="3835500"/>
+            <a:off x="937463" y="1050000"/>
+            <a:ext cx="7281900" cy="3948900"/>
           </a:xfrm>
           <a:prstGeom prst="rect">
             <a:avLst/>
@@ -9205,14 +9413,926 @@
               <a:buNone/>
             </a:pPr>
             <a:r>
-              <a:rPr lang="en">
+              <a:rPr b="1" lang="en" sz="1200">
+                <a:latin typeface="Raleway"/>
+                <a:ea typeface="Raleway"/>
+                <a:cs typeface="Raleway"/>
+                <a:sym typeface="Raleway"/>
+              </a:rPr>
+              <a:t>Generate and store sentence embeddings for each movie's textual metadata using Hugging Face transformer.</a:t>
+            </a:r>
+            <a:endParaRPr sz="1200">
+              <a:latin typeface="Raleway"/>
+              <a:ea typeface="Raleway"/>
+              <a:cs typeface="Raleway"/>
+              <a:sym typeface="Raleway"/>
+            </a:endParaRPr>
+          </a:p>
+          <a:p>
+            <a:pPr indent="-317500" lvl="0" marL="457200" rtl="0" algn="l">
+              <a:spcBef>
+                <a:spcPts val="1600"/>
+              </a:spcBef>
+              <a:spcAft>
+                <a:spcPts val="0"/>
+              </a:spcAft>
+              <a:buClr>
+                <a:schemeClr val="dk1"/>
+              </a:buClr>
+              <a:buSzPts val="1400"/>
+              <a:buFont typeface="Raleway"/>
+              <a:buChar char="➔"/>
+            </a:pPr>
+            <a:r>
+              <a:rPr b="1" lang="en" sz="1400">
                 <a:solidFill>
                   <a:schemeClr val="dk1"/>
                 </a:solidFill>
+                <a:latin typeface="Raleway"/>
+                <a:ea typeface="Raleway"/>
+                <a:cs typeface="Raleway"/>
+                <a:sym typeface="Raleway"/>
+              </a:rPr>
+              <a:t>Key Actions</a:t>
+            </a:r>
+            <a:endParaRPr b="1" sz="1400">
+              <a:solidFill>
+                <a:schemeClr val="dk1"/>
+              </a:solidFill>
+              <a:latin typeface="Raleway"/>
+              <a:ea typeface="Raleway"/>
+              <a:cs typeface="Raleway"/>
+              <a:sym typeface="Raleway"/>
+            </a:endParaRPr>
+          </a:p>
+          <a:p>
+            <a:pPr indent="-304800" lvl="1" marL="914400" rtl="0" algn="l">
+              <a:spcBef>
+                <a:spcPts val="1000"/>
+              </a:spcBef>
+              <a:spcAft>
+                <a:spcPts val="0"/>
+              </a:spcAft>
+              <a:buSzPts val="1200"/>
+              <a:buFont typeface="Raleway"/>
+              <a:buChar char="◆"/>
+            </a:pPr>
+            <a:r>
+              <a:rPr lang="en" sz="1200">
+                <a:latin typeface="Raleway"/>
+                <a:ea typeface="Raleway"/>
+                <a:cs typeface="Raleway"/>
+                <a:sym typeface="Raleway"/>
+              </a:rPr>
+              <a:t>Connect to PostgreSQL</a:t>
+            </a:r>
+            <a:r>
+              <a:rPr lang="en" sz="1200">
+                <a:latin typeface="Raleway"/>
+                <a:ea typeface="Raleway"/>
+                <a:cs typeface="Raleway"/>
+                <a:sym typeface="Raleway"/>
+              </a:rPr>
+              <a:t> : </a:t>
+            </a:r>
+            <a:r>
+              <a:rPr lang="en" sz="1200">
+                <a:latin typeface="Raleway"/>
+                <a:ea typeface="Raleway"/>
+                <a:cs typeface="Raleway"/>
+                <a:sym typeface="Raleway"/>
+              </a:rPr>
+              <a:t>Establishes connection to the imdb database</a:t>
+            </a:r>
+            <a:r>
+              <a:rPr lang="en" sz="1200">
+                <a:latin typeface="Raleway"/>
+                <a:ea typeface="Raleway"/>
+                <a:cs typeface="Raleway"/>
+                <a:sym typeface="Raleway"/>
+              </a:rPr>
+              <a:t>.</a:t>
+            </a:r>
+            <a:endParaRPr sz="1200">
+              <a:latin typeface="Raleway"/>
+              <a:ea typeface="Raleway"/>
+              <a:cs typeface="Raleway"/>
+              <a:sym typeface="Raleway"/>
+            </a:endParaRPr>
+          </a:p>
+          <a:p>
+            <a:pPr indent="-304800" lvl="1" marL="914400" rtl="0" algn="l">
+              <a:spcBef>
+                <a:spcPts val="1000"/>
+              </a:spcBef>
+              <a:spcAft>
+                <a:spcPts val="0"/>
+              </a:spcAft>
+              <a:buSzPts val="1200"/>
+              <a:buFont typeface="Raleway"/>
+              <a:buChar char="◆"/>
+            </a:pPr>
+            <a:r>
+              <a:rPr lang="en" sz="1200">
+                <a:latin typeface="Raleway"/>
+                <a:ea typeface="Raleway"/>
+                <a:cs typeface="Raleway"/>
+                <a:sym typeface="Raleway"/>
+              </a:rPr>
+              <a:t>Select Records Needing Embeddings</a:t>
+            </a:r>
+            <a:r>
+              <a:rPr lang="en" sz="1200">
+                <a:latin typeface="Raleway"/>
+                <a:ea typeface="Raleway"/>
+                <a:cs typeface="Raleway"/>
+                <a:sym typeface="Raleway"/>
+              </a:rPr>
+              <a:t> : </a:t>
+            </a:r>
+            <a:r>
+              <a:rPr lang="en" sz="1200">
+                <a:latin typeface="Raleway"/>
+                <a:ea typeface="Raleway"/>
+                <a:cs typeface="Raleway"/>
+                <a:sym typeface="Raleway"/>
+              </a:rPr>
+              <a:t>Queries all rows from the movies table where the embedding column is NULL.</a:t>
+            </a:r>
+            <a:endParaRPr sz="1200">
+              <a:latin typeface="Raleway"/>
+              <a:ea typeface="Raleway"/>
+              <a:cs typeface="Raleway"/>
+              <a:sym typeface="Raleway"/>
+            </a:endParaRPr>
+          </a:p>
+          <a:p>
+            <a:pPr indent="-317500" lvl="1" marL="914400" rtl="0" algn="l">
+              <a:spcBef>
+                <a:spcPts val="1000"/>
+              </a:spcBef>
+              <a:spcAft>
+                <a:spcPts val="0"/>
+              </a:spcAft>
+              <a:buSzPts val="1400"/>
+              <a:buFont typeface="Raleway"/>
+              <a:buChar char="◆"/>
+            </a:pPr>
+            <a:r>
+              <a:rPr lang="en" sz="1200">
+                <a:latin typeface="Raleway"/>
+                <a:ea typeface="Raleway"/>
+                <a:cs typeface="Raleway"/>
+                <a:sym typeface="Raleway"/>
+              </a:rPr>
+              <a:t>Generate Embeddings</a:t>
+            </a:r>
+            <a:r>
+              <a:rPr lang="en" sz="1200">
+                <a:latin typeface="Raleway"/>
+                <a:ea typeface="Raleway"/>
+                <a:cs typeface="Raleway"/>
+                <a:sym typeface="Raleway"/>
+              </a:rPr>
+              <a:t> : </a:t>
+            </a:r>
+            <a:r>
+              <a:rPr lang="en" sz="1200">
+                <a:latin typeface="Raleway"/>
+                <a:ea typeface="Raleway"/>
+                <a:cs typeface="Raleway"/>
+                <a:sym typeface="Raleway"/>
+              </a:rPr>
+              <a:t>Uses </a:t>
+            </a:r>
+            <a:r>
+              <a:rPr lang="en" sz="1200">
+                <a:latin typeface="Raleway"/>
+                <a:ea typeface="Raleway"/>
+                <a:cs typeface="Raleway"/>
+                <a:sym typeface="Raleway"/>
+              </a:rPr>
+              <a:t>Sentence Transformer</a:t>
+            </a:r>
+            <a:r>
+              <a:rPr lang="en" sz="1200">
+                <a:latin typeface="Raleway"/>
+                <a:ea typeface="Raleway"/>
+                <a:cs typeface="Raleway"/>
+                <a:sym typeface="Raleway"/>
+              </a:rPr>
+              <a:t> model all-MiniLM-L6-v2 to embed mov_details</a:t>
+            </a:r>
+            <a:endParaRPr sz="1200">
+              <a:latin typeface="Raleway"/>
+              <a:ea typeface="Raleway"/>
+              <a:cs typeface="Raleway"/>
+              <a:sym typeface="Raleway"/>
+            </a:endParaRPr>
+          </a:p>
+          <a:p>
+            <a:pPr indent="-304800" lvl="1" marL="914400" rtl="0" algn="l">
+              <a:spcBef>
+                <a:spcPts val="1000"/>
+              </a:spcBef>
+              <a:spcAft>
+                <a:spcPts val="0"/>
+              </a:spcAft>
+              <a:buSzPts val="1200"/>
+              <a:buFont typeface="Raleway"/>
+              <a:buChar char="◆"/>
+            </a:pPr>
+            <a:r>
+              <a:rPr lang="en" sz="1200">
+                <a:latin typeface="Raleway"/>
+                <a:ea typeface="Raleway"/>
+                <a:cs typeface="Raleway"/>
+                <a:sym typeface="Raleway"/>
+              </a:rPr>
+              <a:t>Update Database</a:t>
+            </a:r>
+            <a:r>
+              <a:rPr lang="en" sz="1200">
+                <a:latin typeface="Raleway"/>
+                <a:ea typeface="Raleway"/>
+                <a:cs typeface="Raleway"/>
+                <a:sym typeface="Raleway"/>
+              </a:rPr>
+              <a:t>: </a:t>
+            </a:r>
+            <a:r>
+              <a:rPr lang="en" sz="1200">
+                <a:latin typeface="Raleway"/>
+                <a:ea typeface="Raleway"/>
+                <a:cs typeface="Raleway"/>
+                <a:sym typeface="Raleway"/>
+              </a:rPr>
+              <a:t>Stores each generated embedding vector back into the movies table against its mov_id.</a:t>
+            </a:r>
+            <a:endParaRPr sz="1200">
+              <a:latin typeface="Raleway"/>
+              <a:ea typeface="Raleway"/>
+              <a:cs typeface="Raleway"/>
+              <a:sym typeface="Raleway"/>
+            </a:endParaRPr>
+          </a:p>
+          <a:p>
+            <a:pPr indent="-304800" lvl="0" marL="457200" rtl="0" algn="l">
+              <a:spcBef>
+                <a:spcPts val="1000"/>
+              </a:spcBef>
+              <a:spcAft>
+                <a:spcPts val="0"/>
+              </a:spcAft>
+              <a:buClr>
+                <a:schemeClr val="dk1"/>
+              </a:buClr>
+              <a:buSzPts val="1200"/>
+              <a:buFont typeface="Raleway"/>
+              <a:buChar char="➔"/>
+            </a:pPr>
+            <a:r>
+              <a:rPr b="1" lang="en" sz="1200">
+                <a:solidFill>
+                  <a:schemeClr val="dk1"/>
+                </a:solidFill>
+                <a:latin typeface="Raleway"/>
+                <a:ea typeface="Raleway"/>
+                <a:cs typeface="Raleway"/>
+                <a:sym typeface="Raleway"/>
+              </a:rPr>
+              <a:t>Output</a:t>
+            </a:r>
+            <a:endParaRPr b="1" sz="1200">
+              <a:solidFill>
+                <a:schemeClr val="dk1"/>
+              </a:solidFill>
+              <a:latin typeface="Raleway"/>
+              <a:ea typeface="Raleway"/>
+              <a:cs typeface="Raleway"/>
+              <a:sym typeface="Raleway"/>
+            </a:endParaRPr>
+          </a:p>
+          <a:p>
+            <a:pPr indent="0" lvl="0" marL="457200" rtl="0" algn="l">
+              <a:spcBef>
+                <a:spcPts val="1000"/>
+              </a:spcBef>
+              <a:spcAft>
+                <a:spcPts val="1000"/>
+              </a:spcAft>
+              <a:buNone/>
+            </a:pPr>
+            <a:r>
+              <a:rPr lang="en" sz="1200">
+                <a:latin typeface="Raleway"/>
+                <a:ea typeface="Raleway"/>
+                <a:cs typeface="Raleway"/>
+                <a:sym typeface="Raleway"/>
+              </a:rPr>
+              <a:t>Movies now have semantic embeddings, enabling similarity-based retrieval and RAG functionality in the next steps.</a:t>
+            </a:r>
+            <a:endParaRPr sz="1200">
+              <a:latin typeface="Raleway"/>
+              <a:ea typeface="Raleway"/>
+              <a:cs typeface="Raleway"/>
+              <a:sym typeface="Raleway"/>
+            </a:endParaRPr>
+          </a:p>
+        </p:txBody>
+      </p:sp>
+    </p:spTree>
+  </p:cSld>
+  <p:clrMapOvr>
+    <a:masterClrMapping/>
+  </p:clrMapOvr>
+</p:sld>
+</file>
+
+<file path=ppt/slides/slide13.xml><?xml version="1.0" encoding="utf-8"?>
+<p:sld xmlns:a="http://schemas.openxmlformats.org/drawingml/2006/main" xmlns:r="http://schemas.openxmlformats.org/officeDocument/2006/relationships" xmlns:mc="http://schemas.openxmlformats.org/markup-compatibility/2006" xmlns:mv="urn:schemas-microsoft-com:mac:vml" xmlns:p="http://schemas.openxmlformats.org/presentationml/2006/main" xmlns:c="http://schemas.openxmlformats.org/drawingml/2006/chart" xmlns:dgm="http://schemas.openxmlformats.org/drawingml/2006/diagram" xmlns:o="urn:schemas-microsoft-com:office:office" xmlns:v="urn:schemas-microsoft-com:vml" xmlns:pvml="urn:schemas-microsoft-com:office:powerpoint" xmlns:com="http://schemas.openxmlformats.org/drawingml/2006/compatibility" xmlns:p14="http://schemas.microsoft.com/office/powerpoint/2010/main" xmlns:p15="http://schemas.microsoft.com/office/powerpoint/2012/main" xmlns:ahyp="http://schemas.microsoft.com/office/drawing/2018/hyperlinkcolor">
+  <p:cSld>
+    <p:bg>
+      <p:bgPr>
+        <a:solidFill>
+          <a:schemeClr val="lt1"/>
+        </a:solidFill>
+      </p:bgPr>
+    </p:bg>
+    <p:spTree>
+      <p:nvGrpSpPr>
+        <p:cNvPr id="166" name="Shape 166"/>
+        <p:cNvGrpSpPr/>
+        <p:nvPr/>
+      </p:nvGrpSpPr>
+      <p:grpSpPr>
+        <a:xfrm>
+          <a:off x="0" y="0"/>
+          <a:ext cx="0" cy="0"/>
+          <a:chOff x="0" y="0"/>
+          <a:chExt cx="0" cy="0"/>
+        </a:xfrm>
+      </p:grpSpPr>
+      <p:pic>
+        <p:nvPicPr>
+          <p:cNvPr id="167" name="Google Shape;167;p25"/>
+          <p:cNvPicPr preferRelativeResize="0"/>
+          <p:nvPr/>
+        </p:nvPicPr>
+        <p:blipFill>
+          <a:blip r:embed="rId3">
+            <a:alphaModFix/>
+          </a:blip>
+          <a:stretch>
+            <a:fillRect/>
+          </a:stretch>
+        </p:blipFill>
+        <p:spPr>
+          <a:xfrm>
+            <a:off x="549025" y="162725"/>
+            <a:ext cx="8274534" cy="4980776"/>
+          </a:xfrm>
+          <a:prstGeom prst="rect">
+            <a:avLst/>
+          </a:prstGeom>
+          <a:noFill/>
+          <a:ln>
+            <a:noFill/>
+          </a:ln>
+        </p:spPr>
+      </p:pic>
+      <p:pic>
+        <p:nvPicPr>
+          <p:cNvPr descr="Piece of duct tape sticking a note to the slide" id="168" name="Google Shape;168;p25"/>
+          <p:cNvPicPr preferRelativeResize="0"/>
+          <p:nvPr/>
+        </p:nvPicPr>
+        <p:blipFill rotWithShape="1">
+          <a:blip r:embed="rId4">
+            <a:alphaModFix/>
+          </a:blip>
+          <a:srcRect b="10011" l="9244" r="2118" t="5926"/>
+          <a:stretch/>
+        </p:blipFill>
+        <p:spPr>
+          <a:xfrm rot="154832">
+            <a:off x="3542410" y="147443"/>
+            <a:ext cx="2072005" cy="451394"/>
+          </a:xfrm>
+          <a:prstGeom prst="rect">
+            <a:avLst/>
+          </a:prstGeom>
+          <a:noFill/>
+          <a:ln>
+            <a:noFill/>
+          </a:ln>
+        </p:spPr>
+      </p:pic>
+      <p:sp>
+        <p:nvSpPr>
+          <p:cNvPr id="169" name="Google Shape;169;p25"/>
+          <p:cNvSpPr txBox="1"/>
+          <p:nvPr/>
+        </p:nvSpPr>
+        <p:spPr>
+          <a:xfrm>
+            <a:off x="1704875" y="687400"/>
+            <a:ext cx="6020100" cy="497400"/>
+          </a:xfrm>
+          <a:prstGeom prst="rect">
+            <a:avLst/>
+          </a:prstGeom>
+          <a:noFill/>
+          <a:ln>
+            <a:noFill/>
+          </a:ln>
+        </p:spPr>
+        <p:txBody>
+          <a:bodyPr anchorCtr="0" anchor="b" bIns="91425" lIns="91425" spcFirstLastPara="1" rIns="91425" wrap="square" tIns="91425">
+            <a:noAutofit/>
+          </a:bodyPr>
+          <a:lstStyle/>
+          <a:p>
+            <a:pPr indent="0" lvl="0" marL="0" rtl="0" algn="l">
+              <a:spcBef>
+                <a:spcPts val="0"/>
+              </a:spcBef>
+              <a:spcAft>
+                <a:spcPts val="0"/>
+              </a:spcAft>
+              <a:buNone/>
+            </a:pPr>
+            <a:r>
+              <a:rPr b="1" lang="en" sz="2300">
+                <a:solidFill>
+                  <a:schemeClr val="lt2"/>
+                </a:solidFill>
+                <a:latin typeface="Raleway"/>
+                <a:ea typeface="Raleway"/>
+                <a:cs typeface="Raleway"/>
+                <a:sym typeface="Raleway"/>
+              </a:rPr>
+              <a:t>Step 6. </a:t>
+            </a:r>
+            <a:r>
+              <a:rPr b="1" lang="en" sz="2300">
+                <a:solidFill>
+                  <a:schemeClr val="lt2"/>
+                </a:solidFill>
+                <a:latin typeface="Raleway"/>
+                <a:ea typeface="Raleway"/>
+                <a:cs typeface="Raleway"/>
+                <a:sym typeface="Raleway"/>
+              </a:rPr>
+              <a:t>Interactive Movie Chatbot</a:t>
+            </a:r>
+            <a:endParaRPr b="1" sz="2300">
+              <a:solidFill>
+                <a:schemeClr val="lt2"/>
+              </a:solidFill>
+              <a:latin typeface="Raleway"/>
+              <a:ea typeface="Raleway"/>
+              <a:cs typeface="Raleway"/>
+              <a:sym typeface="Raleway"/>
+            </a:endParaRPr>
+          </a:p>
+        </p:txBody>
+      </p:sp>
+      <p:sp>
+        <p:nvSpPr>
+          <p:cNvPr id="170" name="Google Shape;170;p25"/>
+          <p:cNvSpPr txBox="1"/>
+          <p:nvPr>
+            <p:ph idx="4294967295" type="body"/>
+          </p:nvPr>
+        </p:nvSpPr>
+        <p:spPr>
+          <a:xfrm>
+            <a:off x="937463" y="1050000"/>
+            <a:ext cx="7281900" cy="3948900"/>
+          </a:xfrm>
+          <a:prstGeom prst="rect">
+            <a:avLst/>
+          </a:prstGeom>
+        </p:spPr>
+        <p:txBody>
+          <a:bodyPr anchorCtr="0" anchor="t" bIns="91425" lIns="91425" spcFirstLastPara="1" rIns="91425" wrap="square" tIns="91425">
+            <a:noAutofit/>
+          </a:bodyPr>
+          <a:lstStyle/>
+          <a:p>
+            <a:pPr indent="0" lvl="0" marL="0" rtl="0" algn="l">
+              <a:spcBef>
+                <a:spcPts val="0"/>
+              </a:spcBef>
+              <a:spcAft>
+                <a:spcPts val="0"/>
+              </a:spcAft>
+              <a:buNone/>
+            </a:pPr>
+            <a:r>
+              <a:rPr b="1" lang="en" sz="1200">
+                <a:latin typeface="Raleway"/>
+                <a:ea typeface="Raleway"/>
+                <a:cs typeface="Raleway"/>
+                <a:sym typeface="Raleway"/>
+              </a:rPr>
+              <a:t>Build a conversational chatbot that answers movie-related questions using semantic search and LLM-generated responses.</a:t>
+            </a:r>
+            <a:endParaRPr sz="1200">
+              <a:latin typeface="Raleway"/>
+              <a:ea typeface="Raleway"/>
+              <a:cs typeface="Raleway"/>
+              <a:sym typeface="Raleway"/>
+            </a:endParaRPr>
+          </a:p>
+          <a:p>
+            <a:pPr indent="-317500" lvl="0" marL="457200" rtl="0" algn="l">
+              <a:spcBef>
+                <a:spcPts val="1600"/>
+              </a:spcBef>
+              <a:spcAft>
+                <a:spcPts val="0"/>
+              </a:spcAft>
+              <a:buClr>
+                <a:schemeClr val="dk1"/>
+              </a:buClr>
+              <a:buSzPts val="1400"/>
+              <a:buFont typeface="Raleway"/>
+              <a:buChar char="➔"/>
+            </a:pPr>
+            <a:r>
+              <a:rPr b="1" lang="en" sz="1400">
+                <a:solidFill>
+                  <a:schemeClr val="dk1"/>
+                </a:solidFill>
+                <a:latin typeface="Raleway"/>
+                <a:ea typeface="Raleway"/>
+                <a:cs typeface="Raleway"/>
+                <a:sym typeface="Raleway"/>
+              </a:rPr>
+              <a:t>Query Flow : </a:t>
+            </a:r>
+            <a:r>
+              <a:rPr b="1" lang="en" sz="1400">
+                <a:latin typeface="Raleway"/>
+                <a:ea typeface="Raleway"/>
+                <a:cs typeface="Raleway"/>
+                <a:sym typeface="Raleway"/>
+              </a:rPr>
+              <a:t>1</a:t>
+            </a:r>
+            <a:r>
+              <a:rPr lang="en" sz="1400">
+                <a:latin typeface="Raleway"/>
+                <a:ea typeface="Raleway"/>
+                <a:cs typeface="Raleway"/>
+                <a:sym typeface="Raleway"/>
+              </a:rPr>
+              <a:t>.User question is embedded </a:t>
+            </a:r>
+            <a:r>
+              <a:rPr b="1" lang="en" sz="1400">
+                <a:latin typeface="Raleway"/>
+                <a:ea typeface="Raleway"/>
+                <a:cs typeface="Raleway"/>
+                <a:sym typeface="Raleway"/>
+              </a:rPr>
+              <a:t>2</a:t>
+            </a:r>
+            <a:r>
+              <a:rPr lang="en" sz="1400">
+                <a:latin typeface="Raleway"/>
+                <a:ea typeface="Raleway"/>
+                <a:cs typeface="Raleway"/>
+                <a:sym typeface="Raleway"/>
+              </a:rPr>
+              <a:t>. Vector search on `movies` table retrieves top matches </a:t>
+            </a:r>
+            <a:r>
+              <a:rPr b="1" lang="en" sz="1400">
+                <a:latin typeface="Raleway"/>
+                <a:ea typeface="Raleway"/>
+                <a:cs typeface="Raleway"/>
+                <a:sym typeface="Raleway"/>
+              </a:rPr>
+              <a:t>3</a:t>
+            </a:r>
+            <a:r>
+              <a:rPr lang="en" sz="1400">
+                <a:latin typeface="Raleway"/>
+                <a:ea typeface="Raleway"/>
+                <a:cs typeface="Raleway"/>
+                <a:sym typeface="Raleway"/>
+              </a:rPr>
+              <a:t>. Context is constructed from movie details </a:t>
+            </a:r>
+            <a:r>
+              <a:rPr b="1" lang="en" sz="1400">
+                <a:latin typeface="Raleway"/>
+                <a:ea typeface="Raleway"/>
+                <a:cs typeface="Raleway"/>
+                <a:sym typeface="Raleway"/>
+              </a:rPr>
+              <a:t>4</a:t>
+            </a:r>
+            <a:r>
+              <a:rPr lang="en" sz="1400">
+                <a:latin typeface="Raleway"/>
+                <a:ea typeface="Raleway"/>
+                <a:cs typeface="Raleway"/>
+                <a:sym typeface="Raleway"/>
+              </a:rPr>
+              <a:t>. LLM prompt is dynamically generated </a:t>
+            </a:r>
+            <a:r>
+              <a:rPr b="1" lang="en" sz="1400">
+                <a:latin typeface="Raleway"/>
+                <a:ea typeface="Raleway"/>
+                <a:cs typeface="Raleway"/>
+                <a:sym typeface="Raleway"/>
+              </a:rPr>
+              <a:t>5</a:t>
+            </a:r>
+            <a:r>
+              <a:rPr lang="en" sz="1400">
+                <a:latin typeface="Raleway"/>
+                <a:ea typeface="Raleway"/>
+                <a:cs typeface="Raleway"/>
+                <a:sym typeface="Raleway"/>
+              </a:rPr>
+              <a:t>. LLM responds with a natural language answer</a:t>
+            </a:r>
+            <a:endParaRPr sz="1200">
+              <a:latin typeface="Raleway"/>
+              <a:ea typeface="Raleway"/>
+              <a:cs typeface="Raleway"/>
+              <a:sym typeface="Raleway"/>
+            </a:endParaRPr>
+          </a:p>
+          <a:p>
+            <a:pPr indent="-304800" lvl="0" marL="457200" rtl="0" algn="l">
+              <a:spcBef>
+                <a:spcPts val="1000"/>
+              </a:spcBef>
+              <a:spcAft>
+                <a:spcPts val="0"/>
+              </a:spcAft>
+              <a:buClr>
+                <a:schemeClr val="dk1"/>
+              </a:buClr>
+              <a:buSzPts val="1200"/>
+              <a:buFont typeface="Raleway"/>
+              <a:buChar char="➔"/>
+            </a:pPr>
+            <a:r>
+              <a:rPr b="1" lang="en" sz="1200">
+                <a:solidFill>
+                  <a:schemeClr val="dk1"/>
+                </a:solidFill>
+                <a:latin typeface="Raleway"/>
+                <a:ea typeface="Raleway"/>
+                <a:cs typeface="Raleway"/>
+                <a:sym typeface="Raleway"/>
+              </a:rPr>
+              <a:t>Output</a:t>
+            </a:r>
+            <a:endParaRPr b="1" sz="1200">
+              <a:solidFill>
+                <a:schemeClr val="dk1"/>
+              </a:solidFill>
+              <a:latin typeface="Raleway"/>
+              <a:ea typeface="Raleway"/>
+              <a:cs typeface="Raleway"/>
+              <a:sym typeface="Raleway"/>
+            </a:endParaRPr>
+          </a:p>
+          <a:p>
+            <a:pPr indent="0" lvl="0" marL="457200" rtl="0" algn="l">
+              <a:spcBef>
+                <a:spcPts val="1000"/>
+              </a:spcBef>
+              <a:spcAft>
+                <a:spcPts val="0"/>
+              </a:spcAft>
+              <a:buNone/>
+            </a:pPr>
+            <a:r>
+              <a:rPr lang="en" sz="1200">
+                <a:latin typeface="Raleway"/>
+                <a:ea typeface="Raleway"/>
+                <a:cs typeface="Raleway"/>
+                <a:sym typeface="Raleway"/>
+              </a:rPr>
+              <a:t>A user-friendly, movie-aware chatbot that demonstrates real-world Retrieval-Augmented Generation (RAG).</a:t>
+            </a:r>
+            <a:endParaRPr sz="1200">
+              <a:latin typeface="Raleway"/>
+              <a:ea typeface="Raleway"/>
+              <a:cs typeface="Raleway"/>
+              <a:sym typeface="Raleway"/>
+            </a:endParaRPr>
+          </a:p>
+          <a:p>
+            <a:pPr indent="-304800" lvl="0" marL="457200" rtl="0" algn="l">
+              <a:spcBef>
+                <a:spcPts val="1000"/>
+              </a:spcBef>
+              <a:spcAft>
+                <a:spcPts val="0"/>
+              </a:spcAft>
+              <a:buClr>
+                <a:schemeClr val="dk1"/>
+              </a:buClr>
+              <a:buSzPts val="1200"/>
+              <a:buFont typeface="Raleway"/>
+              <a:buChar char="➔"/>
+            </a:pPr>
+            <a:r>
+              <a:rPr b="1" lang="en" sz="1200">
+                <a:solidFill>
+                  <a:schemeClr val="dk1"/>
+                </a:solidFill>
+                <a:latin typeface="Raleway"/>
+                <a:ea typeface="Raleway"/>
+                <a:cs typeface="Raleway"/>
+                <a:sym typeface="Raleway"/>
+              </a:rPr>
+              <a:t>Sample Questions and Answers - chat</a:t>
+            </a:r>
+            <a:endParaRPr b="1" sz="1200">
+              <a:solidFill>
+                <a:schemeClr val="dk1"/>
+              </a:solidFill>
+              <a:latin typeface="Raleway"/>
+              <a:ea typeface="Raleway"/>
+              <a:cs typeface="Raleway"/>
+              <a:sym typeface="Raleway"/>
+            </a:endParaRPr>
+          </a:p>
+          <a:p>
+            <a:pPr indent="0" lvl="0" marL="457200" rtl="0" algn="l">
+              <a:spcBef>
+                <a:spcPts val="1000"/>
+              </a:spcBef>
+              <a:spcAft>
+                <a:spcPts val="0"/>
+              </a:spcAft>
+              <a:buNone/>
+            </a:pPr>
+            <a:r>
+              <a:rPr lang="en" sz="1200">
+                <a:latin typeface="Raleway"/>
+                <a:ea typeface="Raleway"/>
+                <a:cs typeface="Raleway"/>
+                <a:sym typeface="Raleway"/>
+              </a:rPr>
+              <a:t>Check the </a:t>
+            </a:r>
+            <a:r>
+              <a:rPr lang="en" sz="1200" u="sng">
+                <a:solidFill>
+                  <a:schemeClr val="hlink"/>
+                </a:solidFill>
+                <a:latin typeface="Raleway"/>
+                <a:ea typeface="Raleway"/>
+                <a:cs typeface="Raleway"/>
+                <a:sym typeface="Raleway"/>
+                <a:hlinkClick r:id="rId5"/>
+              </a:rPr>
+              <a:t>screen recording</a:t>
+            </a:r>
+            <a:r>
+              <a:rPr lang="en" sz="1200">
+                <a:latin typeface="Raleway"/>
+                <a:ea typeface="Raleway"/>
+                <a:cs typeface="Raleway"/>
+                <a:sym typeface="Raleway"/>
+              </a:rPr>
+              <a:t> to see sample chat</a:t>
+            </a:r>
+            <a:endParaRPr sz="1200">
+              <a:latin typeface="Raleway"/>
+              <a:ea typeface="Raleway"/>
+              <a:cs typeface="Raleway"/>
+              <a:sym typeface="Raleway"/>
+            </a:endParaRPr>
+          </a:p>
+          <a:p>
+            <a:pPr indent="0" lvl="0" marL="457200" rtl="0" algn="l">
+              <a:spcBef>
+                <a:spcPts val="1000"/>
+              </a:spcBef>
+              <a:spcAft>
+                <a:spcPts val="0"/>
+              </a:spcAft>
+              <a:buNone/>
+            </a:pPr>
+            <a:r>
+              <a:t/>
+            </a:r>
+            <a:endParaRPr sz="1200">
+              <a:latin typeface="Raleway"/>
+              <a:ea typeface="Raleway"/>
+              <a:cs typeface="Raleway"/>
+              <a:sym typeface="Raleway"/>
+            </a:endParaRPr>
+          </a:p>
+          <a:p>
+            <a:pPr indent="0" lvl="0" marL="0" rtl="0" algn="l">
+              <a:spcBef>
+                <a:spcPts val="1000"/>
+              </a:spcBef>
+              <a:spcAft>
+                <a:spcPts val="1000"/>
+              </a:spcAft>
+              <a:buNone/>
+            </a:pPr>
+            <a:r>
+              <a:t/>
+            </a:r>
+            <a:endParaRPr sz="1200">
+              <a:latin typeface="Raleway"/>
+              <a:ea typeface="Raleway"/>
+              <a:cs typeface="Raleway"/>
+              <a:sym typeface="Raleway"/>
+            </a:endParaRPr>
+          </a:p>
+        </p:txBody>
+      </p:sp>
+    </p:spTree>
+  </p:cSld>
+  <p:clrMapOvr>
+    <a:masterClrMapping/>
+  </p:clrMapOvr>
+</p:sld>
+</file>
+
+<file path=ppt/slides/slide14.xml><?xml version="1.0" encoding="utf-8"?>
+<p:sld xmlns:a="http://schemas.openxmlformats.org/drawingml/2006/main" xmlns:r="http://schemas.openxmlformats.org/officeDocument/2006/relationships" xmlns:mc="http://schemas.openxmlformats.org/markup-compatibility/2006" xmlns:mv="urn:schemas-microsoft-com:mac:vml" xmlns:p="http://schemas.openxmlformats.org/presentationml/2006/main" xmlns:c="http://schemas.openxmlformats.org/drawingml/2006/chart" xmlns:dgm="http://schemas.openxmlformats.org/drawingml/2006/diagram" xmlns:o="urn:schemas-microsoft-com:office:office" xmlns:v="urn:schemas-microsoft-com:vml" xmlns:pvml="urn:schemas-microsoft-com:office:powerpoint" xmlns:com="http://schemas.openxmlformats.org/drawingml/2006/compatibility" xmlns:p14="http://schemas.microsoft.com/office/powerpoint/2010/main" xmlns:p15="http://schemas.microsoft.com/office/powerpoint/2012/main" xmlns:ahyp="http://schemas.microsoft.com/office/drawing/2018/hyperlinkcolor">
+  <p:cSld>
+    <p:bg>
+      <p:bgPr>
+        <a:solidFill>
+          <a:schemeClr val="lt1"/>
+        </a:solidFill>
+      </p:bgPr>
+    </p:bg>
+    <p:spTree>
+      <p:nvGrpSpPr>
+        <p:cNvPr id="174" name="Shape 174"/>
+        <p:cNvGrpSpPr/>
+        <p:nvPr/>
+      </p:nvGrpSpPr>
+      <p:grpSpPr>
+        <a:xfrm>
+          <a:off x="0" y="0"/>
+          <a:ext cx="0" cy="0"/>
+          <a:chOff x="0" y="0"/>
+          <a:chExt cx="0" cy="0"/>
+        </a:xfrm>
+      </p:grpSpPr>
+      <p:sp>
+        <p:nvSpPr>
+          <p:cNvPr id="175" name="Google Shape;175;p26"/>
+          <p:cNvSpPr txBox="1"/>
+          <p:nvPr>
+            <p:ph type="title"/>
+          </p:nvPr>
+        </p:nvSpPr>
+        <p:spPr>
+          <a:xfrm>
+            <a:off x="0" y="0"/>
+            <a:ext cx="9434700" cy="5056800"/>
+          </a:xfrm>
+          <a:prstGeom prst="rect">
+            <a:avLst/>
+          </a:prstGeom>
+        </p:spPr>
+        <p:txBody>
+          <a:bodyPr anchorCtr="0" anchor="t" bIns="91425" lIns="91425" spcFirstLastPara="1" rIns="91425" wrap="square" tIns="91425">
+            <a:noAutofit/>
+          </a:bodyPr>
+          <a:lstStyle/>
+          <a:p>
+            <a:pPr indent="0" lvl="0" marL="0" rtl="0" algn="l">
+              <a:spcBef>
+                <a:spcPts val="0"/>
+              </a:spcBef>
+              <a:spcAft>
+                <a:spcPts val="0"/>
+              </a:spcAft>
+              <a:buNone/>
+            </a:pPr>
+            <a:r>
+              <a:rPr lang="en" sz="2800">
+                <a:solidFill>
+                  <a:schemeClr val="dk1"/>
+                </a:solidFill>
               </a:rPr>
               <a:t>Let’s chat!</a:t>
             </a:r>
-            <a:endParaRPr>
+            <a:endParaRPr sz="2800">
               <a:solidFill>
                 <a:schemeClr val="dk1"/>
               </a:solidFill>
@@ -9222,21 +10342,21 @@
       </p:sp>
       <p:grpSp>
         <p:nvGrpSpPr>
-          <p:cNvPr id="160" name="Google Shape;160;p24"/>
+          <p:cNvPr id="176" name="Google Shape;176;p26"/>
           <p:cNvGrpSpPr/>
           <p:nvPr/>
         </p:nvGrpSpPr>
         <p:grpSpPr>
           <a:xfrm>
-            <a:off x="3227000" y="1695227"/>
-            <a:ext cx="5766814" cy="3305810"/>
-            <a:chOff x="6803275" y="395363"/>
-            <a:chExt cx="2212050" cy="2537076"/>
+            <a:off x="67769" y="471974"/>
+            <a:ext cx="8926506" cy="4671514"/>
+            <a:chOff x="6803275" y="395365"/>
+            <a:chExt cx="2212050" cy="2537074"/>
           </a:xfrm>
         </p:grpSpPr>
         <p:pic>
           <p:nvPicPr>
-            <p:cNvPr id="161" name="Google Shape;161;p24"/>
+            <p:cNvPr id="177" name="Google Shape;177;p26"/>
             <p:cNvPicPr preferRelativeResize="0"/>
             <p:nvPr/>
           </p:nvPicPr>
@@ -9264,7 +10384,7 @@
         </p:pic>
         <p:pic>
           <p:nvPicPr>
-            <p:cNvPr descr="Piece of duct tape sticking a note to the slide" id="162" name="Google Shape;162;p24"/>
+            <p:cNvPr descr="Piece of duct tape sticking a note to the slide" id="178" name="Google Shape;178;p26"/>
             <p:cNvPicPr preferRelativeResize="0"/>
             <p:nvPr/>
           </p:nvPicPr>
@@ -9277,8 +10397,8 @@
           </p:blipFill>
           <p:spPr>
             <a:xfrm rot="154826">
-              <a:off x="7370663" y="419419"/>
-              <a:ext cx="1077273" cy="382687"/>
+              <a:off x="7373010" y="419474"/>
+              <a:ext cx="1077273" cy="278548"/>
             </a:xfrm>
             <a:prstGeom prst="rect">
               <a:avLst/>
@@ -9291,14 +10411,14 @@
         </p:pic>
         <p:sp>
           <p:nvSpPr>
-            <p:cNvPr id="163" name="Google Shape;163;p24"/>
+            <p:cNvPr id="179" name="Google Shape;179;p26"/>
             <p:cNvSpPr txBox="1"/>
             <p:nvPr/>
           </p:nvSpPr>
           <p:spPr>
             <a:xfrm>
-              <a:off x="6944800" y="684231"/>
-              <a:ext cx="1929000" cy="2004000"/>
+              <a:off x="6890362" y="646438"/>
+              <a:ext cx="2071500" cy="2191800"/>
             </a:xfrm>
             <a:prstGeom prst="rect">
               <a:avLst/>
@@ -9366,6 +10486,18 @@
                 <a:buNone/>
               </a:pPr>
               <a:r>
+                <a:rPr b="1" lang="en" sz="1200">
+                  <a:solidFill>
+                    <a:schemeClr val="dk2"/>
+                  </a:solidFill>
+                  <a:latin typeface="Raleway"/>
+                  <a:ea typeface="Raleway"/>
+                  <a:cs typeface="Raleway"/>
+                  <a:sym typeface="Raleway"/>
+                </a:rPr>
+                <a:t>Ask questions like</a:t>
+              </a:r>
+              <a:r>
                 <a:rPr lang="en" sz="1200">
                   <a:solidFill>
                     <a:schemeClr val="dk2"/>
@@ -9375,7 +10507,7 @@
                   <a:cs typeface="Raleway"/>
                   <a:sym typeface="Raleway"/>
                 </a:rPr>
-                <a:t>Ask questions like -</a:t>
+                <a:t> -</a:t>
               </a:r>
               <a:endParaRPr sz="1200">
                 <a:solidFill>
@@ -9388,7 +10520,7 @@
               </a:endParaRPr>
             </a:p>
             <a:p>
-              <a:pPr indent="0" lvl="0" marL="0" rtl="0" algn="l">
+              <a:pPr indent="-304800" lvl="0" marL="457200" rtl="0" algn="l">
                 <a:spcBef>
                   <a:spcPts val="800"/>
                 </a:spcBef>
@@ -9398,9 +10530,9 @@
                 <a:buClr>
                   <a:schemeClr val="dk2"/>
                 </a:buClr>
-                <a:buSzPts val="1100"/>
-                <a:buFont typeface="Arial"/>
-                <a:buNone/>
+                <a:buSzPts val="1200"/>
+                <a:buFont typeface="Raleway"/>
+                <a:buChar char="●"/>
               </a:pPr>
               <a:r>
                 <a:rPr lang="en" sz="1200">
@@ -9425,9 +10557,9 @@
               </a:endParaRPr>
             </a:p>
             <a:p>
-              <a:pPr indent="0" lvl="0" marL="0" rtl="0" algn="l">
+              <a:pPr indent="-304800" lvl="0" marL="457200" rtl="0" algn="l">
                 <a:spcBef>
-                  <a:spcPts val="800"/>
+                  <a:spcPts val="0"/>
                 </a:spcBef>
                 <a:spcAft>
                   <a:spcPts val="0"/>
@@ -9435,9 +10567,9 @@
                 <a:buClr>
                   <a:schemeClr val="dk2"/>
                 </a:buClr>
-                <a:buSzPts val="1100"/>
-                <a:buFont typeface="Arial"/>
-                <a:buNone/>
+                <a:buSzPts val="1200"/>
+                <a:buFont typeface="Raleway"/>
+                <a:buChar char="●"/>
               </a:pPr>
               <a:r>
                 <a:rPr lang="en" sz="1200">
@@ -9462,9 +10594,9 @@
               </a:endParaRPr>
             </a:p>
             <a:p>
-              <a:pPr indent="0" lvl="0" marL="0" rtl="0" algn="l">
+              <a:pPr indent="-304800" lvl="0" marL="457200" rtl="0" algn="l">
                 <a:spcBef>
-                  <a:spcPts val="800"/>
+                  <a:spcPts val="0"/>
                 </a:spcBef>
                 <a:spcAft>
                   <a:spcPts val="0"/>
@@ -9472,9 +10604,9 @@
                 <a:buClr>
                   <a:schemeClr val="dk2"/>
                 </a:buClr>
-                <a:buSzPts val="1100"/>
-                <a:buFont typeface="Arial"/>
-                <a:buNone/>
+                <a:buSzPts val="1200"/>
+                <a:buFont typeface="Raleway"/>
+                <a:buChar char="●"/>
               </a:pPr>
               <a:r>
                 <a:rPr lang="en" sz="1200">
@@ -9486,35 +10618,7 @@
                   <a:cs typeface="Raleway"/>
                   <a:sym typeface="Raleway"/>
                 </a:rPr>
-                <a:t>Movies about  foreign languages</a:t>
-              </a:r>
-              <a:endParaRPr sz="1200">
-                <a:solidFill>
-                  <a:schemeClr val="dk2"/>
-                </a:solidFill>
-                <a:latin typeface="Raleway"/>
-                <a:ea typeface="Raleway"/>
-                <a:cs typeface="Raleway"/>
-                <a:sym typeface="Raleway"/>
-              </a:endParaRPr>
-            </a:p>
-            <a:p>
-              <a:pPr indent="0" lvl="0" marL="0" rtl="0" algn="l">
-                <a:spcBef>
-                  <a:spcPts val="800"/>
-                </a:spcBef>
-                <a:spcAft>
-                  <a:spcPts val="0"/>
-                </a:spcAft>
-                <a:buClr>
-                  <a:schemeClr val="dk2"/>
-                </a:buClr>
-                <a:buSzPts val="1100"/>
-                <a:buFont typeface="Arial"/>
-                <a:buNone/>
-              </a:pPr>
-              <a:r>
-                <a:t/>
+                <a:t>Movies about foreign languages</a:t>
               </a:r>
               <a:endParaRPr sz="1200">
                 <a:solidFill>
@@ -9542,6 +10646,18 @@
                 <a:buNone/>
               </a:pPr>
               <a:r>
+                <a:rPr b="1" lang="en" sz="1200">
+                  <a:solidFill>
+                    <a:schemeClr val="dk1"/>
+                  </a:solidFill>
+                  <a:latin typeface="Raleway"/>
+                  <a:ea typeface="Raleway"/>
+                  <a:cs typeface="Raleway"/>
+                  <a:sym typeface="Raleway"/>
+                </a:rPr>
+                <a:t>Note </a:t>
+              </a:r>
+              <a:r>
                 <a:rPr lang="en" sz="1200">
                   <a:solidFill>
                     <a:schemeClr val="dk2"/>
@@ -9551,7 +10667,7 @@
                   <a:cs typeface="Raleway"/>
                   <a:sym typeface="Raleway"/>
                 </a:rPr>
-                <a:t>Note : The semantic search </a:t>
+                <a:t>: The semantic search </a:t>
               </a:r>
               <a:r>
                 <a:rPr lang="en" sz="1200">
@@ -9575,7 +10691,7 @@
                   <a:cs typeface="Raleway"/>
                   <a:sym typeface="Raleway"/>
                 </a:rPr>
-                <a:t> work on numbers like ratings because Semantic search ranks results based on vector similarity, not business logic (like rating or vote count)</a:t>
+                <a:t> work on numbers like ratings because Semantic search ranks results based on vector similarity, not business logic (like rating or vote count). See example below -</a:t>
               </a:r>
               <a:endParaRPr sz="1200">
                 <a:solidFill>
@@ -9590,6 +10706,34 @@
           </p:txBody>
         </p:sp>
       </p:grpSp>
+      <p:pic>
+        <p:nvPicPr>
+          <p:cNvPr id="180" name="Google Shape;180;p26"/>
+          <p:cNvPicPr preferRelativeResize="0"/>
+          <p:nvPr/>
+        </p:nvPicPr>
+        <p:blipFill>
+          <a:blip r:embed="rId5">
+            <a:alphaModFix/>
+          </a:blip>
+          <a:stretch>
+            <a:fillRect/>
+          </a:stretch>
+        </p:blipFill>
+        <p:spPr>
+          <a:xfrm>
+            <a:off x="419200" y="2812550"/>
+            <a:ext cx="8223599" cy="2106501"/>
+          </a:xfrm>
+          <a:prstGeom prst="rect">
+            <a:avLst/>
+          </a:prstGeom>
+          <a:noFill/>
+          <a:ln>
+            <a:noFill/>
+          </a:ln>
+        </p:spPr>
+      </p:pic>
     </p:spTree>
   </p:cSld>
   <p:clrMapOvr>
@@ -9598,7 +10742,7 @@
 </p:sld>
 </file>
 
-<file path=ppt/slides/slide13.xml><?xml version="1.0" encoding="utf-8"?>
+<file path=ppt/slides/slide15.xml><?xml version="1.0" encoding="utf-8"?>
 <p:sld xmlns:a="http://schemas.openxmlformats.org/drawingml/2006/main" xmlns:r="http://schemas.openxmlformats.org/officeDocument/2006/relationships" xmlns:mc="http://schemas.openxmlformats.org/markup-compatibility/2006" xmlns:mv="urn:schemas-microsoft-com:mac:vml" xmlns:p="http://schemas.openxmlformats.org/presentationml/2006/main" xmlns:c="http://schemas.openxmlformats.org/drawingml/2006/chart" xmlns:dgm="http://schemas.openxmlformats.org/drawingml/2006/diagram" xmlns:o="urn:schemas-microsoft-com:office:office" xmlns:v="urn:schemas-microsoft-com:vml" xmlns:pvml="urn:schemas-microsoft-com:office:powerpoint" xmlns:com="http://schemas.openxmlformats.org/drawingml/2006/compatibility" xmlns:p14="http://schemas.microsoft.com/office/powerpoint/2010/main" xmlns:p15="http://schemas.microsoft.com/office/powerpoint/2012/main" xmlns:ahyp="http://schemas.microsoft.com/office/drawing/2018/hyperlinkcolor">
   <p:cSld>
     <p:bg>
@@ -9610,7 +10754,7 @@
     </p:bg>
     <p:spTree>
       <p:nvGrpSpPr>
-        <p:cNvPr id="167" name="Shape 167"/>
+        <p:cNvPr id="184" name="Shape 184"/>
         <p:cNvGrpSpPr/>
         <p:nvPr/>
       </p:nvGrpSpPr>
@@ -9624,7 +10768,7 @@
       </p:grpSpPr>
       <p:sp>
         <p:nvSpPr>
-          <p:cNvPr id="168" name="Google Shape;168;p25"/>
+          <p:cNvPr id="185" name="Google Shape;185;p27"/>
           <p:cNvSpPr txBox="1"/>
           <p:nvPr>
             <p:ph type="title"/>
@@ -9771,7 +10915,7 @@
                   <a:schemeClr val="dk1"/>
                 </a:solidFill>
               </a:rPr>
-              <a:t>IMDb Project &amp; RAG Components</a:t>
+              <a:t>Motivation for the Project</a:t>
             </a:r>
             <a:endParaRPr sz="2500"/>
           </a:p>
@@ -9780,6 +10924,440 @@
       <p:sp>
         <p:nvSpPr>
           <p:cNvPr id="80" name="Google Shape;80;p14"/>
+          <p:cNvSpPr txBox="1"/>
+          <p:nvPr>
+            <p:ph idx="4294967295" type="title"/>
+          </p:nvPr>
+        </p:nvSpPr>
+        <p:spPr>
+          <a:xfrm>
+            <a:off x="328650" y="950400"/>
+            <a:ext cx="8402700" cy="4270200"/>
+          </a:xfrm>
+          <a:prstGeom prst="rect">
+            <a:avLst/>
+          </a:prstGeom>
+        </p:spPr>
+        <p:txBody>
+          <a:bodyPr anchorCtr="0" anchor="t" bIns="91425" lIns="91425" spcFirstLastPara="1" rIns="91425" wrap="square" tIns="91425">
+            <a:noAutofit/>
+          </a:bodyPr>
+          <a:lstStyle/>
+          <a:p>
+            <a:pPr indent="-330200" lvl="0" marL="457200" rtl="0" algn="l">
+              <a:lnSpc>
+                <a:spcPct val="115000"/>
+              </a:lnSpc>
+              <a:spcBef>
+                <a:spcPts val="0"/>
+              </a:spcBef>
+              <a:spcAft>
+                <a:spcPts val="0"/>
+              </a:spcAft>
+              <a:buSzPts val="1600"/>
+              <a:buFont typeface="Lato"/>
+              <a:buChar char="●"/>
+            </a:pPr>
+            <a:r>
+              <a:rPr b="0" lang="en" sz="1600">
+                <a:latin typeface="Lato"/>
+                <a:ea typeface="Lato"/>
+                <a:cs typeface="Lato"/>
+                <a:sym typeface="Lato"/>
+              </a:rPr>
+              <a:t>End-to-End Learning Opportunity :  </a:t>
+            </a:r>
+            <a:r>
+              <a:rPr b="0" lang="en" sz="1600">
+                <a:latin typeface="Arial"/>
+                <a:ea typeface="Arial"/>
+                <a:cs typeface="Arial"/>
+                <a:sym typeface="Arial"/>
+              </a:rPr>
+              <a:t>Combine </a:t>
+            </a:r>
+            <a:r>
+              <a:rPr lang="en" sz="1600">
+                <a:latin typeface="Arial"/>
+                <a:ea typeface="Arial"/>
+                <a:cs typeface="Arial"/>
+                <a:sym typeface="Arial"/>
+              </a:rPr>
+              <a:t>data engineering</a:t>
+            </a:r>
+            <a:r>
+              <a:rPr b="0" lang="en" sz="1600">
+                <a:latin typeface="Arial"/>
+                <a:ea typeface="Arial"/>
+                <a:cs typeface="Arial"/>
+                <a:sym typeface="Arial"/>
+              </a:rPr>
+              <a:t>, </a:t>
+            </a:r>
+            <a:r>
+              <a:rPr lang="en" sz="1600">
+                <a:latin typeface="Arial"/>
+                <a:ea typeface="Arial"/>
+                <a:cs typeface="Arial"/>
+                <a:sym typeface="Arial"/>
+              </a:rPr>
+              <a:t>AI</a:t>
+            </a:r>
+            <a:r>
+              <a:rPr b="0" lang="en" sz="1600">
+                <a:latin typeface="Arial"/>
+                <a:ea typeface="Arial"/>
+                <a:cs typeface="Arial"/>
+                <a:sym typeface="Arial"/>
+              </a:rPr>
+              <a:t>, and </a:t>
+            </a:r>
+            <a:r>
+              <a:rPr lang="en" sz="1600">
+                <a:latin typeface="Arial"/>
+                <a:ea typeface="Arial"/>
+                <a:cs typeface="Arial"/>
+                <a:sym typeface="Arial"/>
+              </a:rPr>
+              <a:t>app development</a:t>
+            </a:r>
+            <a:r>
+              <a:rPr b="0" lang="en" sz="1600">
+                <a:latin typeface="Arial"/>
+                <a:ea typeface="Arial"/>
+                <a:cs typeface="Arial"/>
+                <a:sym typeface="Arial"/>
+              </a:rPr>
+              <a:t> in one project.</a:t>
+            </a:r>
+            <a:endParaRPr b="0" sz="1600">
+              <a:latin typeface="Arial"/>
+              <a:ea typeface="Arial"/>
+              <a:cs typeface="Arial"/>
+              <a:sym typeface="Arial"/>
+            </a:endParaRPr>
+          </a:p>
+          <a:p>
+            <a:pPr indent="-330200" lvl="0" marL="457200" rtl="0" algn="l">
+              <a:lnSpc>
+                <a:spcPct val="115000"/>
+              </a:lnSpc>
+              <a:spcBef>
+                <a:spcPts val="0"/>
+              </a:spcBef>
+              <a:spcAft>
+                <a:spcPts val="0"/>
+              </a:spcAft>
+              <a:buSzPts val="1600"/>
+              <a:buFont typeface="Lato"/>
+              <a:buChar char="●"/>
+            </a:pPr>
+            <a:r>
+              <a:rPr b="0" lang="en" sz="1600">
+                <a:latin typeface="Lato"/>
+                <a:ea typeface="Lato"/>
+                <a:cs typeface="Lato"/>
+                <a:sym typeface="Lato"/>
+              </a:rPr>
+              <a:t>Hands-On with RAG Architecture : </a:t>
+            </a:r>
+            <a:r>
+              <a:rPr b="0" lang="en" sz="1600">
+                <a:latin typeface="Arial"/>
+                <a:ea typeface="Arial"/>
+                <a:cs typeface="Arial"/>
+                <a:sym typeface="Arial"/>
+              </a:rPr>
+              <a:t>Build a real-world </a:t>
+            </a:r>
+            <a:r>
+              <a:rPr lang="en" sz="1600">
+                <a:latin typeface="Arial"/>
+                <a:ea typeface="Arial"/>
+                <a:cs typeface="Arial"/>
+                <a:sym typeface="Arial"/>
+              </a:rPr>
+              <a:t>semantic search + RAG pipeline</a:t>
+            </a:r>
+            <a:r>
+              <a:rPr b="0" lang="en" sz="1600">
+                <a:latin typeface="Arial"/>
+                <a:ea typeface="Arial"/>
+                <a:cs typeface="Arial"/>
+                <a:sym typeface="Arial"/>
+              </a:rPr>
+              <a:t>, a fast-growing AI use case</a:t>
+            </a:r>
+            <a:endParaRPr b="0" sz="1600">
+              <a:latin typeface="Arial"/>
+              <a:ea typeface="Arial"/>
+              <a:cs typeface="Arial"/>
+              <a:sym typeface="Arial"/>
+            </a:endParaRPr>
+          </a:p>
+          <a:p>
+            <a:pPr indent="-330200" lvl="0" marL="457200" rtl="0" algn="l">
+              <a:lnSpc>
+                <a:spcPct val="115000"/>
+              </a:lnSpc>
+              <a:spcBef>
+                <a:spcPts val="0"/>
+              </a:spcBef>
+              <a:spcAft>
+                <a:spcPts val="0"/>
+              </a:spcAft>
+              <a:buSzPts val="1600"/>
+              <a:buFont typeface="Lato"/>
+              <a:buChar char="●"/>
+            </a:pPr>
+            <a:r>
+              <a:rPr b="0" lang="en" sz="1600">
+                <a:latin typeface="Lato"/>
+                <a:ea typeface="Lato"/>
+                <a:cs typeface="Lato"/>
+                <a:sym typeface="Lato"/>
+              </a:rPr>
+              <a:t>Modern AI Relevance : </a:t>
+            </a:r>
+            <a:r>
+              <a:rPr b="0" lang="en" sz="1600">
+                <a:latin typeface="Arial"/>
+                <a:ea typeface="Arial"/>
+                <a:cs typeface="Arial"/>
+                <a:sym typeface="Arial"/>
+              </a:rPr>
+              <a:t>Semantic search and RAG are central to </a:t>
+            </a:r>
+            <a:r>
+              <a:rPr lang="en" sz="1600">
+                <a:latin typeface="Arial"/>
+                <a:ea typeface="Arial"/>
+                <a:cs typeface="Arial"/>
+                <a:sym typeface="Arial"/>
+              </a:rPr>
+              <a:t>intelligent assistants and contextual query engines</a:t>
+            </a:r>
+            <a:r>
+              <a:rPr b="0" lang="en" sz="1600">
+                <a:latin typeface="Arial"/>
+                <a:ea typeface="Arial"/>
+                <a:cs typeface="Arial"/>
+                <a:sym typeface="Arial"/>
+              </a:rPr>
+              <a:t>.</a:t>
+            </a:r>
+            <a:endParaRPr b="0" sz="1600">
+              <a:latin typeface="Arial"/>
+              <a:ea typeface="Arial"/>
+              <a:cs typeface="Arial"/>
+              <a:sym typeface="Arial"/>
+            </a:endParaRPr>
+          </a:p>
+          <a:p>
+            <a:pPr indent="-330200" lvl="0" marL="457200" rtl="0" algn="l">
+              <a:lnSpc>
+                <a:spcPct val="115000"/>
+              </a:lnSpc>
+              <a:spcBef>
+                <a:spcPts val="0"/>
+              </a:spcBef>
+              <a:spcAft>
+                <a:spcPts val="0"/>
+              </a:spcAft>
+              <a:buSzPts val="1600"/>
+              <a:buFont typeface="Lato"/>
+              <a:buChar char="●"/>
+            </a:pPr>
+            <a:r>
+              <a:rPr b="0" lang="en" sz="1600">
+                <a:latin typeface="Lato"/>
+                <a:ea typeface="Lato"/>
+                <a:cs typeface="Lato"/>
+                <a:sym typeface="Lato"/>
+              </a:rPr>
+              <a:t>Skill Enhancement : </a:t>
+            </a:r>
+            <a:r>
+              <a:rPr b="0" lang="en" sz="1600">
+                <a:latin typeface="Arial"/>
+                <a:ea typeface="Arial"/>
+                <a:cs typeface="Arial"/>
+                <a:sym typeface="Arial"/>
+              </a:rPr>
+              <a:t>Strengthens expertise in </a:t>
+            </a:r>
+            <a:r>
+              <a:rPr lang="en" sz="1600">
+                <a:latin typeface="Arial"/>
+                <a:ea typeface="Arial"/>
+                <a:cs typeface="Arial"/>
+                <a:sym typeface="Arial"/>
+              </a:rPr>
+              <a:t>embedding generation</a:t>
+            </a:r>
+            <a:r>
+              <a:rPr b="0" lang="en" sz="1600">
+                <a:latin typeface="Arial"/>
+                <a:ea typeface="Arial"/>
+                <a:cs typeface="Arial"/>
+                <a:sym typeface="Arial"/>
+              </a:rPr>
+              <a:t>, </a:t>
+            </a:r>
+            <a:r>
+              <a:rPr lang="en" sz="1600">
+                <a:latin typeface="Arial"/>
+                <a:ea typeface="Arial"/>
+                <a:cs typeface="Arial"/>
+                <a:sym typeface="Arial"/>
+              </a:rPr>
+              <a:t>vector search</a:t>
+            </a:r>
+            <a:r>
+              <a:rPr b="0" lang="en" sz="1600">
+                <a:latin typeface="Arial"/>
+                <a:ea typeface="Arial"/>
+                <a:cs typeface="Arial"/>
+                <a:sym typeface="Arial"/>
+              </a:rPr>
+              <a:t>, and </a:t>
+            </a:r>
+            <a:r>
+              <a:rPr lang="en" sz="1600">
+                <a:latin typeface="Arial"/>
+                <a:ea typeface="Arial"/>
+                <a:cs typeface="Arial"/>
+                <a:sym typeface="Arial"/>
+              </a:rPr>
+              <a:t>retrieval workflows</a:t>
+            </a:r>
+            <a:endParaRPr b="0" sz="1600">
+              <a:latin typeface="Lato"/>
+              <a:ea typeface="Lato"/>
+              <a:cs typeface="Lato"/>
+              <a:sym typeface="Lato"/>
+            </a:endParaRPr>
+          </a:p>
+          <a:p>
+            <a:pPr indent="0" lvl="0" marL="457200" rtl="0" algn="l">
+              <a:lnSpc>
+                <a:spcPct val="115000"/>
+              </a:lnSpc>
+              <a:spcBef>
+                <a:spcPts val="1600"/>
+              </a:spcBef>
+              <a:spcAft>
+                <a:spcPts val="0"/>
+              </a:spcAft>
+              <a:buNone/>
+            </a:pPr>
+            <a:r>
+              <a:t/>
+            </a:r>
+            <a:endParaRPr b="0" sz="1600">
+              <a:latin typeface="Lato"/>
+              <a:ea typeface="Lato"/>
+              <a:cs typeface="Lato"/>
+              <a:sym typeface="Lato"/>
+            </a:endParaRPr>
+          </a:p>
+          <a:p>
+            <a:pPr indent="0" lvl="0" marL="0" rtl="0" algn="l">
+              <a:lnSpc>
+                <a:spcPct val="115000"/>
+              </a:lnSpc>
+              <a:spcBef>
+                <a:spcPts val="1600"/>
+              </a:spcBef>
+              <a:spcAft>
+                <a:spcPts val="1600"/>
+              </a:spcAft>
+              <a:buNone/>
+            </a:pPr>
+            <a:r>
+              <a:t/>
+            </a:r>
+            <a:endParaRPr b="0" sz="1900">
+              <a:latin typeface="Lato"/>
+              <a:ea typeface="Lato"/>
+              <a:cs typeface="Lato"/>
+              <a:sym typeface="Lato"/>
+            </a:endParaRPr>
+          </a:p>
+        </p:txBody>
+      </p:sp>
+    </p:spTree>
+  </p:cSld>
+  <p:clrMapOvr>
+    <a:masterClrMapping/>
+  </p:clrMapOvr>
+</p:sld>
+</file>
+
+<file path=ppt/slides/slide3.xml><?xml version="1.0" encoding="utf-8"?>
+<p:sld xmlns:a="http://schemas.openxmlformats.org/drawingml/2006/main" xmlns:r="http://schemas.openxmlformats.org/officeDocument/2006/relationships" xmlns:mc="http://schemas.openxmlformats.org/markup-compatibility/2006" xmlns:mv="urn:schemas-microsoft-com:mac:vml" xmlns:p="http://schemas.openxmlformats.org/presentationml/2006/main" xmlns:c="http://schemas.openxmlformats.org/drawingml/2006/chart" xmlns:dgm="http://schemas.openxmlformats.org/drawingml/2006/diagram" xmlns:o="urn:schemas-microsoft-com:office:office" xmlns:v="urn:schemas-microsoft-com:vml" xmlns:pvml="urn:schemas-microsoft-com:office:powerpoint" xmlns:com="http://schemas.openxmlformats.org/drawingml/2006/compatibility" xmlns:p14="http://schemas.microsoft.com/office/powerpoint/2010/main" xmlns:p15="http://schemas.microsoft.com/office/powerpoint/2012/main" xmlns:ahyp="http://schemas.microsoft.com/office/drawing/2018/hyperlinkcolor">
+  <p:cSld>
+    <p:spTree>
+      <p:nvGrpSpPr>
+        <p:cNvPr id="84" name="Shape 84"/>
+        <p:cNvGrpSpPr/>
+        <p:nvPr/>
+      </p:nvGrpSpPr>
+      <p:grpSpPr>
+        <a:xfrm>
+          <a:off x="0" y="0"/>
+          <a:ext cx="0" cy="0"/>
+          <a:chOff x="0" y="0"/>
+          <a:chExt cx="0" cy="0"/>
+        </a:xfrm>
+      </p:grpSpPr>
+      <p:sp>
+        <p:nvSpPr>
+          <p:cNvPr id="85" name="Google Shape;85;p15"/>
+          <p:cNvSpPr txBox="1"/>
+          <p:nvPr>
+            <p:ph idx="4294967295" type="title"/>
+          </p:nvPr>
+        </p:nvSpPr>
+        <p:spPr>
+          <a:xfrm>
+            <a:off x="535775" y="114950"/>
+            <a:ext cx="8238900" cy="768000"/>
+          </a:xfrm>
+          <a:prstGeom prst="rect">
+            <a:avLst/>
+          </a:prstGeom>
+        </p:spPr>
+        <p:txBody>
+          <a:bodyPr anchorCtr="0" anchor="t" bIns="91425" lIns="91425" spcFirstLastPara="1" rIns="91425" wrap="square" tIns="91425">
+            <a:noAutofit/>
+          </a:bodyPr>
+          <a:lstStyle/>
+          <a:p>
+            <a:pPr indent="0" lvl="0" marL="0" rtl="0" algn="l">
+              <a:spcBef>
+                <a:spcPts val="0"/>
+              </a:spcBef>
+              <a:spcAft>
+                <a:spcPts val="1600"/>
+              </a:spcAft>
+              <a:buNone/>
+            </a:pPr>
+            <a:r>
+              <a:rPr lang="en" sz="2500">
+                <a:solidFill>
+                  <a:schemeClr val="dk1"/>
+                </a:solidFill>
+              </a:rPr>
+              <a:t>IMDb Project &amp; RAG Components</a:t>
+            </a:r>
+            <a:endParaRPr sz="2500"/>
+          </a:p>
+        </p:txBody>
+      </p:sp>
+      <p:sp>
+        <p:nvSpPr>
+          <p:cNvPr id="86" name="Google Shape;86;p15"/>
           <p:cNvSpPr txBox="1"/>
           <p:nvPr>
             <p:ph idx="4294967295" type="title"/>
@@ -9902,25 +11480,7 @@
                 <a:cs typeface="Lato"/>
                 <a:sym typeface="Lato"/>
               </a:rPr>
-              <a:t>PostgreSQL + </a:t>
-            </a:r>
-            <a:r>
-              <a:rPr b="0" lang="en" sz="1600">
-                <a:latin typeface="Lato"/>
-                <a:ea typeface="Lato"/>
-                <a:cs typeface="Lato"/>
-                <a:sym typeface="Lato"/>
-              </a:rPr>
-              <a:t>pg vector</a:t>
-            </a:r>
-            <a:r>
-              <a:rPr b="0" lang="en" sz="1600">
-                <a:latin typeface="Lato"/>
-                <a:ea typeface="Lato"/>
-                <a:cs typeface="Lato"/>
-                <a:sym typeface="Lato"/>
-              </a:rPr>
-              <a:t> for vector search (</a:t>
+              <a:t>PostgreSQL + pg vector for vector search (</a:t>
             </a:r>
             <a:r>
               <a:rPr lang="en" sz="1600">
@@ -9972,16 +11532,7 @@
                 <a:cs typeface="Lato"/>
                 <a:sym typeface="Lato"/>
               </a:rPr>
-              <a:t>Sentence Transformers</a:t>
-            </a:r>
-            <a:r>
-              <a:rPr b="0" lang="en" sz="1600">
-                <a:latin typeface="Lato"/>
-                <a:ea typeface="Lato"/>
-                <a:cs typeface="Lato"/>
-                <a:sym typeface="Lato"/>
-              </a:rPr>
-              <a:t> for embedding generation (</a:t>
+              <a:t>Sentence Transformers for embedding generation (</a:t>
             </a:r>
             <a:r>
               <a:rPr lang="en" sz="1600">
@@ -10181,7 +11732,7 @@
       </p:sp>
       <p:pic>
         <p:nvPicPr>
-          <p:cNvPr id="81" name="Google Shape;81;p14"/>
+          <p:cNvPr id="87" name="Google Shape;87;p15"/>
           <p:cNvPicPr preferRelativeResize="0"/>
           <p:nvPr/>
         </p:nvPicPr>
@@ -10207,553 +11758,6 @@
           </a:ln>
         </p:spPr>
       </p:pic>
-    </p:spTree>
-  </p:cSld>
-  <p:clrMapOvr>
-    <a:masterClrMapping/>
-  </p:clrMapOvr>
-</p:sld>
-</file>
-
-<file path=ppt/slides/slide3.xml><?xml version="1.0" encoding="utf-8"?>
-<p:sld xmlns:a="http://schemas.openxmlformats.org/drawingml/2006/main" xmlns:r="http://schemas.openxmlformats.org/officeDocument/2006/relationships" xmlns:mc="http://schemas.openxmlformats.org/markup-compatibility/2006" xmlns:mv="urn:schemas-microsoft-com:mac:vml" xmlns:p="http://schemas.openxmlformats.org/presentationml/2006/main" xmlns:c="http://schemas.openxmlformats.org/drawingml/2006/chart" xmlns:dgm="http://schemas.openxmlformats.org/drawingml/2006/diagram" xmlns:o="urn:schemas-microsoft-com:office:office" xmlns:v="urn:schemas-microsoft-com:vml" xmlns:pvml="urn:schemas-microsoft-com:office:powerpoint" xmlns:com="http://schemas.openxmlformats.org/drawingml/2006/compatibility" xmlns:p14="http://schemas.microsoft.com/office/powerpoint/2010/main" xmlns:p15="http://schemas.microsoft.com/office/powerpoint/2012/main" xmlns:ahyp="http://schemas.microsoft.com/office/drawing/2018/hyperlinkcolor">
-  <p:cSld>
-    <p:spTree>
-      <p:nvGrpSpPr>
-        <p:cNvPr id="85" name="Shape 85"/>
-        <p:cNvGrpSpPr/>
-        <p:nvPr/>
-      </p:nvGrpSpPr>
-      <p:grpSpPr>
-        <a:xfrm>
-          <a:off x="0" y="0"/>
-          <a:ext cx="0" cy="0"/>
-          <a:chOff x="0" y="0"/>
-          <a:chExt cx="0" cy="0"/>
-        </a:xfrm>
-      </p:grpSpPr>
-      <p:sp>
-        <p:nvSpPr>
-          <p:cNvPr id="86" name="Google Shape;86;p15"/>
-          <p:cNvSpPr txBox="1"/>
-          <p:nvPr>
-            <p:ph idx="4294967295" type="title"/>
-          </p:nvPr>
-        </p:nvSpPr>
-        <p:spPr>
-          <a:xfrm>
-            <a:off x="535775" y="114950"/>
-            <a:ext cx="8238900" cy="768000"/>
-          </a:xfrm>
-          <a:prstGeom prst="rect">
-            <a:avLst/>
-          </a:prstGeom>
-        </p:spPr>
-        <p:txBody>
-          <a:bodyPr anchorCtr="0" anchor="t" bIns="91425" lIns="91425" spcFirstLastPara="1" rIns="91425" wrap="square" tIns="91425">
-            <a:noAutofit/>
-          </a:bodyPr>
-          <a:lstStyle/>
-          <a:p>
-            <a:pPr indent="0" lvl="0" marL="0" rtl="0" algn="l">
-              <a:spcBef>
-                <a:spcPts val="0"/>
-              </a:spcBef>
-              <a:spcAft>
-                <a:spcPts val="1600"/>
-              </a:spcAft>
-              <a:buNone/>
-            </a:pPr>
-            <a:r>
-              <a:rPr lang="en" sz="2500">
-                <a:solidFill>
-                  <a:schemeClr val="dk1"/>
-                </a:solidFill>
-              </a:rPr>
-              <a:t>Understanding Data Source</a:t>
-            </a:r>
-            <a:endParaRPr sz="2500"/>
-          </a:p>
-        </p:txBody>
-      </p:sp>
-      <p:sp>
-        <p:nvSpPr>
-          <p:cNvPr id="87" name="Google Shape;87;p15"/>
-          <p:cNvSpPr txBox="1"/>
-          <p:nvPr/>
-        </p:nvSpPr>
-        <p:spPr>
-          <a:xfrm>
-            <a:off x="298575" y="558625"/>
-            <a:ext cx="8013900" cy="4218900"/>
-          </a:xfrm>
-          <a:prstGeom prst="rect">
-            <a:avLst/>
-          </a:prstGeom>
-          <a:noFill/>
-          <a:ln>
-            <a:noFill/>
-          </a:ln>
-        </p:spPr>
-        <p:txBody>
-          <a:bodyPr anchorCtr="0" anchor="t" bIns="91425" lIns="91425" spcFirstLastPara="1" rIns="91425" wrap="square" tIns="91425">
-            <a:noAutofit/>
-          </a:bodyPr>
-          <a:lstStyle/>
-          <a:p>
-            <a:pPr indent="0" lvl="0" marL="0" rtl="0" algn="l">
-              <a:spcBef>
-                <a:spcPts val="0"/>
-              </a:spcBef>
-              <a:spcAft>
-                <a:spcPts val="0"/>
-              </a:spcAft>
-              <a:buNone/>
-            </a:pPr>
-            <a:r>
-              <a:rPr lang="en" sz="1800">
-                <a:solidFill>
-                  <a:schemeClr val="dk2"/>
-                </a:solidFill>
-                <a:latin typeface="Lato"/>
-                <a:ea typeface="Lato"/>
-                <a:cs typeface="Lato"/>
-                <a:sym typeface="Lato"/>
-              </a:rPr>
-              <a:t>IMDb’s datasets at https://datasets.imdbws.com/ comprise seven tab-separated, gzipped files covering:</a:t>
-            </a:r>
-            <a:endParaRPr sz="1800">
-              <a:solidFill>
-                <a:schemeClr val="dk2"/>
-              </a:solidFill>
-              <a:latin typeface="Lato"/>
-              <a:ea typeface="Lato"/>
-              <a:cs typeface="Lato"/>
-              <a:sym typeface="Lato"/>
-            </a:endParaRPr>
-          </a:p>
-          <a:p>
-            <a:pPr indent="0" lvl="0" marL="0" rtl="0" algn="l">
-              <a:spcBef>
-                <a:spcPts val="0"/>
-              </a:spcBef>
-              <a:spcAft>
-                <a:spcPts val="0"/>
-              </a:spcAft>
-              <a:buNone/>
-            </a:pPr>
-            <a:r>
-              <a:t/>
-            </a:r>
-            <a:endParaRPr sz="1800">
-              <a:solidFill>
-                <a:schemeClr val="dk2"/>
-              </a:solidFill>
-              <a:latin typeface="Lato"/>
-              <a:ea typeface="Lato"/>
-              <a:cs typeface="Lato"/>
-              <a:sym typeface="Lato"/>
-            </a:endParaRPr>
-          </a:p>
-          <a:p>
-            <a:pPr indent="-342900" lvl="0" marL="457200" rtl="0" algn="l">
-              <a:spcBef>
-                <a:spcPts val="0"/>
-              </a:spcBef>
-              <a:spcAft>
-                <a:spcPts val="0"/>
-              </a:spcAft>
-              <a:buClr>
-                <a:schemeClr val="dk2"/>
-              </a:buClr>
-              <a:buSzPts val="1800"/>
-              <a:buFont typeface="Lato"/>
-              <a:buChar char="●"/>
-            </a:pPr>
-            <a:r>
-              <a:rPr lang="en" sz="1800">
-                <a:solidFill>
-                  <a:schemeClr val="dk2"/>
-                </a:solidFill>
-                <a:latin typeface="Lato"/>
-                <a:ea typeface="Lato"/>
-                <a:cs typeface="Lato"/>
-                <a:sym typeface="Lato"/>
-              </a:rPr>
-              <a:t>title.basics.tsv.gz (basic info about titles, e.g., </a:t>
-            </a:r>
-            <a:r>
-              <a:rPr lang="en" sz="1800">
-                <a:solidFill>
-                  <a:schemeClr val="dk1"/>
-                </a:solidFill>
-                <a:latin typeface="Lato"/>
-                <a:ea typeface="Lato"/>
-                <a:cs typeface="Lato"/>
-                <a:sym typeface="Lato"/>
-              </a:rPr>
-              <a:t>tconst</a:t>
-            </a:r>
-            <a:r>
-              <a:rPr lang="en" sz="1800">
-                <a:solidFill>
-                  <a:schemeClr val="dk2"/>
-                </a:solidFill>
-                <a:latin typeface="Lato"/>
-                <a:ea typeface="Lato"/>
-                <a:cs typeface="Lato"/>
-                <a:sym typeface="Lato"/>
-              </a:rPr>
-              <a:t>, title, year, genres)</a:t>
-            </a:r>
-            <a:endParaRPr sz="1800">
-              <a:solidFill>
-                <a:schemeClr val="dk2"/>
-              </a:solidFill>
-              <a:latin typeface="Lato"/>
-              <a:ea typeface="Lato"/>
-              <a:cs typeface="Lato"/>
-              <a:sym typeface="Lato"/>
-            </a:endParaRPr>
-          </a:p>
-          <a:p>
-            <a:pPr indent="-342900" lvl="0" marL="457200" rtl="0" algn="l">
-              <a:spcBef>
-                <a:spcPts val="0"/>
-              </a:spcBef>
-              <a:spcAft>
-                <a:spcPts val="0"/>
-              </a:spcAft>
-              <a:buClr>
-                <a:schemeClr val="dk2"/>
-              </a:buClr>
-              <a:buSzPts val="1800"/>
-              <a:buFont typeface="Lato"/>
-              <a:buChar char="●"/>
-            </a:pPr>
-            <a:r>
-              <a:rPr lang="en" sz="1800">
-                <a:solidFill>
-                  <a:schemeClr val="dk2"/>
-                </a:solidFill>
-                <a:latin typeface="Lato"/>
-                <a:ea typeface="Lato"/>
-                <a:cs typeface="Lato"/>
-                <a:sym typeface="Lato"/>
-              </a:rPr>
-              <a:t>name.basics.tsv.gz (actor/crew info with </a:t>
-            </a:r>
-            <a:r>
-              <a:rPr lang="en" sz="1800">
-                <a:solidFill>
-                  <a:schemeClr val="dk1"/>
-                </a:solidFill>
-                <a:latin typeface="Lato"/>
-                <a:ea typeface="Lato"/>
-                <a:cs typeface="Lato"/>
-                <a:sym typeface="Lato"/>
-              </a:rPr>
-              <a:t>nconst</a:t>
-            </a:r>
-            <a:r>
-              <a:rPr lang="en" sz="1800">
-                <a:solidFill>
-                  <a:schemeClr val="dk2"/>
-                </a:solidFill>
-                <a:latin typeface="Lato"/>
-                <a:ea typeface="Lato"/>
-                <a:cs typeface="Lato"/>
-                <a:sym typeface="Lato"/>
-              </a:rPr>
-              <a:t>, name, birth/death year, professions);</a:t>
-            </a:r>
-            <a:endParaRPr sz="1800">
-              <a:solidFill>
-                <a:schemeClr val="dk2"/>
-              </a:solidFill>
-              <a:latin typeface="Lato"/>
-              <a:ea typeface="Lato"/>
-              <a:cs typeface="Lato"/>
-              <a:sym typeface="Lato"/>
-            </a:endParaRPr>
-          </a:p>
-          <a:p>
-            <a:pPr indent="-342900" lvl="0" marL="457200" rtl="0" algn="l">
-              <a:spcBef>
-                <a:spcPts val="0"/>
-              </a:spcBef>
-              <a:spcAft>
-                <a:spcPts val="0"/>
-              </a:spcAft>
-              <a:buClr>
-                <a:schemeClr val="dk2"/>
-              </a:buClr>
-              <a:buSzPts val="1800"/>
-              <a:buFont typeface="Lato"/>
-              <a:buChar char="●"/>
-            </a:pPr>
-            <a:r>
-              <a:rPr lang="en" sz="1800">
-                <a:solidFill>
-                  <a:schemeClr val="dk2"/>
-                </a:solidFill>
-                <a:latin typeface="Lato"/>
-                <a:ea typeface="Lato"/>
-                <a:cs typeface="Lato"/>
-                <a:sym typeface="Lato"/>
-              </a:rPr>
-              <a:t>title.ratings.tsv.gz (</a:t>
-            </a:r>
-            <a:r>
-              <a:rPr lang="en" sz="1800">
-                <a:solidFill>
-                  <a:schemeClr val="dk1"/>
-                </a:solidFill>
-                <a:latin typeface="Lato"/>
-                <a:ea typeface="Lato"/>
-                <a:cs typeface="Lato"/>
-                <a:sym typeface="Lato"/>
-              </a:rPr>
-              <a:t>tconst</a:t>
-            </a:r>
-            <a:r>
-              <a:rPr lang="en" sz="1800">
-                <a:solidFill>
-                  <a:schemeClr val="dk2"/>
-                </a:solidFill>
-                <a:latin typeface="Lato"/>
-                <a:ea typeface="Lato"/>
-                <a:cs typeface="Lato"/>
-                <a:sym typeface="Lato"/>
-              </a:rPr>
-              <a:t>, IMDb average ratings, vote counts)</a:t>
-            </a:r>
-            <a:endParaRPr sz="1800">
-              <a:solidFill>
-                <a:schemeClr val="dk2"/>
-              </a:solidFill>
-              <a:latin typeface="Lato"/>
-              <a:ea typeface="Lato"/>
-              <a:cs typeface="Lato"/>
-              <a:sym typeface="Lato"/>
-            </a:endParaRPr>
-          </a:p>
-          <a:p>
-            <a:pPr indent="-342900" lvl="0" marL="457200" rtl="0" algn="l">
-              <a:spcBef>
-                <a:spcPts val="0"/>
-              </a:spcBef>
-              <a:spcAft>
-                <a:spcPts val="0"/>
-              </a:spcAft>
-              <a:buClr>
-                <a:schemeClr val="dk2"/>
-              </a:buClr>
-              <a:buSzPts val="1800"/>
-              <a:buFont typeface="Lato"/>
-              <a:buChar char="●"/>
-            </a:pPr>
-            <a:r>
-              <a:rPr lang="en" sz="1800">
-                <a:solidFill>
-                  <a:schemeClr val="dk2"/>
-                </a:solidFill>
-                <a:latin typeface="Lato"/>
-                <a:ea typeface="Lato"/>
-                <a:cs typeface="Lato"/>
-                <a:sym typeface="Lato"/>
-              </a:rPr>
-              <a:t>title.crew.tsv.gz (</a:t>
-            </a:r>
-            <a:r>
-              <a:rPr lang="en" sz="1800">
-                <a:solidFill>
-                  <a:schemeClr val="dk1"/>
-                </a:solidFill>
-                <a:latin typeface="Lato"/>
-                <a:ea typeface="Lato"/>
-                <a:cs typeface="Lato"/>
-                <a:sym typeface="Lato"/>
-              </a:rPr>
-              <a:t>tconst</a:t>
-            </a:r>
-            <a:r>
-              <a:rPr lang="en" sz="1800">
-                <a:solidFill>
-                  <a:schemeClr val="dk2"/>
-                </a:solidFill>
-                <a:latin typeface="Lato"/>
-                <a:ea typeface="Lato"/>
-                <a:cs typeface="Lato"/>
-                <a:sym typeface="Lato"/>
-              </a:rPr>
-              <a:t>, lists of directors/writers by nconst)</a:t>
-            </a:r>
-            <a:endParaRPr sz="1800">
-              <a:solidFill>
-                <a:schemeClr val="dk2"/>
-              </a:solidFill>
-              <a:latin typeface="Lato"/>
-              <a:ea typeface="Lato"/>
-              <a:cs typeface="Lato"/>
-              <a:sym typeface="Lato"/>
-            </a:endParaRPr>
-          </a:p>
-          <a:p>
-            <a:pPr indent="-342900" lvl="0" marL="457200" rtl="0" algn="l">
-              <a:spcBef>
-                <a:spcPts val="0"/>
-              </a:spcBef>
-              <a:spcAft>
-                <a:spcPts val="0"/>
-              </a:spcAft>
-              <a:buClr>
-                <a:schemeClr val="dk2"/>
-              </a:buClr>
-              <a:buSzPts val="1800"/>
-              <a:buFont typeface="Lato"/>
-              <a:buChar char="●"/>
-            </a:pPr>
-            <a:r>
-              <a:rPr lang="en" sz="1800">
-                <a:solidFill>
-                  <a:schemeClr val="dk2"/>
-                </a:solidFill>
-                <a:latin typeface="Lato"/>
-                <a:ea typeface="Lato"/>
-                <a:cs typeface="Lato"/>
-                <a:sym typeface="Lato"/>
-              </a:rPr>
-              <a:t>title.principals.tsv.gz (cast/crew credits for each title by </a:t>
-            </a:r>
-            <a:r>
-              <a:rPr lang="en" sz="1800">
-                <a:solidFill>
-                  <a:schemeClr val="dk1"/>
-                </a:solidFill>
-                <a:latin typeface="Lato"/>
-                <a:ea typeface="Lato"/>
-                <a:cs typeface="Lato"/>
-                <a:sym typeface="Lato"/>
-              </a:rPr>
-              <a:t>nconst </a:t>
-            </a:r>
-            <a:r>
-              <a:rPr lang="en" sz="1800">
-                <a:solidFill>
-                  <a:schemeClr val="dk2"/>
-                </a:solidFill>
-                <a:latin typeface="Lato"/>
-                <a:ea typeface="Lato"/>
-                <a:cs typeface="Lato"/>
-                <a:sym typeface="Lato"/>
-              </a:rPr>
-              <a:t>and role)</a:t>
-            </a:r>
-            <a:endParaRPr sz="1800">
-              <a:solidFill>
-                <a:schemeClr val="dk2"/>
-              </a:solidFill>
-              <a:latin typeface="Lato"/>
-              <a:ea typeface="Lato"/>
-              <a:cs typeface="Lato"/>
-              <a:sym typeface="Lato"/>
-            </a:endParaRPr>
-          </a:p>
-          <a:p>
-            <a:pPr indent="-342900" lvl="1" marL="914400" rtl="0" algn="l">
-              <a:spcBef>
-                <a:spcPts val="0"/>
-              </a:spcBef>
-              <a:spcAft>
-                <a:spcPts val="0"/>
-              </a:spcAft>
-              <a:buClr>
-                <a:schemeClr val="dk2"/>
-              </a:buClr>
-              <a:buSzPts val="1800"/>
-              <a:buFont typeface="Lato"/>
-              <a:buChar char="○"/>
-            </a:pPr>
-            <a:r>
-              <a:rPr lang="en" sz="1800">
-                <a:solidFill>
-                  <a:schemeClr val="dk2"/>
-                </a:solidFill>
-                <a:latin typeface="Lato"/>
-                <a:ea typeface="Lato"/>
-                <a:cs typeface="Lato"/>
-                <a:sym typeface="Lato"/>
-              </a:rPr>
-              <a:t>Also includes title.akas.tsv.gz and title.episode.tsv.gz, though not used in this project</a:t>
-            </a:r>
-            <a:endParaRPr sz="1800">
-              <a:solidFill>
-                <a:schemeClr val="dk2"/>
-              </a:solidFill>
-              <a:latin typeface="Lato"/>
-              <a:ea typeface="Lato"/>
-              <a:cs typeface="Lato"/>
-              <a:sym typeface="Lato"/>
-            </a:endParaRPr>
-          </a:p>
-          <a:p>
-            <a:pPr indent="0" lvl="0" marL="0" rtl="0" algn="l">
-              <a:spcBef>
-                <a:spcPts val="0"/>
-              </a:spcBef>
-              <a:spcAft>
-                <a:spcPts val="0"/>
-              </a:spcAft>
-              <a:buNone/>
-            </a:pPr>
-            <a:r>
-              <a:t/>
-            </a:r>
-            <a:endParaRPr sz="1800">
-              <a:solidFill>
-                <a:schemeClr val="dk2"/>
-              </a:solidFill>
-              <a:latin typeface="Lato"/>
-              <a:ea typeface="Lato"/>
-              <a:cs typeface="Lato"/>
-              <a:sym typeface="Lato"/>
-            </a:endParaRPr>
-          </a:p>
-          <a:p>
-            <a:pPr indent="0" lvl="0" marL="0" rtl="0" algn="l">
-              <a:spcBef>
-                <a:spcPts val="0"/>
-              </a:spcBef>
-              <a:spcAft>
-                <a:spcPts val="0"/>
-              </a:spcAft>
-              <a:buNone/>
-            </a:pPr>
-            <a:r>
-              <a:rPr lang="en" sz="1800">
-                <a:solidFill>
-                  <a:schemeClr val="dk2"/>
-                </a:solidFill>
-                <a:latin typeface="Lato"/>
-                <a:ea typeface="Lato"/>
-                <a:cs typeface="Lato"/>
-                <a:sym typeface="Lato"/>
-              </a:rPr>
-              <a:t>They are interrelated by the identifiers tconst (title ID) and nconst (person ID), enabling joins across tables—e.g., matching title.principals and title.crew to title.basics or name.basics, and linking ratings to basic movie data—forming a fully relational schema ideal for querying and embedding.</a:t>
-            </a:r>
-            <a:endParaRPr sz="1800">
-              <a:solidFill>
-                <a:schemeClr val="dk2"/>
-              </a:solidFill>
-              <a:latin typeface="Lato"/>
-              <a:ea typeface="Lato"/>
-              <a:cs typeface="Lato"/>
-              <a:sym typeface="Lato"/>
-            </a:endParaRPr>
-          </a:p>
-        </p:txBody>
-      </p:sp>
     </p:spTree>
   </p:cSld>
   <p:clrMapOvr>
@@ -10817,7 +11821,7 @@
                   <a:schemeClr val="dk1"/>
                 </a:solidFill>
               </a:rPr>
-              <a:t>High Level Flow</a:t>
+              <a:t>Understanding Data Source</a:t>
             </a:r>
             <a:endParaRPr sz="2500"/>
           </a:p>
@@ -10826,6 +11830,244 @@
       <p:sp>
         <p:nvSpPr>
           <p:cNvPr id="93" name="Google Shape;93;p16"/>
+          <p:cNvSpPr txBox="1"/>
+          <p:nvPr/>
+        </p:nvSpPr>
+        <p:spPr>
+          <a:xfrm>
+            <a:off x="298575" y="558625"/>
+            <a:ext cx="8238900" cy="4469400"/>
+          </a:xfrm>
+          <a:prstGeom prst="rect">
+            <a:avLst/>
+          </a:prstGeom>
+          <a:noFill/>
+          <a:ln>
+            <a:noFill/>
+          </a:ln>
+        </p:spPr>
+        <p:txBody>
+          <a:bodyPr anchorCtr="0" anchor="t" bIns="91425" lIns="91425" spcFirstLastPara="1" rIns="91425" wrap="square" tIns="91425">
+            <a:noAutofit/>
+          </a:bodyPr>
+          <a:lstStyle/>
+          <a:p>
+            <a:pPr indent="0" lvl="0" marL="0" rtl="0" algn="l">
+              <a:spcBef>
+                <a:spcPts val="0"/>
+              </a:spcBef>
+              <a:spcAft>
+                <a:spcPts val="0"/>
+              </a:spcAft>
+              <a:buNone/>
+            </a:pPr>
+            <a:r>
+              <a:rPr lang="en" sz="1800">
+                <a:solidFill>
+                  <a:schemeClr val="dk2"/>
+                </a:solidFill>
+                <a:latin typeface="Lato"/>
+                <a:ea typeface="Lato"/>
+                <a:cs typeface="Lato"/>
+                <a:sym typeface="Lato"/>
+              </a:rPr>
+              <a:t>IMDb’s datasets at </a:t>
+            </a:r>
+            <a:r>
+              <a:rPr lang="en" sz="1800" u="sng">
+                <a:solidFill>
+                  <a:schemeClr val="hlink"/>
+                </a:solidFill>
+                <a:latin typeface="Lato"/>
+                <a:ea typeface="Lato"/>
+                <a:cs typeface="Lato"/>
+                <a:sym typeface="Lato"/>
+                <a:hlinkClick r:id="rId3"/>
+              </a:rPr>
+              <a:t>https://datasets.imdbws.com/</a:t>
+            </a:r>
+            <a:r>
+              <a:rPr lang="en" sz="1800">
+                <a:solidFill>
+                  <a:schemeClr val="dk2"/>
+                </a:solidFill>
+                <a:latin typeface="Lato"/>
+                <a:ea typeface="Lato"/>
+                <a:cs typeface="Lato"/>
+                <a:sym typeface="Lato"/>
+              </a:rPr>
+              <a:t> comprise seven tab-separated, gzipped files. </a:t>
+            </a:r>
+            <a:r>
+              <a:rPr lang="en" sz="1800">
+                <a:solidFill>
+                  <a:schemeClr val="dk2"/>
+                </a:solidFill>
+                <a:latin typeface="Lato"/>
+                <a:ea typeface="Lato"/>
+                <a:cs typeface="Lato"/>
+                <a:sym typeface="Lato"/>
+              </a:rPr>
+              <a:t>They are interrelated by the identifiers to form relations.</a:t>
+            </a:r>
+            <a:endParaRPr sz="1800">
+              <a:solidFill>
+                <a:schemeClr val="dk2"/>
+              </a:solidFill>
+              <a:latin typeface="Lato"/>
+              <a:ea typeface="Lato"/>
+              <a:cs typeface="Lato"/>
+              <a:sym typeface="Lato"/>
+            </a:endParaRPr>
+          </a:p>
+          <a:p>
+            <a:pPr indent="0" lvl="0" marL="0" rtl="0" algn="l">
+              <a:spcBef>
+                <a:spcPts val="0"/>
+              </a:spcBef>
+              <a:spcAft>
+                <a:spcPts val="0"/>
+              </a:spcAft>
+              <a:buNone/>
+            </a:pPr>
+            <a:r>
+              <a:t/>
+            </a:r>
+            <a:endParaRPr sz="1800">
+              <a:solidFill>
+                <a:schemeClr val="dk2"/>
+              </a:solidFill>
+              <a:latin typeface="Lato"/>
+              <a:ea typeface="Lato"/>
+              <a:cs typeface="Lato"/>
+              <a:sym typeface="Lato"/>
+            </a:endParaRPr>
+          </a:p>
+          <a:p>
+            <a:pPr indent="0" lvl="0" marL="457200" rtl="0" algn="l">
+              <a:spcBef>
+                <a:spcPts val="0"/>
+              </a:spcBef>
+              <a:spcAft>
+                <a:spcPts val="0"/>
+              </a:spcAft>
+              <a:buNone/>
+            </a:pPr>
+            <a:r>
+              <a:t/>
+            </a:r>
+            <a:endParaRPr sz="1800">
+              <a:solidFill>
+                <a:schemeClr val="dk2"/>
+              </a:solidFill>
+              <a:latin typeface="Lato"/>
+              <a:ea typeface="Lato"/>
+              <a:cs typeface="Lato"/>
+              <a:sym typeface="Lato"/>
+            </a:endParaRPr>
+          </a:p>
+        </p:txBody>
+      </p:sp>
+      <p:pic>
+        <p:nvPicPr>
+          <p:cNvPr id="94" name="Google Shape;94;p16"/>
+          <p:cNvPicPr preferRelativeResize="0"/>
+          <p:nvPr/>
+        </p:nvPicPr>
+        <p:blipFill>
+          <a:blip r:embed="rId4">
+            <a:alphaModFix/>
+          </a:blip>
+          <a:stretch>
+            <a:fillRect/>
+          </a:stretch>
+        </p:blipFill>
+        <p:spPr>
+          <a:xfrm>
+            <a:off x="1252175" y="1481725"/>
+            <a:ext cx="5962201" cy="3546299"/>
+          </a:xfrm>
+          <a:prstGeom prst="rect">
+            <a:avLst/>
+          </a:prstGeom>
+          <a:noFill/>
+          <a:ln>
+            <a:noFill/>
+          </a:ln>
+        </p:spPr>
+      </p:pic>
+    </p:spTree>
+  </p:cSld>
+  <p:clrMapOvr>
+    <a:masterClrMapping/>
+  </p:clrMapOvr>
+</p:sld>
+</file>
+
+<file path=ppt/slides/slide5.xml><?xml version="1.0" encoding="utf-8"?>
+<p:sld xmlns:a="http://schemas.openxmlformats.org/drawingml/2006/main" xmlns:r="http://schemas.openxmlformats.org/officeDocument/2006/relationships" xmlns:mc="http://schemas.openxmlformats.org/markup-compatibility/2006" xmlns:mv="urn:schemas-microsoft-com:mac:vml" xmlns:p="http://schemas.openxmlformats.org/presentationml/2006/main" xmlns:c="http://schemas.openxmlformats.org/drawingml/2006/chart" xmlns:dgm="http://schemas.openxmlformats.org/drawingml/2006/diagram" xmlns:o="urn:schemas-microsoft-com:office:office" xmlns:v="urn:schemas-microsoft-com:vml" xmlns:pvml="urn:schemas-microsoft-com:office:powerpoint" xmlns:com="http://schemas.openxmlformats.org/drawingml/2006/compatibility" xmlns:p14="http://schemas.microsoft.com/office/powerpoint/2010/main" xmlns:p15="http://schemas.microsoft.com/office/powerpoint/2012/main" xmlns:ahyp="http://schemas.microsoft.com/office/drawing/2018/hyperlinkcolor">
+  <p:cSld>
+    <p:spTree>
+      <p:nvGrpSpPr>
+        <p:cNvPr id="98" name="Shape 98"/>
+        <p:cNvGrpSpPr/>
+        <p:nvPr/>
+      </p:nvGrpSpPr>
+      <p:grpSpPr>
+        <a:xfrm>
+          <a:off x="0" y="0"/>
+          <a:ext cx="0" cy="0"/>
+          <a:chOff x="0" y="0"/>
+          <a:chExt cx="0" cy="0"/>
+        </a:xfrm>
+      </p:grpSpPr>
+      <p:sp>
+        <p:nvSpPr>
+          <p:cNvPr id="99" name="Google Shape;99;p17"/>
+          <p:cNvSpPr txBox="1"/>
+          <p:nvPr>
+            <p:ph idx="4294967295" type="title"/>
+          </p:nvPr>
+        </p:nvSpPr>
+        <p:spPr>
+          <a:xfrm>
+            <a:off x="535775" y="114950"/>
+            <a:ext cx="8238900" cy="768000"/>
+          </a:xfrm>
+          <a:prstGeom prst="rect">
+            <a:avLst/>
+          </a:prstGeom>
+        </p:spPr>
+        <p:txBody>
+          <a:bodyPr anchorCtr="0" anchor="t" bIns="91425" lIns="91425" spcFirstLastPara="1" rIns="91425" wrap="square" tIns="91425">
+            <a:noAutofit/>
+          </a:bodyPr>
+          <a:lstStyle/>
+          <a:p>
+            <a:pPr indent="457200" lvl="0" marL="2286000" rtl="0" algn="l">
+              <a:spcBef>
+                <a:spcPts val="0"/>
+              </a:spcBef>
+              <a:spcAft>
+                <a:spcPts val="1600"/>
+              </a:spcAft>
+              <a:buNone/>
+            </a:pPr>
+            <a:r>
+              <a:rPr lang="en" sz="2500">
+                <a:solidFill>
+                  <a:schemeClr val="dk1"/>
+                </a:solidFill>
+              </a:rPr>
+              <a:t>High Level Flow</a:t>
+            </a:r>
+            <a:endParaRPr sz="2500"/>
+          </a:p>
+        </p:txBody>
+      </p:sp>
+      <p:sp>
+        <p:nvSpPr>
+          <p:cNvPr id="100" name="Google Shape;100;p17"/>
           <p:cNvSpPr txBox="1"/>
           <p:nvPr>
             <p:ph idx="4294967295" type="title"/>
@@ -10846,7 +12088,7 @@
           </a:bodyPr>
           <a:lstStyle/>
           <a:p>
-            <a:pPr indent="-349250" lvl="0" marL="457200" rtl="0" algn="l">
+            <a:pPr indent="0" lvl="0" marL="457200" rtl="0" algn="l">
               <a:lnSpc>
                 <a:spcPct val="115000"/>
               </a:lnSpc>
@@ -10856,368 +12098,10 @@
               <a:spcAft>
                 <a:spcPts val="0"/>
               </a:spcAft>
-              <a:buSzPts val="1900"/>
-              <a:buFont typeface="Lato"/>
-              <a:buChar char="●"/>
+              <a:buNone/>
             </a:pPr>
             <a:r>
-              <a:rPr b="0" lang="en" sz="1900">
-                <a:latin typeface="Lato"/>
-                <a:ea typeface="Lato"/>
-                <a:cs typeface="Lato"/>
-                <a:sym typeface="Lato"/>
-              </a:rPr>
-              <a:t>Step 1 - Build &amp; Update Data Source</a:t>
-            </a:r>
-            <a:endParaRPr b="0" sz="1900">
-              <a:latin typeface="Lato"/>
-              <a:ea typeface="Lato"/>
-              <a:cs typeface="Lato"/>
-              <a:sym typeface="Lato"/>
-            </a:endParaRPr>
-          </a:p>
-          <a:p>
-            <a:pPr indent="-349250" lvl="1" marL="914400" rtl="0" algn="l">
-              <a:lnSpc>
-                <a:spcPct val="115000"/>
-              </a:lnSpc>
-              <a:spcBef>
-                <a:spcPts val="0"/>
-              </a:spcBef>
-              <a:spcAft>
-                <a:spcPts val="0"/>
-              </a:spcAft>
-              <a:buSzPts val="1900"/>
-              <a:buFont typeface="Lato"/>
-              <a:buChar char="○"/>
-            </a:pPr>
-            <a:r>
-              <a:rPr b="0" lang="en" sz="1900">
-                <a:latin typeface="Lato"/>
-                <a:ea typeface="Lato"/>
-                <a:cs typeface="Lato"/>
-                <a:sym typeface="Lato"/>
-              </a:rPr>
-              <a:t>Download IMDb data → Save as .tsv </a:t>
-            </a:r>
-            <a:endParaRPr b="0" sz="1900">
-              <a:latin typeface="Lato"/>
-              <a:ea typeface="Lato"/>
-              <a:cs typeface="Lato"/>
-              <a:sym typeface="Lato"/>
-            </a:endParaRPr>
-          </a:p>
-          <a:p>
-            <a:pPr indent="-349250" lvl="0" marL="457200" rtl="0" algn="l">
-              <a:lnSpc>
-                <a:spcPct val="115000"/>
-              </a:lnSpc>
-              <a:spcBef>
-                <a:spcPts val="0"/>
-              </a:spcBef>
-              <a:spcAft>
-                <a:spcPts val="0"/>
-              </a:spcAft>
-              <a:buSzPts val="1900"/>
-              <a:buFont typeface="Lato"/>
-              <a:buChar char="●"/>
-            </a:pPr>
-            <a:r>
-              <a:rPr b="0" lang="en" sz="1900">
-                <a:latin typeface="Lato"/>
-                <a:ea typeface="Lato"/>
-                <a:cs typeface="Lato"/>
-                <a:sym typeface="Lato"/>
-              </a:rPr>
-              <a:t>Step 2 - Data Cleanup</a:t>
-            </a:r>
-            <a:endParaRPr b="0" sz="1900">
-              <a:latin typeface="Lato"/>
-              <a:ea typeface="Lato"/>
-              <a:cs typeface="Lato"/>
-              <a:sym typeface="Lato"/>
-            </a:endParaRPr>
-          </a:p>
-          <a:p>
-            <a:pPr indent="-349250" lvl="1" marL="914400" rtl="0" algn="l">
-              <a:lnSpc>
-                <a:spcPct val="115000"/>
-              </a:lnSpc>
-              <a:spcBef>
-                <a:spcPts val="0"/>
-              </a:spcBef>
-              <a:spcAft>
-                <a:spcPts val="0"/>
-              </a:spcAft>
-              <a:buSzPts val="1900"/>
-              <a:buFont typeface="Lato"/>
-              <a:buChar char="○"/>
-            </a:pPr>
-            <a:r>
-              <a:rPr b="0" lang="en" sz="1900">
-                <a:latin typeface="Lato"/>
-                <a:ea typeface="Lato"/>
-                <a:cs typeface="Lato"/>
-                <a:sym typeface="Lato"/>
-              </a:rPr>
-              <a:t>Process and clean IMDb data → Prepare for DB insertion </a:t>
-            </a:r>
-            <a:endParaRPr b="0" sz="1900">
-              <a:latin typeface="Lato"/>
-              <a:ea typeface="Lato"/>
-              <a:cs typeface="Lato"/>
-              <a:sym typeface="Lato"/>
-            </a:endParaRPr>
-          </a:p>
-          <a:p>
-            <a:pPr indent="-349250" lvl="0" marL="457200" rtl="0" algn="l">
-              <a:lnSpc>
-                <a:spcPct val="115000"/>
-              </a:lnSpc>
-              <a:spcBef>
-                <a:spcPts val="0"/>
-              </a:spcBef>
-              <a:spcAft>
-                <a:spcPts val="0"/>
-              </a:spcAft>
-              <a:buSzPts val="1900"/>
-              <a:buFont typeface="Lato"/>
-              <a:buChar char="●"/>
-            </a:pPr>
-            <a:r>
-              <a:rPr b="0" lang="en" sz="1900">
-                <a:latin typeface="Lato"/>
-                <a:ea typeface="Lato"/>
-                <a:cs typeface="Lato"/>
-                <a:sym typeface="Lato"/>
-              </a:rPr>
-              <a:t>Step 3 - Database Utility</a:t>
-            </a:r>
-            <a:endParaRPr b="0" sz="1900">
-              <a:latin typeface="Lato"/>
-              <a:ea typeface="Lato"/>
-              <a:cs typeface="Lato"/>
-              <a:sym typeface="Lato"/>
-            </a:endParaRPr>
-          </a:p>
-          <a:p>
-            <a:pPr indent="-349250" lvl="1" marL="914400" rtl="0" algn="l">
-              <a:lnSpc>
-                <a:spcPct val="115000"/>
-              </a:lnSpc>
-              <a:spcBef>
-                <a:spcPts val="0"/>
-              </a:spcBef>
-              <a:spcAft>
-                <a:spcPts val="0"/>
-              </a:spcAft>
-              <a:buSzPts val="1900"/>
-              <a:buFont typeface="Lato"/>
-              <a:buChar char="○"/>
-            </a:pPr>
-            <a:r>
-              <a:rPr b="0" lang="en" sz="1900">
-                <a:latin typeface="Lato"/>
-                <a:ea typeface="Lato"/>
-                <a:cs typeface="Lato"/>
-                <a:sym typeface="Lato"/>
-              </a:rPr>
-              <a:t>Create PostgreSQL DB + pgvector extension  + movies table + </a:t>
-            </a:r>
-            <a:r>
-              <a:rPr b="0" lang="en" sz="1900">
-                <a:latin typeface="Lato"/>
-                <a:ea typeface="Lato"/>
-                <a:cs typeface="Lato"/>
-                <a:sym typeface="Lato"/>
-              </a:rPr>
-              <a:t> ivfflat indexing on embedding column</a:t>
-            </a:r>
-            <a:endParaRPr b="0" sz="1900">
-              <a:latin typeface="Lato"/>
-              <a:ea typeface="Lato"/>
-              <a:cs typeface="Lato"/>
-              <a:sym typeface="Lato"/>
-            </a:endParaRPr>
-          </a:p>
-          <a:p>
-            <a:pPr indent="-349250" lvl="0" marL="457200" rtl="0" algn="l">
-              <a:lnSpc>
-                <a:spcPct val="115000"/>
-              </a:lnSpc>
-              <a:spcBef>
-                <a:spcPts val="0"/>
-              </a:spcBef>
-              <a:spcAft>
-                <a:spcPts val="0"/>
-              </a:spcAft>
-              <a:buSzPts val="1900"/>
-              <a:buFont typeface="Lato"/>
-              <a:buChar char="●"/>
-            </a:pPr>
-            <a:r>
-              <a:rPr b="0" lang="en" sz="1900">
-                <a:latin typeface="Lato"/>
-                <a:ea typeface="Lato"/>
-                <a:cs typeface="Lato"/>
-                <a:sym typeface="Lato"/>
-              </a:rPr>
-              <a:t>Step 4 - Populate Movies</a:t>
-            </a:r>
-            <a:endParaRPr b="0" sz="1900">
-              <a:latin typeface="Lato"/>
-              <a:ea typeface="Lato"/>
-              <a:cs typeface="Lato"/>
-              <a:sym typeface="Lato"/>
-            </a:endParaRPr>
-          </a:p>
-          <a:p>
-            <a:pPr indent="-349250" lvl="1" marL="914400" rtl="0" algn="l">
-              <a:lnSpc>
-                <a:spcPct val="115000"/>
-              </a:lnSpc>
-              <a:spcBef>
-                <a:spcPts val="0"/>
-              </a:spcBef>
-              <a:spcAft>
-                <a:spcPts val="0"/>
-              </a:spcAft>
-              <a:buSzPts val="1900"/>
-              <a:buFont typeface="Lato"/>
-              <a:buChar char="○"/>
-            </a:pPr>
-            <a:r>
-              <a:rPr b="0" lang="en" sz="1900">
-                <a:latin typeface="Lato"/>
-                <a:ea typeface="Lato"/>
-                <a:cs typeface="Lato"/>
-                <a:sym typeface="Lato"/>
-              </a:rPr>
-              <a:t>Insert movies + metadata into DB with NULL embeddings</a:t>
-            </a:r>
-            <a:endParaRPr b="0" sz="1900">
-              <a:latin typeface="Lato"/>
-              <a:ea typeface="Lato"/>
-              <a:cs typeface="Lato"/>
-              <a:sym typeface="Lato"/>
-            </a:endParaRPr>
-          </a:p>
-          <a:p>
-            <a:pPr indent="-349250" lvl="0" marL="457200" rtl="0" algn="l">
-              <a:lnSpc>
-                <a:spcPct val="115000"/>
-              </a:lnSpc>
-              <a:spcBef>
-                <a:spcPts val="0"/>
-              </a:spcBef>
-              <a:spcAft>
-                <a:spcPts val="0"/>
-              </a:spcAft>
-              <a:buSzPts val="1900"/>
-              <a:buFont typeface="Lato"/>
-              <a:buChar char="●"/>
-            </a:pPr>
-            <a:r>
-              <a:rPr b="0" lang="en" sz="1900">
-                <a:latin typeface="Lato"/>
-                <a:ea typeface="Lato"/>
-                <a:cs typeface="Lato"/>
-                <a:sym typeface="Lato"/>
-              </a:rPr>
-              <a:t>Step 5 -Update Embeddings</a:t>
-            </a:r>
-            <a:endParaRPr b="0" sz="1900">
-              <a:latin typeface="Lato"/>
-              <a:ea typeface="Lato"/>
-              <a:cs typeface="Lato"/>
-              <a:sym typeface="Lato"/>
-            </a:endParaRPr>
-          </a:p>
-          <a:p>
-            <a:pPr indent="-349250" lvl="1" marL="914400" rtl="0" algn="l">
-              <a:lnSpc>
-                <a:spcPct val="115000"/>
-              </a:lnSpc>
-              <a:spcBef>
-                <a:spcPts val="0"/>
-              </a:spcBef>
-              <a:spcAft>
-                <a:spcPts val="0"/>
-              </a:spcAft>
-              <a:buSzPts val="1900"/>
-              <a:buFont typeface="Lato"/>
-              <a:buChar char="○"/>
-            </a:pPr>
-            <a:r>
-              <a:rPr b="0" lang="en" sz="1900">
-                <a:latin typeface="Lato"/>
-                <a:ea typeface="Lato"/>
-                <a:cs typeface="Lato"/>
-                <a:sym typeface="Lato"/>
-              </a:rPr>
-              <a:t>Generate embeddings (Sentence Transformer) → Update DB</a:t>
-            </a:r>
-            <a:endParaRPr b="0" sz="1900">
-              <a:latin typeface="Lato"/>
-              <a:ea typeface="Lato"/>
-              <a:cs typeface="Lato"/>
-              <a:sym typeface="Lato"/>
-            </a:endParaRPr>
-          </a:p>
-          <a:p>
-            <a:pPr indent="-349250" lvl="0" marL="457200" rtl="0" algn="l">
-              <a:lnSpc>
-                <a:spcPct val="115000"/>
-              </a:lnSpc>
-              <a:spcBef>
-                <a:spcPts val="0"/>
-              </a:spcBef>
-              <a:spcAft>
-                <a:spcPts val="0"/>
-              </a:spcAft>
-              <a:buSzPts val="1900"/>
-              <a:buFont typeface="Lato"/>
-              <a:buChar char="●"/>
-            </a:pPr>
-            <a:r>
-              <a:rPr b="0" lang="en" sz="1900">
-                <a:latin typeface="Lato"/>
-                <a:ea typeface="Lato"/>
-                <a:cs typeface="Lato"/>
-                <a:sym typeface="Lato"/>
-              </a:rPr>
-              <a:t>Step 6 -Streamlit Chatbot</a:t>
-            </a:r>
-            <a:endParaRPr b="0" sz="1900">
-              <a:latin typeface="Lato"/>
-              <a:ea typeface="Lato"/>
-              <a:cs typeface="Lato"/>
-              <a:sym typeface="Lato"/>
-            </a:endParaRPr>
-          </a:p>
-          <a:p>
-            <a:pPr indent="-349250" lvl="1" marL="914400" rtl="0" algn="l">
-              <a:lnSpc>
-                <a:spcPct val="115000"/>
-              </a:lnSpc>
-              <a:spcBef>
-                <a:spcPts val="0"/>
-              </a:spcBef>
-              <a:spcAft>
-                <a:spcPts val="0"/>
-              </a:spcAft>
-              <a:buSzPts val="1900"/>
-              <a:buFont typeface="Lato"/>
-              <a:buChar char="○"/>
-            </a:pPr>
-            <a:r>
-              <a:rPr b="0" lang="en" sz="1900">
-                <a:latin typeface="Lato"/>
-                <a:ea typeface="Lato"/>
-                <a:cs typeface="Lato"/>
-                <a:sym typeface="Lato"/>
-              </a:rPr>
-              <a:t>Streamlit app → Handle user queries → Show answers</a:t>
+              <a:t/>
             </a:r>
             <a:endParaRPr b="0" sz="1900">
               <a:latin typeface="Lato"/>
@@ -11250,7 +12134,7 @@
             </a:endParaRPr>
           </a:p>
           <a:p>
-            <a:pPr indent="-349250" lvl="1" marL="914400" rtl="0" algn="l">
+            <a:pPr indent="0" lvl="0" marL="914400" rtl="0" algn="l">
               <a:lnSpc>
                 <a:spcPct val="115000"/>
               </a:lnSpc>
@@ -11260,9 +12144,7 @@
               <a:spcAft>
                 <a:spcPts val="0"/>
               </a:spcAft>
-              <a:buSzPts val="1900"/>
-              <a:buFont typeface="Lato"/>
-              <a:buChar char="○"/>
+              <a:buNone/>
             </a:pPr>
             <a:r>
               <a:t/>
@@ -11275,19 +12157,17 @@
             </a:endParaRPr>
           </a:p>
           <a:p>
-            <a:pPr indent="-349250" lvl="1" marL="914400" rtl="0" algn="l">
+            <a:pPr indent="0" lvl="0" marL="914400" rtl="0" algn="l">
               <a:lnSpc>
                 <a:spcPct val="115000"/>
               </a:lnSpc>
               <a:spcBef>
-                <a:spcPts val="0"/>
-              </a:spcBef>
-              <a:spcAft>
-                <a:spcPts val="0"/>
-              </a:spcAft>
-              <a:buSzPts val="1900"/>
-              <a:buFont typeface="Lato"/>
-              <a:buChar char="○"/>
+                <a:spcPts val="1600"/>
+              </a:spcBef>
+              <a:spcAft>
+                <a:spcPts val="0"/>
+              </a:spcAft>
+              <a:buNone/>
             </a:pPr>
             <a:r>
               <a:t/>
@@ -11324,6 +12204,34 @@
           </a:p>
         </p:txBody>
       </p:sp>
+      <p:pic>
+        <p:nvPicPr>
+          <p:cNvPr id="101" name="Google Shape;101;p17"/>
+          <p:cNvPicPr preferRelativeResize="0"/>
+          <p:nvPr/>
+        </p:nvPicPr>
+        <p:blipFill>
+          <a:blip r:embed="rId3">
+            <a:alphaModFix/>
+          </a:blip>
+          <a:stretch>
+            <a:fillRect/>
+          </a:stretch>
+        </p:blipFill>
+        <p:spPr>
+          <a:xfrm>
+            <a:off x="2885200" y="645350"/>
+            <a:ext cx="3373600" cy="4401700"/>
+          </a:xfrm>
+          <a:prstGeom prst="rect">
+            <a:avLst/>
+          </a:prstGeom>
+          <a:noFill/>
+          <a:ln>
+            <a:noFill/>
+          </a:ln>
+        </p:spPr>
+      </p:pic>
     </p:spTree>
   </p:cSld>
   <p:clrMapOvr>
@@ -11332,7 +12240,7 @@
 </p:sld>
 </file>
 
-<file path=ppt/slides/slide5.xml><?xml version="1.0" encoding="utf-8"?>
+<file path=ppt/slides/slide6.xml><?xml version="1.0" encoding="utf-8"?>
 <p:sld xmlns:a="http://schemas.openxmlformats.org/drawingml/2006/main" xmlns:r="http://schemas.openxmlformats.org/officeDocument/2006/relationships" xmlns:mc="http://schemas.openxmlformats.org/markup-compatibility/2006" xmlns:mv="urn:schemas-microsoft-com:mac:vml" xmlns:p="http://schemas.openxmlformats.org/presentationml/2006/main" xmlns:c="http://schemas.openxmlformats.org/drawingml/2006/chart" xmlns:dgm="http://schemas.openxmlformats.org/drawingml/2006/diagram" xmlns:o="urn:schemas-microsoft-com:office:office" xmlns:v="urn:schemas-microsoft-com:vml" xmlns:pvml="urn:schemas-microsoft-com:office:powerpoint" xmlns:com="http://schemas.openxmlformats.org/drawingml/2006/compatibility" xmlns:p14="http://schemas.microsoft.com/office/powerpoint/2010/main" xmlns:p15="http://schemas.microsoft.com/office/powerpoint/2012/main" xmlns:ahyp="http://schemas.microsoft.com/office/drawing/2018/hyperlinkcolor">
   <p:cSld>
     <p:bg>
@@ -11344,7 +12252,7 @@
     </p:bg>
     <p:spTree>
       <p:nvGrpSpPr>
-        <p:cNvPr id="97" name="Shape 97"/>
+        <p:cNvPr id="105" name="Shape 105"/>
         <p:cNvGrpSpPr/>
         <p:nvPr/>
       </p:nvGrpSpPr>
@@ -11358,7 +12266,7 @@
       </p:grpSpPr>
       <p:sp>
         <p:nvSpPr>
-          <p:cNvPr id="98" name="Google Shape;98;p17"/>
+          <p:cNvPr id="106" name="Google Shape;106;p18"/>
           <p:cNvSpPr txBox="1"/>
           <p:nvPr>
             <p:ph type="title"/>
@@ -11406,7 +12314,7 @@
       </p:sp>
       <p:sp>
         <p:nvSpPr>
-          <p:cNvPr id="99" name="Google Shape;99;p17"/>
+          <p:cNvPr id="107" name="Google Shape;107;p18"/>
           <p:cNvSpPr/>
           <p:nvPr/>
         </p:nvSpPr>
@@ -11452,7 +12360,7 @@
       </p:sp>
       <p:sp>
         <p:nvSpPr>
-          <p:cNvPr id="100" name="Google Shape;100;p17"/>
+          <p:cNvPr id="108" name="Google Shape;108;p18"/>
           <p:cNvSpPr/>
           <p:nvPr/>
         </p:nvSpPr>
@@ -11498,7 +12406,7 @@
       </p:sp>
       <p:sp>
         <p:nvSpPr>
-          <p:cNvPr id="101" name="Google Shape;101;p17"/>
+          <p:cNvPr id="109" name="Google Shape;109;p18"/>
           <p:cNvSpPr txBox="1"/>
           <p:nvPr>
             <p:ph type="title"/>
@@ -11586,7 +12494,7 @@
       </p:sp>
       <p:sp>
         <p:nvSpPr>
-          <p:cNvPr id="102" name="Google Shape;102;p17"/>
+          <p:cNvPr id="110" name="Google Shape;110;p18"/>
           <p:cNvSpPr txBox="1"/>
           <p:nvPr>
             <p:ph type="title"/>
@@ -11669,7 +12577,7 @@
       </p:sp>
       <p:sp>
         <p:nvSpPr>
-          <p:cNvPr id="103" name="Google Shape;103;p17"/>
+          <p:cNvPr id="111" name="Google Shape;111;p18"/>
           <p:cNvSpPr txBox="1"/>
           <p:nvPr/>
         </p:nvSpPr>
@@ -11718,7 +12626,7 @@
       </p:sp>
       <p:sp>
         <p:nvSpPr>
-          <p:cNvPr id="104" name="Google Shape;104;p17"/>
+          <p:cNvPr id="112" name="Google Shape;112;p18"/>
           <p:cNvSpPr/>
           <p:nvPr/>
         </p:nvSpPr>
@@ -11764,7 +12672,7 @@
       </p:sp>
       <p:sp>
         <p:nvSpPr>
-          <p:cNvPr id="105" name="Google Shape;105;p17"/>
+          <p:cNvPr id="113" name="Google Shape;113;p18"/>
           <p:cNvSpPr txBox="1"/>
           <p:nvPr>
             <p:ph type="title"/>
@@ -11828,7 +12736,7 @@
       </p:sp>
       <p:sp>
         <p:nvSpPr>
-          <p:cNvPr id="106" name="Google Shape;106;p17"/>
+          <p:cNvPr id="114" name="Google Shape;114;p18"/>
           <p:cNvSpPr txBox="1"/>
           <p:nvPr/>
         </p:nvSpPr>
@@ -12213,7 +13121,20 @@
                 <a:cs typeface="Lato"/>
                 <a:sym typeface="Lato"/>
               </a:rPr>
-              <a:t>The installation details are available here - https://github.com/pgvector/pgvector</a:t>
+              <a:t>The installation details are available here - </a:t>
+            </a:r>
+            <a:r>
+              <a:rPr lang="en" sz="1600" u="sng">
+                <a:solidFill>
+                  <a:schemeClr val="hlink"/>
+                </a:solidFill>
+                <a:latin typeface="Lato"/>
+                <a:ea typeface="Lato"/>
+                <a:cs typeface="Lato"/>
+                <a:sym typeface="Lato"/>
+                <a:hlinkClick r:id="rId4"/>
+              </a:rPr>
+              <a:t>https://github.com/pgvector/pgvector</a:t>
             </a:r>
             <a:endParaRPr sz="1300">
               <a:solidFill>
@@ -12338,422 +13259,6 @@
               <a:ea typeface="Lato"/>
               <a:cs typeface="Lato"/>
               <a:sym typeface="Lato"/>
-            </a:endParaRPr>
-          </a:p>
-        </p:txBody>
-      </p:sp>
-    </p:spTree>
-  </p:cSld>
-  <p:clrMapOvr>
-    <a:masterClrMapping/>
-  </p:clrMapOvr>
-</p:sld>
-</file>
-
-<file path=ppt/slides/slide6.xml><?xml version="1.0" encoding="utf-8"?>
-<p:sld xmlns:a="http://schemas.openxmlformats.org/drawingml/2006/main" xmlns:r="http://schemas.openxmlformats.org/officeDocument/2006/relationships" xmlns:mc="http://schemas.openxmlformats.org/markup-compatibility/2006" xmlns:mv="urn:schemas-microsoft-com:mac:vml" xmlns:p="http://schemas.openxmlformats.org/presentationml/2006/main" xmlns:c="http://schemas.openxmlformats.org/drawingml/2006/chart" xmlns:dgm="http://schemas.openxmlformats.org/drawingml/2006/diagram" xmlns:o="urn:schemas-microsoft-com:office:office" xmlns:v="urn:schemas-microsoft-com:vml" xmlns:pvml="urn:schemas-microsoft-com:office:powerpoint" xmlns:com="http://schemas.openxmlformats.org/drawingml/2006/compatibility" xmlns:p14="http://schemas.microsoft.com/office/powerpoint/2010/main" xmlns:p15="http://schemas.microsoft.com/office/powerpoint/2012/main" xmlns:ahyp="http://schemas.microsoft.com/office/drawing/2018/hyperlinkcolor">
-  <p:cSld>
-    <p:bg>
-      <p:bgPr>
-        <a:solidFill>
-          <a:schemeClr val="lt1"/>
-        </a:solidFill>
-      </p:bgPr>
-    </p:bg>
-    <p:spTree>
-      <p:nvGrpSpPr>
-        <p:cNvPr id="110" name="Shape 110"/>
-        <p:cNvGrpSpPr/>
-        <p:nvPr/>
-      </p:nvGrpSpPr>
-      <p:grpSpPr>
-        <a:xfrm>
-          <a:off x="0" y="0"/>
-          <a:ext cx="0" cy="0"/>
-          <a:chOff x="0" y="0"/>
-          <a:chExt cx="0" cy="0"/>
-        </a:xfrm>
-      </p:grpSpPr>
-      <p:pic>
-        <p:nvPicPr>
-          <p:cNvPr id="111" name="Google Shape;111;p18"/>
-          <p:cNvPicPr preferRelativeResize="0"/>
-          <p:nvPr/>
-        </p:nvPicPr>
-        <p:blipFill>
-          <a:blip r:embed="rId3">
-            <a:alphaModFix/>
-          </a:blip>
-          <a:stretch>
-            <a:fillRect/>
-          </a:stretch>
-        </p:blipFill>
-        <p:spPr>
-          <a:xfrm>
-            <a:off x="549025" y="162725"/>
-            <a:ext cx="8274534" cy="4980776"/>
-          </a:xfrm>
-          <a:prstGeom prst="rect">
-            <a:avLst/>
-          </a:prstGeom>
-          <a:noFill/>
-          <a:ln>
-            <a:noFill/>
-          </a:ln>
-        </p:spPr>
-      </p:pic>
-      <p:pic>
-        <p:nvPicPr>
-          <p:cNvPr descr="Piece of duct tape sticking a note to the slide" id="112" name="Google Shape;112;p18"/>
-          <p:cNvPicPr preferRelativeResize="0"/>
-          <p:nvPr/>
-        </p:nvPicPr>
-        <p:blipFill rotWithShape="1">
-          <a:blip r:embed="rId4">
-            <a:alphaModFix/>
-          </a:blip>
-          <a:srcRect b="10011" l="9244" r="2118" t="5926"/>
-          <a:stretch/>
-        </p:blipFill>
-        <p:spPr>
-          <a:xfrm rot="154832">
-            <a:off x="3542410" y="147443"/>
-            <a:ext cx="2072005" cy="451394"/>
-          </a:xfrm>
-          <a:prstGeom prst="rect">
-            <a:avLst/>
-          </a:prstGeom>
-          <a:noFill/>
-          <a:ln>
-            <a:noFill/>
-          </a:ln>
-        </p:spPr>
-      </p:pic>
-      <p:sp>
-        <p:nvSpPr>
-          <p:cNvPr id="113" name="Google Shape;113;p18"/>
-          <p:cNvSpPr txBox="1"/>
-          <p:nvPr/>
-        </p:nvSpPr>
-        <p:spPr>
-          <a:xfrm>
-            <a:off x="1704875" y="687400"/>
-            <a:ext cx="6020100" cy="497400"/>
-          </a:xfrm>
-          <a:prstGeom prst="rect">
-            <a:avLst/>
-          </a:prstGeom>
-          <a:noFill/>
-          <a:ln>
-            <a:noFill/>
-          </a:ln>
-        </p:spPr>
-        <p:txBody>
-          <a:bodyPr anchorCtr="0" anchor="b" bIns="91425" lIns="91425" spcFirstLastPara="1" rIns="91425" wrap="square" tIns="91425">
-            <a:noAutofit/>
-          </a:bodyPr>
-          <a:lstStyle/>
-          <a:p>
-            <a:pPr indent="0" lvl="0" marL="0" rtl="0" algn="l">
-              <a:spcBef>
-                <a:spcPts val="0"/>
-              </a:spcBef>
-              <a:spcAft>
-                <a:spcPts val="0"/>
-              </a:spcAft>
-              <a:buNone/>
-            </a:pPr>
-            <a:r>
-              <a:rPr b="1" lang="en" sz="2300">
-                <a:solidFill>
-                  <a:schemeClr val="lt2"/>
-                </a:solidFill>
-                <a:latin typeface="Raleway"/>
-                <a:ea typeface="Raleway"/>
-                <a:cs typeface="Raleway"/>
-                <a:sym typeface="Raleway"/>
-              </a:rPr>
-              <a:t>Step </a:t>
-            </a:r>
-            <a:r>
-              <a:rPr b="1" lang="en" sz="2300">
-                <a:solidFill>
-                  <a:schemeClr val="lt2"/>
-                </a:solidFill>
-                <a:latin typeface="Raleway"/>
-                <a:ea typeface="Raleway"/>
-                <a:cs typeface="Raleway"/>
-                <a:sym typeface="Raleway"/>
-              </a:rPr>
-              <a:t>1. IMDb Data Download Script</a:t>
-            </a:r>
-            <a:endParaRPr b="1" sz="2300">
-              <a:solidFill>
-                <a:schemeClr val="lt2"/>
-              </a:solidFill>
-              <a:latin typeface="Raleway"/>
-              <a:ea typeface="Raleway"/>
-              <a:cs typeface="Raleway"/>
-              <a:sym typeface="Raleway"/>
-            </a:endParaRPr>
-          </a:p>
-        </p:txBody>
-      </p:sp>
-      <p:sp>
-        <p:nvSpPr>
-          <p:cNvPr id="114" name="Google Shape;114;p18"/>
-          <p:cNvSpPr txBox="1"/>
-          <p:nvPr>
-            <p:ph idx="4294967295" type="body"/>
-          </p:nvPr>
-        </p:nvSpPr>
-        <p:spPr>
-          <a:xfrm>
-            <a:off x="937463" y="1050000"/>
-            <a:ext cx="7281900" cy="3948900"/>
-          </a:xfrm>
-          <a:prstGeom prst="rect">
-            <a:avLst/>
-          </a:prstGeom>
-        </p:spPr>
-        <p:txBody>
-          <a:bodyPr anchorCtr="0" anchor="t" bIns="91425" lIns="91425" spcFirstLastPara="1" rIns="91425" wrap="square" tIns="91425">
-            <a:noAutofit/>
-          </a:bodyPr>
-          <a:lstStyle/>
-          <a:p>
-            <a:pPr indent="0" lvl="0" marL="0" rtl="0" algn="l">
-              <a:spcBef>
-                <a:spcPts val="0"/>
-              </a:spcBef>
-              <a:spcAft>
-                <a:spcPts val="0"/>
-              </a:spcAft>
-              <a:buNone/>
-            </a:pPr>
-            <a:r>
-              <a:rPr b="1" lang="en" sz="1200">
-                <a:latin typeface="Raleway"/>
-                <a:ea typeface="Raleway"/>
-                <a:cs typeface="Raleway"/>
-                <a:sym typeface="Raleway"/>
-              </a:rPr>
-              <a:t>Downloads and decompresses selected IMDb datasets from https://datasets.imdbws.com</a:t>
-            </a:r>
-            <a:endParaRPr sz="1200">
-              <a:solidFill>
-                <a:schemeClr val="dk2"/>
-              </a:solidFill>
-              <a:latin typeface="Raleway"/>
-              <a:ea typeface="Raleway"/>
-              <a:cs typeface="Raleway"/>
-              <a:sym typeface="Raleway"/>
-            </a:endParaRPr>
-          </a:p>
-          <a:p>
-            <a:pPr indent="-317500" lvl="0" marL="457200" rtl="0" algn="l">
-              <a:spcBef>
-                <a:spcPts val="1600"/>
-              </a:spcBef>
-              <a:spcAft>
-                <a:spcPts val="0"/>
-              </a:spcAft>
-              <a:buClr>
-                <a:schemeClr val="dk1"/>
-              </a:buClr>
-              <a:buSzPts val="1400"/>
-              <a:buFont typeface="Raleway"/>
-              <a:buChar char="➔"/>
-            </a:pPr>
-            <a:r>
-              <a:rPr b="1" lang="en" sz="1400">
-                <a:solidFill>
-                  <a:schemeClr val="dk1"/>
-                </a:solidFill>
-                <a:latin typeface="Raleway"/>
-                <a:ea typeface="Raleway"/>
-                <a:cs typeface="Raleway"/>
-                <a:sym typeface="Raleway"/>
-              </a:rPr>
-              <a:t>Key Operations</a:t>
-            </a:r>
-            <a:br>
-              <a:rPr lang="en" sz="1400">
-                <a:latin typeface="Raleway"/>
-                <a:ea typeface="Raleway"/>
-                <a:cs typeface="Raleway"/>
-                <a:sym typeface="Raleway"/>
-              </a:rPr>
-            </a:br>
-            <a:r>
-              <a:rPr b="1" lang="en" sz="1200">
-                <a:latin typeface="Raleway"/>
-                <a:ea typeface="Raleway"/>
-                <a:cs typeface="Raleway"/>
-                <a:sym typeface="Raleway"/>
-              </a:rPr>
-              <a:t>Defines </a:t>
-            </a:r>
-            <a:r>
-              <a:rPr lang="en" sz="1200">
-                <a:latin typeface="Raleway"/>
-                <a:ea typeface="Raleway"/>
-                <a:cs typeface="Raleway"/>
-                <a:sym typeface="Raleway"/>
-              </a:rPr>
-              <a:t>5 core IMDb .tsv.gz files to download. </a:t>
-            </a:r>
-            <a:r>
-              <a:rPr b="1" lang="en" sz="1200">
-                <a:latin typeface="Raleway"/>
-                <a:ea typeface="Raleway"/>
-                <a:cs typeface="Raleway"/>
-                <a:sym typeface="Raleway"/>
-              </a:rPr>
-              <a:t>Downloads </a:t>
-            </a:r>
-            <a:r>
-              <a:rPr lang="en" sz="1200">
-                <a:latin typeface="Raleway"/>
-                <a:ea typeface="Raleway"/>
-                <a:cs typeface="Raleway"/>
-                <a:sym typeface="Raleway"/>
-              </a:rPr>
-              <a:t>each file via urllib.request.urlopen(). </a:t>
-            </a:r>
-            <a:r>
-              <a:rPr b="1" lang="en" sz="1200">
-                <a:latin typeface="Raleway"/>
-                <a:ea typeface="Raleway"/>
-                <a:cs typeface="Raleway"/>
-                <a:sym typeface="Raleway"/>
-              </a:rPr>
-              <a:t>Decompresses </a:t>
-            </a:r>
-            <a:r>
-              <a:rPr lang="en" sz="1200">
-                <a:latin typeface="Raleway"/>
-                <a:ea typeface="Raleway"/>
-                <a:cs typeface="Raleway"/>
-                <a:sym typeface="Raleway"/>
-              </a:rPr>
-              <a:t>the .gz files in memory using </a:t>
-            </a:r>
-            <a:r>
-              <a:rPr lang="en" sz="1200">
-                <a:latin typeface="Raleway"/>
-                <a:ea typeface="Raleway"/>
-                <a:cs typeface="Raleway"/>
-                <a:sym typeface="Raleway"/>
-              </a:rPr>
-              <a:t>Python</a:t>
-            </a:r>
-            <a:r>
-              <a:rPr lang="en" sz="1200">
-                <a:latin typeface="Raleway"/>
-                <a:ea typeface="Raleway"/>
-                <a:cs typeface="Raleway"/>
-                <a:sym typeface="Raleway"/>
-              </a:rPr>
-              <a:t> gzip module. </a:t>
-            </a:r>
-            <a:r>
-              <a:rPr b="1" lang="en" sz="1200">
-                <a:latin typeface="Raleway"/>
-                <a:ea typeface="Raleway"/>
-                <a:cs typeface="Raleway"/>
-                <a:sym typeface="Raleway"/>
-              </a:rPr>
-              <a:t>Saves </a:t>
-            </a:r>
-            <a:r>
-              <a:rPr lang="en" sz="1200">
-                <a:latin typeface="Raleway"/>
-                <a:ea typeface="Raleway"/>
-                <a:cs typeface="Raleway"/>
-                <a:sym typeface="Raleway"/>
-              </a:rPr>
-              <a:t>the extracted .tsv files to a local download/ directory</a:t>
-            </a:r>
-            <a:endParaRPr sz="1200">
-              <a:latin typeface="Raleway"/>
-              <a:ea typeface="Raleway"/>
-              <a:cs typeface="Raleway"/>
-              <a:sym typeface="Raleway"/>
-            </a:endParaRPr>
-          </a:p>
-          <a:p>
-            <a:pPr indent="0" lvl="0" marL="457200" rtl="0" algn="l">
-              <a:spcBef>
-                <a:spcPts val="1000"/>
-              </a:spcBef>
-              <a:spcAft>
-                <a:spcPts val="0"/>
-              </a:spcAft>
-              <a:buNone/>
-            </a:pPr>
-            <a:r>
-              <a:t/>
-            </a:r>
-            <a:endParaRPr sz="1200">
-              <a:solidFill>
-                <a:schemeClr val="dk2"/>
-              </a:solidFill>
-              <a:latin typeface="Raleway"/>
-              <a:ea typeface="Raleway"/>
-              <a:cs typeface="Raleway"/>
-              <a:sym typeface="Raleway"/>
-            </a:endParaRPr>
-          </a:p>
-          <a:p>
-            <a:pPr indent="-304800" lvl="0" marL="457200" rtl="0" algn="l">
-              <a:spcBef>
-                <a:spcPts val="1000"/>
-              </a:spcBef>
-              <a:spcAft>
-                <a:spcPts val="1000"/>
-              </a:spcAft>
-              <a:buClr>
-                <a:schemeClr val="dk1"/>
-              </a:buClr>
-              <a:buSzPts val="1200"/>
-              <a:buFont typeface="Raleway"/>
-              <a:buChar char="➔"/>
-            </a:pPr>
-            <a:r>
-              <a:rPr b="1" lang="en" sz="1400">
-                <a:solidFill>
-                  <a:schemeClr val="dk1"/>
-                </a:solidFill>
-                <a:latin typeface="Raleway"/>
-                <a:ea typeface="Raleway"/>
-                <a:cs typeface="Raleway"/>
-                <a:sym typeface="Raleway"/>
-              </a:rPr>
-              <a:t>Output</a:t>
-            </a:r>
-            <a:br>
-              <a:rPr lang="en" sz="1400">
-                <a:latin typeface="Raleway"/>
-                <a:ea typeface="Raleway"/>
-                <a:cs typeface="Raleway"/>
-                <a:sym typeface="Raleway"/>
-              </a:rPr>
-            </a:br>
-            <a:r>
-              <a:rPr lang="en" sz="1200">
-                <a:latin typeface="Raleway"/>
-                <a:ea typeface="Raleway"/>
-                <a:cs typeface="Raleway"/>
-                <a:sym typeface="Raleway"/>
-              </a:rPr>
-              <a:t>A local copy of each IMDb TSV file in uncompressed format for further processing.</a:t>
-            </a:r>
-            <a:endParaRPr sz="1200">
-              <a:latin typeface="Raleway"/>
-              <a:ea typeface="Raleway"/>
-              <a:cs typeface="Raleway"/>
-              <a:sym typeface="Raleway"/>
             </a:endParaRPr>
           </a:p>
         </p:txBody>
@@ -12889,7 +13394,19 @@
                 <a:cs typeface="Raleway"/>
                 <a:sym typeface="Raleway"/>
               </a:rPr>
-              <a:t>Step 2. Data Cleanup</a:t>
+              <a:t>Step </a:t>
+            </a:r>
+            <a:r>
+              <a:rPr b="1" lang="en" sz="2300">
+                <a:solidFill>
+                  <a:schemeClr val="lt2"/>
+                </a:solidFill>
+                <a:latin typeface="Raleway"/>
+                <a:ea typeface="Raleway"/>
+                <a:cs typeface="Raleway"/>
+                <a:sym typeface="Raleway"/>
+              </a:rPr>
+              <a:t>1. IMDb Data Download Script</a:t>
             </a:r>
             <a:endParaRPr b="1" sz="2300">
               <a:solidFill>
@@ -12942,7 +13459,20 @@
                 <a:cs typeface="Raleway"/>
                 <a:sym typeface="Raleway"/>
               </a:rPr>
-              <a:t>Prepare IMDb principal and metadata files for clean ingestion into PostgreSQL and embedding.</a:t>
+              <a:t>Downloads and decompresses selected IMDb datasets from </a:t>
+            </a:r>
+            <a:r>
+              <a:rPr b="1" lang="en" sz="1200" u="sng">
+                <a:solidFill>
+                  <a:schemeClr val="hlink"/>
+                </a:solidFill>
+                <a:latin typeface="Raleway"/>
+                <a:ea typeface="Raleway"/>
+                <a:cs typeface="Raleway"/>
+                <a:sym typeface="Raleway"/>
+                <a:hlinkClick r:id="rId5"/>
+              </a:rPr>
+              <a:t>https://datasets.imdbws.com</a:t>
             </a:r>
             <a:endParaRPr sz="1200">
               <a:solidFill>
@@ -12979,7 +13509,7 @@
                 <a:cs typeface="Raleway"/>
                 <a:sym typeface="Raleway"/>
               </a:rPr>
-              <a:t>Merge IMDb datasets</a:t>
+              <a:t>Key Operations</a:t>
             </a:r>
             <a:br>
               <a:rPr lang="en" sz="1400">
@@ -12990,13 +13520,94 @@
               </a:rPr>
             </a:br>
             <a:r>
+              <a:rPr b="1" lang="en" sz="1200">
+                <a:latin typeface="Raleway"/>
+                <a:ea typeface="Raleway"/>
+                <a:cs typeface="Raleway"/>
+                <a:sym typeface="Raleway"/>
+              </a:rPr>
+              <a:t>Defines </a:t>
+            </a:r>
+            <a:r>
               <a:rPr lang="en" sz="1200">
                 <a:latin typeface="Raleway"/>
                 <a:ea typeface="Raleway"/>
                 <a:cs typeface="Raleway"/>
                 <a:sym typeface="Raleway"/>
               </a:rPr>
-              <a:t>Merge title.principals.tsv with cleaned title.basics.tsv and name.basics.tsv. Joins enrich principal data with movie metadata (e.g., title, genres, year) and person info (e.g., name, birthYear). Ensures consistent tconst and nconst references across datasets.</a:t>
+              <a:t>5 core IMDb .tsv.gz files to download. </a:t>
+            </a:r>
+            <a:r>
+              <a:rPr b="1" lang="en" sz="1200">
+                <a:latin typeface="Raleway"/>
+                <a:ea typeface="Raleway"/>
+                <a:cs typeface="Raleway"/>
+                <a:sym typeface="Raleway"/>
+              </a:rPr>
+              <a:t>Downloads </a:t>
+            </a:r>
+            <a:r>
+              <a:rPr lang="en" sz="1200">
+                <a:latin typeface="Raleway"/>
+                <a:ea typeface="Raleway"/>
+                <a:cs typeface="Raleway"/>
+                <a:sym typeface="Raleway"/>
+              </a:rPr>
+              <a:t>each file via urllib.request.urlopen(). </a:t>
+            </a:r>
+            <a:r>
+              <a:rPr b="1" lang="en" sz="1200">
+                <a:latin typeface="Raleway"/>
+                <a:ea typeface="Raleway"/>
+                <a:cs typeface="Raleway"/>
+                <a:sym typeface="Raleway"/>
+              </a:rPr>
+              <a:t>Decompresses </a:t>
+            </a:r>
+            <a:r>
+              <a:rPr lang="en" sz="1200">
+                <a:latin typeface="Raleway"/>
+                <a:ea typeface="Raleway"/>
+                <a:cs typeface="Raleway"/>
+                <a:sym typeface="Raleway"/>
+              </a:rPr>
+              <a:t>the .gz files in memory using </a:t>
+            </a:r>
+            <a:r>
+              <a:rPr lang="en" sz="1200">
+                <a:latin typeface="Raleway"/>
+                <a:ea typeface="Raleway"/>
+                <a:cs typeface="Raleway"/>
+                <a:sym typeface="Raleway"/>
+              </a:rPr>
+              <a:t>Python</a:t>
+            </a:r>
+            <a:r>
+              <a:rPr lang="en" sz="1200">
+                <a:latin typeface="Raleway"/>
+                <a:ea typeface="Raleway"/>
+                <a:cs typeface="Raleway"/>
+                <a:sym typeface="Raleway"/>
+              </a:rPr>
+              <a:t> gzip module. </a:t>
+            </a:r>
+            <a:r>
+              <a:rPr b="1" lang="en" sz="1200">
+                <a:latin typeface="Raleway"/>
+                <a:ea typeface="Raleway"/>
+                <a:cs typeface="Raleway"/>
+                <a:sym typeface="Raleway"/>
+              </a:rPr>
+              <a:t>Saves </a:t>
+            </a:r>
+            <a:r>
+              <a:rPr lang="en" sz="1200">
+                <a:latin typeface="Raleway"/>
+                <a:ea typeface="Raleway"/>
+                <a:cs typeface="Raleway"/>
+                <a:sym typeface="Raleway"/>
+              </a:rPr>
+              <a:t>the extracted .tsv files to a local download/ directory</a:t>
             </a:r>
             <a:endParaRPr sz="1200">
               <a:latin typeface="Raleway"/>
@@ -13006,99 +13617,17 @@
             </a:endParaRPr>
           </a:p>
           <a:p>
-            <a:pPr indent="-317500" lvl="0" marL="457200" rtl="0" algn="l">
+            <a:pPr indent="0" lvl="0" marL="457200" rtl="0" algn="l">
               <a:spcBef>
                 <a:spcPts val="1000"/>
               </a:spcBef>
               <a:spcAft>
                 <a:spcPts val="0"/>
               </a:spcAft>
-              <a:buClr>
-                <a:schemeClr val="dk1"/>
-              </a:buClr>
-              <a:buSzPts val="1400"/>
-              <a:buFont typeface="Raleway"/>
-              <a:buChar char="➔"/>
+              <a:buNone/>
             </a:pPr>
             <a:r>
-              <a:rPr b="1" lang="en" sz="1400">
-                <a:solidFill>
-                  <a:schemeClr val="dk1"/>
-                </a:solidFill>
-                <a:latin typeface="Raleway"/>
-                <a:ea typeface="Raleway"/>
-                <a:cs typeface="Raleway"/>
-                <a:sym typeface="Raleway"/>
-              </a:rPr>
-              <a:t>Filter Principal -title Entries</a:t>
-            </a:r>
-            <a:br>
-              <a:rPr lang="en" sz="1400">
-                <a:latin typeface="Raleway"/>
-                <a:ea typeface="Raleway"/>
-                <a:cs typeface="Raleway"/>
-                <a:sym typeface="Raleway"/>
-              </a:rPr>
-            </a:br>
-            <a:r>
-              <a:rPr lang="en" sz="1200">
-                <a:latin typeface="Raleway"/>
-                <a:ea typeface="Raleway"/>
-                <a:cs typeface="Raleway"/>
-                <a:sym typeface="Raleway"/>
-              </a:rPr>
-              <a:t>Pick movies (titles) with votes 10K or more. Filter Principal dataset with valid movies from titles.. Remove special characters from characters (Principal) and only select 10 characters or roles per title.</a:t>
-            </a:r>
-            <a:endParaRPr sz="1200">
-              <a:latin typeface="Raleway"/>
-              <a:ea typeface="Raleway"/>
-              <a:cs typeface="Raleway"/>
-              <a:sym typeface="Raleway"/>
-            </a:endParaRPr>
-          </a:p>
-          <a:p>
-            <a:pPr indent="-317500" lvl="0" marL="457200" rtl="0" algn="l">
-              <a:spcBef>
-                <a:spcPts val="1000"/>
-              </a:spcBef>
-              <a:spcAft>
-                <a:spcPts val="0"/>
-              </a:spcAft>
-              <a:buClr>
-                <a:schemeClr val="dk1"/>
-              </a:buClr>
-              <a:buSzPts val="1400"/>
-              <a:buFont typeface="Raleway"/>
-              <a:buChar char="➔"/>
-            </a:pPr>
-            <a:r>
-              <a:rPr b="1" lang="en" sz="1400">
-                <a:solidFill>
-                  <a:schemeClr val="dk1"/>
-                </a:solidFill>
-                <a:latin typeface="Raleway"/>
-                <a:ea typeface="Raleway"/>
-                <a:cs typeface="Raleway"/>
-                <a:sym typeface="Raleway"/>
-              </a:rPr>
-              <a:t>Clean characters Column</a:t>
-            </a:r>
-            <a:br>
-              <a:rPr lang="en" sz="1400">
-                <a:latin typeface="Raleway"/>
-                <a:ea typeface="Raleway"/>
-                <a:cs typeface="Raleway"/>
-                <a:sym typeface="Raleway"/>
-              </a:rPr>
-            </a:br>
-            <a:r>
-              <a:rPr lang="en" sz="1200">
-                <a:latin typeface="Raleway"/>
-                <a:ea typeface="Raleway"/>
-                <a:cs typeface="Raleway"/>
-                <a:sym typeface="Raleway"/>
-              </a:rPr>
-              <a:t>Drop rows where character info is missing. Remove special characters like brackets, quotes; retain plain names (e.g., ["ABC"] → "ABC").</a:t>
+              <a:t/>
             </a:r>
             <a:endParaRPr sz="1200">
               <a:solidFill>
@@ -13152,7 +13681,7 @@
                 <a:cs typeface="Raleway"/>
                 <a:sym typeface="Raleway"/>
               </a:rPr>
-              <a:t>Build final summary string. These summaries become the foundation for semantic embedding and retrieval. The data is stored in movies.csv for further processing.</a:t>
+              <a:t>A local copy of each IMDb TSV file in uncompressed format for further processing.</a:t>
             </a:r>
             <a:endParaRPr sz="1200">
               <a:latin typeface="Raleway"/>
@@ -13294,7 +13823,7 @@
                 <a:cs typeface="Raleway"/>
                 <a:sym typeface="Raleway"/>
               </a:rPr>
-              <a:t>Step 3. Database Utility</a:t>
+              <a:t>Step 2. Data Cleanup</a:t>
             </a:r>
             <a:endParaRPr b="1" sz="2300">
               <a:solidFill>
@@ -13347,7 +13876,61 @@
                 <a:cs typeface="Raleway"/>
                 <a:sym typeface="Raleway"/>
               </a:rPr>
-              <a:t>Create and configure the PostgreSQL database, enable vector support, and initialize the movies table.</a:t>
+              <a:t>Prepare IMDb principal and metadata files for clean ingestion into PostgreSQL and embedding.</a:t>
+            </a:r>
+            <a:endParaRPr sz="1200">
+              <a:solidFill>
+                <a:schemeClr val="dk2"/>
+              </a:solidFill>
+              <a:latin typeface="Raleway"/>
+              <a:ea typeface="Raleway"/>
+              <a:cs typeface="Raleway"/>
+              <a:sym typeface="Raleway"/>
+            </a:endParaRPr>
+          </a:p>
+          <a:p>
+            <a:pPr indent="-317500" lvl="0" marL="457200" rtl="0" algn="l">
+              <a:spcBef>
+                <a:spcPts val="1600"/>
+              </a:spcBef>
+              <a:spcAft>
+                <a:spcPts val="0"/>
+              </a:spcAft>
+              <a:buClr>
+                <a:schemeClr val="dk1"/>
+              </a:buClr>
+              <a:buSzPts val="1400"/>
+              <a:buFont typeface="Raleway"/>
+              <a:buChar char="➔"/>
+            </a:pPr>
+            <a:r>
+              <a:rPr b="1" lang="en" sz="1400">
+                <a:solidFill>
+                  <a:schemeClr val="dk1"/>
+                </a:solidFill>
+                <a:latin typeface="Raleway"/>
+                <a:ea typeface="Raleway"/>
+                <a:cs typeface="Raleway"/>
+                <a:sym typeface="Raleway"/>
+              </a:rPr>
+              <a:t>Merge IMDb datasets</a:t>
+            </a:r>
+            <a:br>
+              <a:rPr lang="en" sz="1400">
+                <a:latin typeface="Raleway"/>
+                <a:ea typeface="Raleway"/>
+                <a:cs typeface="Raleway"/>
+                <a:sym typeface="Raleway"/>
+              </a:rPr>
+            </a:br>
+            <a:r>
+              <a:rPr lang="en" sz="1200">
+                <a:latin typeface="Raleway"/>
+                <a:ea typeface="Raleway"/>
+                <a:cs typeface="Raleway"/>
+                <a:sym typeface="Raleway"/>
+              </a:rPr>
+              <a:t>Merge title.principals.tsv with cleaned title.basics.tsv and name.basics.tsv. Joins enrich principal data with movie metadata (e.g., title, genres, year) and person info (e.g., name, birthYear). Ensures consistent tconst and nconst references across datasets.</a:t>
             </a:r>
             <a:endParaRPr sz="1200">
               <a:latin typeface="Raleway"/>
@@ -13359,7 +13942,7 @@
           <a:p>
             <a:pPr indent="-317500" lvl="0" marL="457200" rtl="0" algn="l">
               <a:spcBef>
-                <a:spcPts val="1600"/>
+                <a:spcPts val="1000"/>
               </a:spcBef>
               <a:spcAft>
                 <a:spcPts val="0"/>
@@ -13381,11 +13964,79 @@
                 <a:cs typeface="Raleway"/>
                 <a:sym typeface="Raleway"/>
               </a:rPr>
-              <a:t>Key Actions</a:t>
-            </a:r>
-            <a:endParaRPr b="1" sz="1400">
+              <a:t>Filter Principal -title Entries</a:t>
+            </a:r>
+            <a:br>
+              <a:rPr lang="en" sz="1400">
+                <a:latin typeface="Raleway"/>
+                <a:ea typeface="Raleway"/>
+                <a:cs typeface="Raleway"/>
+                <a:sym typeface="Raleway"/>
+              </a:rPr>
+            </a:br>
+            <a:r>
+              <a:rPr lang="en" sz="1200">
+                <a:latin typeface="Raleway"/>
+                <a:ea typeface="Raleway"/>
+                <a:cs typeface="Raleway"/>
+                <a:sym typeface="Raleway"/>
+              </a:rPr>
+              <a:t>Pick movies (titles) with votes 10K or more. Filter Principal dataset with valid movies from titles.. Remove special characters from characters (Principal) and only select 10 characters or roles per title.</a:t>
+            </a:r>
+            <a:endParaRPr sz="1200">
+              <a:latin typeface="Raleway"/>
+              <a:ea typeface="Raleway"/>
+              <a:cs typeface="Raleway"/>
+              <a:sym typeface="Raleway"/>
+            </a:endParaRPr>
+          </a:p>
+          <a:p>
+            <a:pPr indent="-317500" lvl="0" marL="457200" rtl="0" algn="l">
+              <a:spcBef>
+                <a:spcPts val="1000"/>
+              </a:spcBef>
+              <a:spcAft>
+                <a:spcPts val="0"/>
+              </a:spcAft>
+              <a:buClr>
+                <a:schemeClr val="dk1"/>
+              </a:buClr>
+              <a:buSzPts val="1400"/>
+              <a:buFont typeface="Raleway"/>
+              <a:buChar char="➔"/>
+            </a:pPr>
+            <a:r>
+              <a:rPr b="1" lang="en" sz="1400">
+                <a:solidFill>
+                  <a:schemeClr val="dk1"/>
+                </a:solidFill>
+                <a:latin typeface="Raleway"/>
+                <a:ea typeface="Raleway"/>
+                <a:cs typeface="Raleway"/>
+                <a:sym typeface="Raleway"/>
+              </a:rPr>
+              <a:t>Clean characters Column</a:t>
+            </a:r>
+            <a:br>
+              <a:rPr lang="en" sz="1400">
+                <a:latin typeface="Raleway"/>
+                <a:ea typeface="Raleway"/>
+                <a:cs typeface="Raleway"/>
+                <a:sym typeface="Raleway"/>
+              </a:rPr>
+            </a:br>
+            <a:r>
+              <a:rPr lang="en" sz="1200">
+                <a:latin typeface="Raleway"/>
+                <a:ea typeface="Raleway"/>
+                <a:cs typeface="Raleway"/>
+                <a:sym typeface="Raleway"/>
+              </a:rPr>
+              <a:t>Drop rows where character info is missing. Remove special characters like brackets, quotes; retain plain names (e.g., ["ABC"] → "ABC").</a:t>
+            </a:r>
+            <a:endParaRPr sz="1200">
               <a:solidFill>
-                <a:schemeClr val="dk1"/>
+                <a:schemeClr val="dk2"/>
               </a:solidFill>
               <a:latin typeface="Raleway"/>
               <a:ea typeface="Raleway"/>
@@ -13394,124 +14045,12 @@
             </a:endParaRPr>
           </a:p>
           <a:p>
-            <a:pPr indent="-304800" lvl="1" marL="914400" rtl="0" algn="l">
+            <a:pPr indent="-304800" lvl="0" marL="457200" rtl="0" algn="l">
               <a:spcBef>
                 <a:spcPts val="1000"/>
               </a:spcBef>
               <a:spcAft>
-                <a:spcPts val="0"/>
-              </a:spcAft>
-              <a:buSzPts val="1200"/>
-              <a:buFont typeface="Raleway"/>
-              <a:buChar char="◆"/>
-            </a:pPr>
-            <a:r>
-              <a:rPr lang="en" sz="1200">
-                <a:latin typeface="Raleway"/>
-                <a:ea typeface="Raleway"/>
-                <a:cs typeface="Raleway"/>
-                <a:sym typeface="Raleway"/>
-              </a:rPr>
-              <a:t>Database Setup : Connects to PostgreSQL and checks if the imdb database exists; creates it if not</a:t>
-            </a:r>
-            <a:endParaRPr sz="1200">
-              <a:latin typeface="Raleway"/>
-              <a:ea typeface="Raleway"/>
-              <a:cs typeface="Raleway"/>
-              <a:sym typeface="Raleway"/>
-            </a:endParaRPr>
-          </a:p>
-          <a:p>
-            <a:pPr indent="-304800" lvl="1" marL="914400" rtl="0" algn="l">
-              <a:spcBef>
                 <a:spcPts val="1000"/>
-              </a:spcBef>
-              <a:spcAft>
-                <a:spcPts val="0"/>
-              </a:spcAft>
-              <a:buSzPts val="1200"/>
-              <a:buFont typeface="Raleway"/>
-              <a:buChar char="◆"/>
-            </a:pPr>
-            <a:r>
-              <a:rPr lang="en" sz="1200">
-                <a:latin typeface="Raleway"/>
-                <a:ea typeface="Raleway"/>
-                <a:cs typeface="Raleway"/>
-                <a:sym typeface="Raleway"/>
-              </a:rPr>
-              <a:t>Enable pgvector Extension : Ensures the vector extension is enabled to support embedding storage and similarity search</a:t>
-            </a:r>
-            <a:endParaRPr sz="1200">
-              <a:latin typeface="Raleway"/>
-              <a:ea typeface="Raleway"/>
-              <a:cs typeface="Raleway"/>
-              <a:sym typeface="Raleway"/>
-            </a:endParaRPr>
-          </a:p>
-          <a:p>
-            <a:pPr indent="-317500" lvl="1" marL="914400" rtl="0" algn="l">
-              <a:spcBef>
-                <a:spcPts val="1000"/>
-              </a:spcBef>
-              <a:spcAft>
-                <a:spcPts val="0"/>
-              </a:spcAft>
-              <a:buSzPts val="1400"/>
-              <a:buFont typeface="Raleway"/>
-              <a:buChar char="◆"/>
-            </a:pPr>
-            <a:r>
-              <a:rPr lang="en" sz="1200">
-                <a:latin typeface="Raleway"/>
-                <a:ea typeface="Raleway"/>
-                <a:cs typeface="Raleway"/>
-                <a:sym typeface="Raleway"/>
-              </a:rPr>
-              <a:t>Create movies Table : Defines schema with mov_id (primary key), mov_details (text), and embedding (vector of 384 dimensions). If the table exists, deletes all existing records to refresh with new data.</a:t>
-            </a:r>
-            <a:endParaRPr sz="1200">
-              <a:latin typeface="Raleway"/>
-              <a:ea typeface="Raleway"/>
-              <a:cs typeface="Raleway"/>
-              <a:sym typeface="Raleway"/>
-            </a:endParaRPr>
-          </a:p>
-          <a:p>
-            <a:pPr indent="-304800" lvl="1" marL="914400" rtl="0" algn="l">
-              <a:spcBef>
-                <a:spcPts val="1000"/>
-              </a:spcBef>
-              <a:spcAft>
-                <a:spcPts val="0"/>
-              </a:spcAft>
-              <a:buSzPts val="1200"/>
-              <a:buFont typeface="Raleway"/>
-              <a:buChar char="◆"/>
-            </a:pPr>
-            <a:r>
-              <a:rPr lang="en" sz="1200">
-                <a:latin typeface="Raleway"/>
-                <a:ea typeface="Raleway"/>
-                <a:cs typeface="Raleway"/>
-                <a:sym typeface="Raleway"/>
-              </a:rPr>
-              <a:t>Insertion : Final database set up to support full vector search.</a:t>
-            </a:r>
-            <a:endParaRPr sz="1200">
-              <a:latin typeface="Raleway"/>
-              <a:ea typeface="Raleway"/>
-              <a:cs typeface="Raleway"/>
-              <a:sym typeface="Raleway"/>
-            </a:endParaRPr>
-          </a:p>
-          <a:p>
-            <a:pPr indent="-304800" lvl="0" marL="457200" rtl="0" algn="l">
-              <a:spcBef>
-                <a:spcPts val="1000"/>
-              </a:spcBef>
-              <a:spcAft>
-                <a:spcPts val="0"/>
               </a:spcAft>
               <a:buClr>
                 <a:schemeClr val="dk1"/>
@@ -13521,7 +14060,7 @@
               <a:buChar char="➔"/>
             </a:pPr>
             <a:r>
-              <a:rPr b="1" lang="en" sz="1200">
+              <a:rPr b="1" lang="en" sz="1400">
                 <a:solidFill>
                   <a:schemeClr val="dk1"/>
                 </a:solidFill>
@@ -13532,26 +14071,14 @@
               </a:rPr>
               <a:t>Output</a:t>
             </a:r>
-            <a:endParaRPr b="1" sz="1200">
-              <a:solidFill>
-                <a:schemeClr val="dk1"/>
-              </a:solidFill>
-              <a:latin typeface="Raleway"/>
-              <a:ea typeface="Raleway"/>
-              <a:cs typeface="Raleway"/>
-              <a:sym typeface="Raleway"/>
-            </a:endParaRPr>
-          </a:p>
-          <a:p>
-            <a:pPr indent="0" lvl="0" marL="457200" rtl="0" algn="l">
-              <a:spcBef>
-                <a:spcPts val="1000"/>
-              </a:spcBef>
-              <a:spcAft>
-                <a:spcPts val="1000"/>
-              </a:spcAft>
-              <a:buNone/>
-            </a:pPr>
+            <a:br>
+              <a:rPr lang="en" sz="1400">
+                <a:latin typeface="Raleway"/>
+                <a:ea typeface="Raleway"/>
+                <a:cs typeface="Raleway"/>
+                <a:sym typeface="Raleway"/>
+              </a:rPr>
+            </a:br>
             <a:r>
               <a:rPr lang="en" sz="1200">
                 <a:latin typeface="Raleway"/>
@@ -13559,7 +14086,7 @@
                 <a:cs typeface="Raleway"/>
                 <a:sym typeface="Raleway"/>
               </a:rPr>
-              <a:t>Table structure along with vector supported column ready for  insertion and embedding.</a:t>
+              <a:t>Build final summary string. These summaries become the foundation for semantic embedding and retrieval. The data is stored in movies.csv for further processing.</a:t>
             </a:r>
             <a:endParaRPr sz="1200">
               <a:latin typeface="Raleway"/>
@@ -13701,19 +14228,7 @@
                 <a:cs typeface="Raleway"/>
                 <a:sym typeface="Raleway"/>
               </a:rPr>
-              <a:t>Step 4. </a:t>
-            </a:r>
-            <a:r>
-              <a:rPr b="1" lang="en" sz="2300">
-                <a:solidFill>
-                  <a:schemeClr val="lt2"/>
-                </a:solidFill>
-                <a:latin typeface="Raleway"/>
-                <a:ea typeface="Raleway"/>
-                <a:cs typeface="Raleway"/>
-                <a:sym typeface="Raleway"/>
-              </a:rPr>
-              <a:t>Populate Movie Records</a:t>
+              <a:t>Step 2. Output..</a:t>
             </a:r>
             <a:endParaRPr b="1" sz="2300">
               <a:solidFill>
@@ -13750,256 +14265,9 @@
           </a:bodyPr>
           <a:lstStyle/>
           <a:p>
-            <a:pPr indent="0" lvl="0" marL="0" rtl="0" algn="l">
-              <a:spcBef>
-                <a:spcPts val="0"/>
-              </a:spcBef>
-              <a:spcAft>
-                <a:spcPts val="0"/>
-              </a:spcAft>
-              <a:buNone/>
-            </a:pPr>
-            <a:r>
-              <a:rPr b="1" lang="en" sz="1200">
-                <a:latin typeface="Raleway"/>
-                <a:ea typeface="Raleway"/>
-                <a:cs typeface="Raleway"/>
-                <a:sym typeface="Raleway"/>
-              </a:rPr>
-              <a:t>Insert movie metadata into the PostgreSQL database with placeholder embeddings.</a:t>
-            </a:r>
-            <a:r>
-              <a:rPr b="1" lang="en" sz="1200">
-                <a:latin typeface="Raleway"/>
-                <a:ea typeface="Raleway"/>
-                <a:cs typeface="Raleway"/>
-                <a:sym typeface="Raleway"/>
-              </a:rPr>
-              <a:t>.</a:t>
-            </a:r>
-            <a:endParaRPr sz="1200">
-              <a:latin typeface="Raleway"/>
-              <a:ea typeface="Raleway"/>
-              <a:cs typeface="Raleway"/>
-              <a:sym typeface="Raleway"/>
-            </a:endParaRPr>
-          </a:p>
-          <a:p>
-            <a:pPr indent="-317500" lvl="0" marL="457200" rtl="0" algn="l">
-              <a:spcBef>
-                <a:spcPts val="1600"/>
-              </a:spcBef>
-              <a:spcAft>
-                <a:spcPts val="0"/>
-              </a:spcAft>
-              <a:buClr>
-                <a:schemeClr val="dk1"/>
-              </a:buClr>
-              <a:buSzPts val="1400"/>
-              <a:buFont typeface="Raleway"/>
-              <a:buChar char="➔"/>
-            </a:pPr>
-            <a:r>
-              <a:rPr b="1" lang="en" sz="1400">
-                <a:solidFill>
-                  <a:schemeClr val="dk1"/>
-                </a:solidFill>
-                <a:latin typeface="Raleway"/>
-                <a:ea typeface="Raleway"/>
-                <a:cs typeface="Raleway"/>
-                <a:sym typeface="Raleway"/>
-              </a:rPr>
-              <a:t>Key Actions</a:t>
-            </a:r>
-            <a:endParaRPr b="1" sz="1400">
-              <a:solidFill>
-                <a:schemeClr val="dk1"/>
-              </a:solidFill>
-              <a:latin typeface="Raleway"/>
-              <a:ea typeface="Raleway"/>
-              <a:cs typeface="Raleway"/>
-              <a:sym typeface="Raleway"/>
-            </a:endParaRPr>
-          </a:p>
-          <a:p>
-            <a:pPr indent="-304800" lvl="1" marL="914400" rtl="0" algn="l">
-              <a:spcBef>
-                <a:spcPts val="1000"/>
-              </a:spcBef>
-              <a:spcAft>
-                <a:spcPts val="0"/>
-              </a:spcAft>
-              <a:buSzPts val="1200"/>
-              <a:buFont typeface="Raleway"/>
-              <a:buChar char="◆"/>
-            </a:pPr>
-            <a:r>
-              <a:rPr lang="en" sz="1200">
-                <a:latin typeface="Raleway"/>
-                <a:ea typeface="Raleway"/>
-                <a:cs typeface="Raleway"/>
-                <a:sym typeface="Raleway"/>
-              </a:rPr>
-              <a:t>Read Data </a:t>
-            </a:r>
-            <a:r>
-              <a:rPr lang="en" sz="1200">
-                <a:latin typeface="Raleway"/>
-                <a:ea typeface="Raleway"/>
-                <a:cs typeface="Raleway"/>
-                <a:sym typeface="Raleway"/>
-              </a:rPr>
-              <a:t>: </a:t>
-            </a:r>
-            <a:r>
-              <a:rPr lang="en" sz="1200">
-                <a:latin typeface="Raleway"/>
-                <a:ea typeface="Raleway"/>
-                <a:cs typeface="Raleway"/>
-                <a:sym typeface="Raleway"/>
-              </a:rPr>
-              <a:t>Loads a CSV file (movies.csv) containing movie IDs and textual descriptions.</a:t>
-            </a:r>
-            <a:endParaRPr sz="1200">
-              <a:latin typeface="Raleway"/>
-              <a:ea typeface="Raleway"/>
-              <a:cs typeface="Raleway"/>
-              <a:sym typeface="Raleway"/>
-            </a:endParaRPr>
-          </a:p>
-          <a:p>
-            <a:pPr indent="-304800" lvl="1" marL="914400" rtl="0" algn="l">
-              <a:spcBef>
-                <a:spcPts val="1000"/>
-              </a:spcBef>
-              <a:spcAft>
-                <a:spcPts val="0"/>
-              </a:spcAft>
-              <a:buSzPts val="1200"/>
-              <a:buFont typeface="Raleway"/>
-              <a:buChar char="◆"/>
-            </a:pPr>
-            <a:r>
-              <a:rPr lang="en" sz="1200">
-                <a:latin typeface="Raleway"/>
-                <a:ea typeface="Raleway"/>
-                <a:cs typeface="Raleway"/>
-                <a:sym typeface="Raleway"/>
-              </a:rPr>
-              <a:t>Database Connection</a:t>
-            </a:r>
-            <a:r>
-              <a:rPr lang="en" sz="1200">
-                <a:latin typeface="Raleway"/>
-                <a:ea typeface="Raleway"/>
-                <a:cs typeface="Raleway"/>
-                <a:sym typeface="Raleway"/>
-              </a:rPr>
-              <a:t> : </a:t>
-            </a:r>
-            <a:r>
-              <a:rPr lang="en" sz="1200">
-                <a:latin typeface="Raleway"/>
-                <a:ea typeface="Raleway"/>
-                <a:cs typeface="Raleway"/>
-                <a:sym typeface="Raleway"/>
-              </a:rPr>
-              <a:t>Establishes a connection to the imdb PostgreSQL database using psycopg2.</a:t>
-            </a:r>
-            <a:endParaRPr sz="1200">
-              <a:latin typeface="Raleway"/>
-              <a:ea typeface="Raleway"/>
-              <a:cs typeface="Raleway"/>
-              <a:sym typeface="Raleway"/>
-            </a:endParaRPr>
-          </a:p>
-          <a:p>
-            <a:pPr indent="-317500" lvl="1" marL="914400" rtl="0" algn="l">
-              <a:spcBef>
-                <a:spcPts val="1000"/>
-              </a:spcBef>
-              <a:spcAft>
-                <a:spcPts val="0"/>
-              </a:spcAft>
-              <a:buSzPts val="1400"/>
-              <a:buFont typeface="Raleway"/>
-              <a:buChar char="◆"/>
-            </a:pPr>
-            <a:r>
-              <a:rPr lang="en" sz="1200">
-                <a:latin typeface="Raleway"/>
-                <a:ea typeface="Raleway"/>
-                <a:cs typeface="Raleway"/>
-                <a:sym typeface="Raleway"/>
-              </a:rPr>
-              <a:t>Insert Records</a:t>
-            </a:r>
-            <a:r>
-              <a:rPr lang="en" sz="1200">
-                <a:latin typeface="Raleway"/>
-                <a:ea typeface="Raleway"/>
-                <a:cs typeface="Raleway"/>
-                <a:sym typeface="Raleway"/>
-              </a:rPr>
-              <a:t> : </a:t>
-            </a:r>
-            <a:r>
-              <a:rPr lang="en" sz="1200">
-                <a:latin typeface="Raleway"/>
-                <a:ea typeface="Raleway"/>
-                <a:cs typeface="Raleway"/>
-                <a:sym typeface="Raleway"/>
-              </a:rPr>
-              <a:t>Iterates over each movie row in the DataFrame. Executes an INSERT SQL statement for each row with: mov_id, mov_details, and embedding set as NULL.</a:t>
-            </a:r>
-            <a:r>
-              <a:rPr lang="en" sz="1200">
-                <a:latin typeface="Raleway"/>
-                <a:ea typeface="Raleway"/>
-                <a:cs typeface="Raleway"/>
-                <a:sym typeface="Raleway"/>
-              </a:rPr>
-              <a:t>.</a:t>
-            </a:r>
-            <a:endParaRPr sz="1200">
-              <a:latin typeface="Raleway"/>
-              <a:ea typeface="Raleway"/>
-              <a:cs typeface="Raleway"/>
-              <a:sym typeface="Raleway"/>
-            </a:endParaRPr>
-          </a:p>
-          <a:p>
-            <a:pPr indent="-304800" lvl="1" marL="914400" rtl="0" algn="l">
-              <a:spcBef>
-                <a:spcPts val="1000"/>
-              </a:spcBef>
-              <a:spcAft>
-                <a:spcPts val="0"/>
-              </a:spcAft>
-              <a:buSzPts val="1200"/>
-              <a:buFont typeface="Raleway"/>
-              <a:buChar char="◆"/>
-            </a:pPr>
-            <a:r>
-              <a:rPr lang="en" sz="1200">
-                <a:latin typeface="Raleway"/>
-                <a:ea typeface="Raleway"/>
-                <a:cs typeface="Raleway"/>
-                <a:sym typeface="Raleway"/>
-              </a:rPr>
-              <a:t>Insertion : Final database set up to support full vector search.</a:t>
-            </a:r>
-            <a:endParaRPr sz="1200">
-              <a:latin typeface="Raleway"/>
-              <a:ea typeface="Raleway"/>
-              <a:cs typeface="Raleway"/>
-              <a:sym typeface="Raleway"/>
-            </a:endParaRPr>
-          </a:p>
-          <a:p>
             <a:pPr indent="-304800" lvl="0" marL="457200" rtl="0" algn="l">
               <a:spcBef>
-                <a:spcPts val="1000"/>
+                <a:spcPts val="0"/>
               </a:spcBef>
               <a:spcAft>
                 <a:spcPts val="0"/>
@@ -14021,7 +14289,19 @@
                 <a:cs typeface="Raleway"/>
                 <a:sym typeface="Raleway"/>
               </a:rPr>
-              <a:t>Output</a:t>
+              <a:t>String</a:t>
+            </a:r>
+            <a:r>
+              <a:rPr b="1" lang="en" sz="1200">
+                <a:solidFill>
+                  <a:schemeClr val="dk1"/>
+                </a:solidFill>
+                <a:latin typeface="Raleway"/>
+                <a:ea typeface="Raleway"/>
+                <a:cs typeface="Raleway"/>
+                <a:sym typeface="Raleway"/>
+              </a:rPr>
+              <a:t> that is captured in table for embedding</a:t>
             </a:r>
             <a:endParaRPr b="1" sz="1200">
               <a:solidFill>
@@ -14039,18 +14319,626 @@
                 <a:spcPts val="1000"/>
               </a:spcBef>
               <a:spcAft>
+                <a:spcPts val="0"/>
+              </a:spcAft>
+              <a:buNone/>
+            </a:pPr>
+            <a:r>
+              <a:rPr i="1" lang="en" sz="1200">
+                <a:latin typeface="Raleway"/>
+                <a:ea typeface="Raleway"/>
+                <a:cs typeface="Raleway"/>
+                <a:sym typeface="Raleway"/>
+              </a:rPr>
+              <a:t>Movie "</a:t>
+            </a:r>
+            <a:r>
+              <a:rPr i="1" lang="en" sz="1200">
+                <a:solidFill>
+                  <a:schemeClr val="dk1"/>
+                </a:solidFill>
+                <a:latin typeface="Raleway"/>
+                <a:ea typeface="Raleway"/>
+                <a:cs typeface="Raleway"/>
+                <a:sym typeface="Raleway"/>
+              </a:rPr>
+              <a:t>The Shawshank Redemption"</a:t>
+            </a:r>
+            <a:r>
+              <a:rPr i="1" lang="en" sz="1200">
+                <a:latin typeface="Raleway"/>
+                <a:ea typeface="Raleway"/>
+                <a:cs typeface="Raleway"/>
+                <a:sym typeface="Raleway"/>
+              </a:rPr>
+              <a:t> released in year </a:t>
+            </a:r>
+            <a:r>
+              <a:rPr i="1" lang="en" sz="1200">
+                <a:solidFill>
+                  <a:schemeClr val="dk1"/>
+                </a:solidFill>
+                <a:latin typeface="Raleway"/>
+                <a:ea typeface="Raleway"/>
+                <a:cs typeface="Raleway"/>
+                <a:sym typeface="Raleway"/>
+              </a:rPr>
+              <a:t>1994</a:t>
+            </a:r>
+            <a:r>
+              <a:rPr i="1" lang="en" sz="1200">
+                <a:latin typeface="Raleway"/>
+                <a:ea typeface="Raleway"/>
+                <a:cs typeface="Raleway"/>
+                <a:sym typeface="Raleway"/>
+              </a:rPr>
+              <a:t>, is a </a:t>
+            </a:r>
+            <a:r>
+              <a:rPr i="1" lang="en" sz="1200">
+                <a:solidFill>
+                  <a:schemeClr val="dk1"/>
+                </a:solidFill>
+                <a:latin typeface="Raleway"/>
+                <a:ea typeface="Raleway"/>
+                <a:cs typeface="Raleway"/>
+                <a:sym typeface="Raleway"/>
+              </a:rPr>
+              <a:t>Drama</a:t>
+            </a:r>
+            <a:r>
+              <a:rPr i="1" lang="en" sz="1200">
+                <a:latin typeface="Raleway"/>
+                <a:ea typeface="Raleway"/>
+                <a:cs typeface="Raleway"/>
+                <a:sym typeface="Raleway"/>
+              </a:rPr>
+              <a:t> film, directed by "</a:t>
+            </a:r>
+            <a:r>
+              <a:rPr i="1" lang="en" sz="1200">
+                <a:solidFill>
+                  <a:schemeClr val="dk1"/>
+                </a:solidFill>
+                <a:latin typeface="Raleway"/>
+                <a:ea typeface="Raleway"/>
+                <a:cs typeface="Raleway"/>
+                <a:sym typeface="Raleway"/>
+              </a:rPr>
+              <a:t>Frank Darabont"</a:t>
+            </a:r>
+            <a:r>
+              <a:rPr i="1" lang="en" sz="1200">
+                <a:latin typeface="Raleway"/>
+                <a:ea typeface="Raleway"/>
+                <a:cs typeface="Raleway"/>
+                <a:sym typeface="Raleway"/>
+              </a:rPr>
+              <a:t>, written by </a:t>
+            </a:r>
+            <a:r>
+              <a:rPr i="1" lang="en" sz="1200">
+                <a:solidFill>
+                  <a:schemeClr val="dk1"/>
+                </a:solidFill>
+                <a:latin typeface="Raleway"/>
+                <a:ea typeface="Raleway"/>
+                <a:cs typeface="Raleway"/>
+                <a:sym typeface="Raleway"/>
+              </a:rPr>
+              <a:t>"Stephen King, Frank Darabont</a:t>
+            </a:r>
+            <a:r>
+              <a:rPr i="1" lang="en" sz="1200">
+                <a:latin typeface="Raleway"/>
+                <a:ea typeface="Raleway"/>
+                <a:cs typeface="Raleway"/>
+                <a:sym typeface="Raleway"/>
+              </a:rPr>
+              <a:t>",  with a runtime of </a:t>
+            </a:r>
+            <a:r>
+              <a:rPr i="1" lang="en" sz="1200">
+                <a:solidFill>
+                  <a:schemeClr val="dk1"/>
+                </a:solidFill>
+                <a:latin typeface="Raleway"/>
+                <a:ea typeface="Raleway"/>
+                <a:cs typeface="Raleway"/>
+                <a:sym typeface="Raleway"/>
+              </a:rPr>
+              <a:t>142 </a:t>
+            </a:r>
+            <a:r>
+              <a:rPr i="1" lang="en" sz="1200">
+                <a:latin typeface="Raleway"/>
+                <a:ea typeface="Raleway"/>
+                <a:cs typeface="Raleway"/>
+                <a:sym typeface="Raleway"/>
+              </a:rPr>
+              <a:t>minutes, rated </a:t>
+            </a:r>
+            <a:r>
+              <a:rPr i="1" lang="en" sz="1200">
+                <a:solidFill>
+                  <a:schemeClr val="dk1"/>
+                </a:solidFill>
+                <a:latin typeface="Raleway"/>
+                <a:ea typeface="Raleway"/>
+                <a:cs typeface="Raleway"/>
+                <a:sym typeface="Raleway"/>
+              </a:rPr>
+              <a:t>9.3</a:t>
+            </a:r>
+            <a:r>
+              <a:rPr i="1" lang="en" sz="1200">
+                <a:latin typeface="Raleway"/>
+                <a:ea typeface="Raleway"/>
+                <a:cs typeface="Raleway"/>
+                <a:sym typeface="Raleway"/>
+              </a:rPr>
+              <a:t>/10 on IMDb, based on </a:t>
+            </a:r>
+            <a:r>
+              <a:rPr i="1" lang="en" sz="1200">
+                <a:solidFill>
+                  <a:schemeClr val="dk1"/>
+                </a:solidFill>
+                <a:latin typeface="Raleway"/>
+                <a:ea typeface="Raleway"/>
+                <a:cs typeface="Raleway"/>
+                <a:sym typeface="Raleway"/>
+              </a:rPr>
+              <a:t>3038716 </a:t>
+            </a:r>
+            <a:r>
+              <a:rPr i="1" lang="en" sz="1200">
+                <a:latin typeface="Raleway"/>
+                <a:ea typeface="Raleway"/>
+                <a:cs typeface="Raleway"/>
+                <a:sym typeface="Raleway"/>
+              </a:rPr>
+              <a:t>votes., The top casting is as follow : Character "</a:t>
+            </a:r>
+            <a:r>
+              <a:rPr i="1" lang="en" sz="1200">
+                <a:solidFill>
+                  <a:schemeClr val="dk1"/>
+                </a:solidFill>
+                <a:latin typeface="Raleway"/>
+                <a:ea typeface="Raleway"/>
+                <a:cs typeface="Raleway"/>
+                <a:sym typeface="Raleway"/>
+              </a:rPr>
+              <a:t>Andy Dufresne</a:t>
+            </a:r>
+            <a:r>
+              <a:rPr i="1" lang="en" sz="1200">
+                <a:latin typeface="Raleway"/>
+                <a:ea typeface="Raleway"/>
+                <a:cs typeface="Raleway"/>
+                <a:sym typeface="Raleway"/>
+              </a:rPr>
+              <a:t>" played by actor "</a:t>
+            </a:r>
+            <a:r>
+              <a:rPr i="1" lang="en" sz="1200">
+                <a:solidFill>
+                  <a:schemeClr val="dk1"/>
+                </a:solidFill>
+                <a:latin typeface="Raleway"/>
+                <a:ea typeface="Raleway"/>
+                <a:cs typeface="Raleway"/>
+                <a:sym typeface="Raleway"/>
+              </a:rPr>
+              <a:t>Tim Robbins"</a:t>
+            </a:r>
+            <a:r>
+              <a:rPr i="1" lang="en" sz="1200">
+                <a:latin typeface="Raleway"/>
+                <a:ea typeface="Raleway"/>
+                <a:cs typeface="Raleway"/>
+                <a:sym typeface="Raleway"/>
+              </a:rPr>
+              <a:t>, Character "</a:t>
+            </a:r>
+            <a:r>
+              <a:rPr i="1" lang="en" sz="1200">
+                <a:solidFill>
+                  <a:schemeClr val="dk1"/>
+                </a:solidFill>
+                <a:latin typeface="Raleway"/>
+                <a:ea typeface="Raleway"/>
+                <a:cs typeface="Raleway"/>
+                <a:sym typeface="Raleway"/>
+              </a:rPr>
+              <a:t>Ellis Boyd Red Redding</a:t>
+            </a:r>
+            <a:r>
+              <a:rPr i="1" lang="en" sz="1200">
+                <a:latin typeface="Raleway"/>
+                <a:ea typeface="Raleway"/>
+                <a:cs typeface="Raleway"/>
+                <a:sym typeface="Raleway"/>
+              </a:rPr>
+              <a:t>" played by actor "</a:t>
+            </a:r>
+            <a:r>
+              <a:rPr i="1" lang="en" sz="1200">
+                <a:solidFill>
+                  <a:schemeClr val="dk1"/>
+                </a:solidFill>
+                <a:latin typeface="Raleway"/>
+                <a:ea typeface="Raleway"/>
+                <a:cs typeface="Raleway"/>
+                <a:sym typeface="Raleway"/>
+              </a:rPr>
+              <a:t>Morgan Freeman"</a:t>
+            </a:r>
+            <a:r>
+              <a:rPr i="1" lang="en" sz="1200">
+                <a:latin typeface="Raleway"/>
+                <a:ea typeface="Raleway"/>
+                <a:cs typeface="Raleway"/>
+                <a:sym typeface="Raleway"/>
+              </a:rPr>
+              <a:t>, Character "</a:t>
+            </a:r>
+            <a:r>
+              <a:rPr i="1" lang="en" sz="1200">
+                <a:solidFill>
+                  <a:schemeClr val="dk1"/>
+                </a:solidFill>
+                <a:latin typeface="Raleway"/>
+                <a:ea typeface="Raleway"/>
+                <a:cs typeface="Raleway"/>
+                <a:sym typeface="Raleway"/>
+              </a:rPr>
+              <a:t>Warden Norton</a:t>
+            </a:r>
+            <a:r>
+              <a:rPr i="1" lang="en" sz="1200">
+                <a:latin typeface="Raleway"/>
+                <a:ea typeface="Raleway"/>
+                <a:cs typeface="Raleway"/>
+                <a:sym typeface="Raleway"/>
+              </a:rPr>
+              <a:t>" played by actor "</a:t>
+            </a:r>
+            <a:r>
+              <a:rPr i="1" lang="en" sz="1200">
+                <a:solidFill>
+                  <a:schemeClr val="dk1"/>
+                </a:solidFill>
+                <a:latin typeface="Raleway"/>
+                <a:ea typeface="Raleway"/>
+                <a:cs typeface="Raleway"/>
+                <a:sym typeface="Raleway"/>
+              </a:rPr>
+              <a:t>Bob Gunton</a:t>
+            </a:r>
+            <a:r>
+              <a:rPr i="1" lang="en" sz="1200">
+                <a:latin typeface="Raleway"/>
+                <a:ea typeface="Raleway"/>
+                <a:cs typeface="Raleway"/>
+                <a:sym typeface="Raleway"/>
+              </a:rPr>
+              <a:t>", Character "</a:t>
+            </a:r>
+            <a:r>
+              <a:rPr i="1" lang="en" sz="1200">
+                <a:solidFill>
+                  <a:schemeClr val="dk1"/>
+                </a:solidFill>
+                <a:latin typeface="Raleway"/>
+                <a:ea typeface="Raleway"/>
+                <a:cs typeface="Raleway"/>
+                <a:sym typeface="Raleway"/>
+              </a:rPr>
+              <a:t>Heywood</a:t>
+            </a:r>
+            <a:r>
+              <a:rPr i="1" lang="en" sz="1200">
+                <a:latin typeface="Raleway"/>
+                <a:ea typeface="Raleway"/>
+                <a:cs typeface="Raleway"/>
+                <a:sym typeface="Raleway"/>
+              </a:rPr>
+              <a:t>" played by actor "</a:t>
+            </a:r>
+            <a:r>
+              <a:rPr i="1" lang="en" sz="1200">
+                <a:solidFill>
+                  <a:schemeClr val="dk1"/>
+                </a:solidFill>
+                <a:latin typeface="Raleway"/>
+                <a:ea typeface="Raleway"/>
+                <a:cs typeface="Raleway"/>
+                <a:sym typeface="Raleway"/>
+              </a:rPr>
+              <a:t>William Sadler</a:t>
+            </a:r>
+            <a:r>
+              <a:rPr i="1" lang="en" sz="1200">
+                <a:latin typeface="Raleway"/>
+                <a:ea typeface="Raleway"/>
+                <a:cs typeface="Raleway"/>
+                <a:sym typeface="Raleway"/>
+              </a:rPr>
+              <a:t>", Character "</a:t>
+            </a:r>
+            <a:r>
+              <a:rPr i="1" lang="en" sz="1200">
+                <a:solidFill>
+                  <a:schemeClr val="dk1"/>
+                </a:solidFill>
+                <a:latin typeface="Raleway"/>
+                <a:ea typeface="Raleway"/>
+                <a:cs typeface="Raleway"/>
+                <a:sym typeface="Raleway"/>
+              </a:rPr>
+              <a:t>Captain Hadley</a:t>
+            </a:r>
+            <a:r>
+              <a:rPr i="1" lang="en" sz="1200">
+                <a:latin typeface="Raleway"/>
+                <a:ea typeface="Raleway"/>
+                <a:cs typeface="Raleway"/>
+                <a:sym typeface="Raleway"/>
+              </a:rPr>
+              <a:t>" played by actor "</a:t>
+            </a:r>
+            <a:r>
+              <a:rPr i="1" lang="en" sz="1200">
+                <a:solidFill>
+                  <a:schemeClr val="dk1"/>
+                </a:solidFill>
+                <a:latin typeface="Raleway"/>
+                <a:ea typeface="Raleway"/>
+                <a:cs typeface="Raleway"/>
+                <a:sym typeface="Raleway"/>
+              </a:rPr>
+              <a:t>Clancy Brown</a:t>
+            </a:r>
+            <a:r>
+              <a:rPr i="1" lang="en" sz="1200">
+                <a:latin typeface="Raleway"/>
+                <a:ea typeface="Raleway"/>
+                <a:cs typeface="Raleway"/>
+                <a:sym typeface="Raleway"/>
+              </a:rPr>
+              <a:t>", Character "</a:t>
+            </a:r>
+            <a:r>
+              <a:rPr i="1" lang="en" sz="1200">
+                <a:solidFill>
+                  <a:schemeClr val="dk1"/>
+                </a:solidFill>
+                <a:latin typeface="Raleway"/>
+                <a:ea typeface="Raleway"/>
+                <a:cs typeface="Raleway"/>
+                <a:sym typeface="Raleway"/>
+              </a:rPr>
+              <a:t>Tommy</a:t>
+            </a:r>
+            <a:r>
+              <a:rPr i="1" lang="en" sz="1200">
+                <a:latin typeface="Raleway"/>
+                <a:ea typeface="Raleway"/>
+                <a:cs typeface="Raleway"/>
+                <a:sym typeface="Raleway"/>
+              </a:rPr>
+              <a:t>" played by actor "</a:t>
+            </a:r>
+            <a:r>
+              <a:rPr i="1" lang="en" sz="1200">
+                <a:solidFill>
+                  <a:schemeClr val="dk1"/>
+                </a:solidFill>
+                <a:latin typeface="Raleway"/>
+                <a:ea typeface="Raleway"/>
+                <a:cs typeface="Raleway"/>
+                <a:sym typeface="Raleway"/>
+              </a:rPr>
+              <a:t>Gil Bellows</a:t>
+            </a:r>
+            <a:r>
+              <a:rPr i="1" lang="en" sz="1200">
+                <a:latin typeface="Raleway"/>
+                <a:ea typeface="Raleway"/>
+                <a:cs typeface="Raleway"/>
+                <a:sym typeface="Raleway"/>
+              </a:rPr>
+              <a:t>", Character "</a:t>
+            </a:r>
+            <a:r>
+              <a:rPr i="1" lang="en" sz="1200">
+                <a:solidFill>
+                  <a:schemeClr val="dk1"/>
+                </a:solidFill>
+                <a:latin typeface="Raleway"/>
+                <a:ea typeface="Raleway"/>
+                <a:cs typeface="Raleway"/>
+                <a:sym typeface="Raleway"/>
+              </a:rPr>
+              <a:t>Bogs Diamond</a:t>
+            </a:r>
+            <a:r>
+              <a:rPr i="1" lang="en" sz="1200">
+                <a:latin typeface="Raleway"/>
+                <a:ea typeface="Raleway"/>
+                <a:cs typeface="Raleway"/>
+                <a:sym typeface="Raleway"/>
+              </a:rPr>
+              <a:t>" played by actor "</a:t>
+            </a:r>
+            <a:r>
+              <a:rPr i="1" lang="en" sz="1200">
+                <a:solidFill>
+                  <a:schemeClr val="dk1"/>
+                </a:solidFill>
+                <a:latin typeface="Raleway"/>
+                <a:ea typeface="Raleway"/>
+                <a:cs typeface="Raleway"/>
+                <a:sym typeface="Raleway"/>
+              </a:rPr>
+              <a:t>Mark Rolston</a:t>
+            </a:r>
+            <a:r>
+              <a:rPr i="1" lang="en" sz="1200">
+                <a:latin typeface="Raleway"/>
+                <a:ea typeface="Raleway"/>
+                <a:cs typeface="Raleway"/>
+                <a:sym typeface="Raleway"/>
+              </a:rPr>
+              <a:t>", Character "</a:t>
+            </a:r>
+            <a:r>
+              <a:rPr i="1" lang="en" sz="1200">
+                <a:solidFill>
+                  <a:schemeClr val="dk1"/>
+                </a:solidFill>
+                <a:latin typeface="Raleway"/>
+                <a:ea typeface="Raleway"/>
+                <a:cs typeface="Raleway"/>
+                <a:sym typeface="Raleway"/>
+              </a:rPr>
+              <a:t>Brooks Hatlen</a:t>
+            </a:r>
+            <a:r>
+              <a:rPr i="1" lang="en" sz="1200">
+                <a:latin typeface="Raleway"/>
+                <a:ea typeface="Raleway"/>
+                <a:cs typeface="Raleway"/>
+                <a:sym typeface="Raleway"/>
+              </a:rPr>
+              <a:t>" played by actor "</a:t>
+            </a:r>
+            <a:r>
+              <a:rPr i="1" lang="en" sz="1200">
+                <a:solidFill>
+                  <a:schemeClr val="dk1"/>
+                </a:solidFill>
+                <a:latin typeface="Raleway"/>
+                <a:ea typeface="Raleway"/>
+                <a:cs typeface="Raleway"/>
+                <a:sym typeface="Raleway"/>
+              </a:rPr>
+              <a:t>James Whitmore</a:t>
+            </a:r>
+            <a:r>
+              <a:rPr i="1" lang="en" sz="1200">
+                <a:latin typeface="Raleway"/>
+                <a:ea typeface="Raleway"/>
+                <a:cs typeface="Raleway"/>
+                <a:sym typeface="Raleway"/>
+              </a:rPr>
+              <a:t>", Character "</a:t>
+            </a:r>
+            <a:r>
+              <a:rPr i="1" lang="en" sz="1200">
+                <a:solidFill>
+                  <a:schemeClr val="dk1"/>
+                </a:solidFill>
+                <a:latin typeface="Raleway"/>
+                <a:ea typeface="Raleway"/>
+                <a:cs typeface="Raleway"/>
+                <a:sym typeface="Raleway"/>
+              </a:rPr>
+              <a:t>1946 DA</a:t>
+            </a:r>
+            <a:r>
+              <a:rPr i="1" lang="en" sz="1200">
+                <a:latin typeface="Raleway"/>
+                <a:ea typeface="Raleway"/>
+                <a:cs typeface="Raleway"/>
+                <a:sym typeface="Raleway"/>
+              </a:rPr>
+              <a:t>" played by actor "</a:t>
+            </a:r>
+            <a:r>
+              <a:rPr i="1" lang="en" sz="1200">
+                <a:solidFill>
+                  <a:schemeClr val="dk1"/>
+                </a:solidFill>
+                <a:latin typeface="Raleway"/>
+                <a:ea typeface="Raleway"/>
+                <a:cs typeface="Raleway"/>
+                <a:sym typeface="Raleway"/>
+              </a:rPr>
+              <a:t>Jeffrey DeMunn</a:t>
+            </a:r>
+            <a:r>
+              <a:rPr i="1" lang="en" sz="1200">
+                <a:latin typeface="Raleway"/>
+                <a:ea typeface="Raleway"/>
+                <a:cs typeface="Raleway"/>
+                <a:sym typeface="Raleway"/>
+              </a:rPr>
+              <a:t>", Character "</a:t>
+            </a:r>
+            <a:r>
+              <a:rPr i="1" lang="en" sz="1200">
+                <a:solidFill>
+                  <a:schemeClr val="dk1"/>
+                </a:solidFill>
+                <a:latin typeface="Raleway"/>
+                <a:ea typeface="Raleway"/>
+                <a:cs typeface="Raleway"/>
+                <a:sym typeface="Raleway"/>
+              </a:rPr>
+              <a:t>Skeet</a:t>
+            </a:r>
+            <a:r>
+              <a:rPr i="1" lang="en" sz="1200">
+                <a:latin typeface="Raleway"/>
+                <a:ea typeface="Raleway"/>
+                <a:cs typeface="Raleway"/>
+                <a:sym typeface="Raleway"/>
+              </a:rPr>
+              <a:t>" played by actor "</a:t>
+            </a:r>
+            <a:r>
+              <a:rPr i="1" lang="en" sz="1200">
+                <a:solidFill>
+                  <a:schemeClr val="dk1"/>
+                </a:solidFill>
+                <a:latin typeface="Raleway"/>
+                <a:ea typeface="Raleway"/>
+                <a:cs typeface="Raleway"/>
+                <a:sym typeface="Raleway"/>
+              </a:rPr>
+              <a:t>Larry Brandenburg</a:t>
+            </a:r>
+            <a:r>
+              <a:rPr i="1" lang="en" sz="1200">
+                <a:latin typeface="Raleway"/>
+                <a:ea typeface="Raleway"/>
+                <a:cs typeface="Raleway"/>
+                <a:sym typeface="Raleway"/>
+              </a:rPr>
+              <a:t>"</a:t>
+            </a:r>
+            <a:endParaRPr i="1" sz="1200">
+              <a:latin typeface="Raleway"/>
+              <a:ea typeface="Raleway"/>
+              <a:cs typeface="Raleway"/>
+              <a:sym typeface="Raleway"/>
+            </a:endParaRPr>
+          </a:p>
+          <a:p>
+            <a:pPr indent="0" lvl="0" marL="457200" rtl="0" algn="l">
+              <a:spcBef>
                 <a:spcPts val="1000"/>
+              </a:spcBef>
+              <a:spcAft>
+                <a:spcPts val="1000"/>
               </a:spcAft>
               <a:buNone/>
             </a:pPr>
             <a:r>
-              <a:rPr lang="en" sz="1200">
-                <a:latin typeface="Raleway"/>
-                <a:ea typeface="Raleway"/>
-                <a:cs typeface="Raleway"/>
-                <a:sym typeface="Raleway"/>
-              </a:rPr>
-              <a:t>The movies table is populated with metadata, ready for embedding in the next step.</a:t>
+              <a:t/>
             </a:r>
             <a:endParaRPr sz="1200">
               <a:latin typeface="Raleway"/>
@@ -14070,6 +14958,285 @@
 </file>
 
 <file path=ppt/theme/theme1.xml><?xml version="1.0" encoding="utf-8"?>
+<a:theme xmlns:a="http://schemas.openxmlformats.org/drawingml/2006/main" xmlns:r="http://schemas.openxmlformats.org/officeDocument/2006/relationships">
+  <a:themeElements>
+    <a:clrScheme name="Default">
+      <a:dk1>
+        <a:srgbClr val="000000"/>
+      </a:dk1>
+      <a:lt1>
+        <a:srgbClr val="FFFFFF"/>
+      </a:lt1>
+      <a:dk2>
+        <a:srgbClr val="158158"/>
+      </a:dk2>
+      <a:lt2>
+        <a:srgbClr val="F3F3F3"/>
+      </a:lt2>
+      <a:accent1>
+        <a:srgbClr val="058DC7"/>
+      </a:accent1>
+      <a:accent2>
+        <a:srgbClr val="50B432"/>
+      </a:accent2>
+      <a:accent3>
+        <a:srgbClr val="ED561B"/>
+      </a:accent3>
+      <a:accent4>
+        <a:srgbClr val="EDEF00"/>
+      </a:accent4>
+      <a:accent5>
+        <a:srgbClr val="24CBE5"/>
+      </a:accent5>
+      <a:accent6>
+        <a:srgbClr val="64E572"/>
+      </a:accent6>
+      <a:hlink>
+        <a:srgbClr val="2200CC"/>
+      </a:hlink>
+      <a:folHlink>
+        <a:srgbClr val="551A8B"/>
+      </a:folHlink>
+    </a:clrScheme>
+    <a:fontScheme name="Office">
+      <a:majorFont>
+        <a:latin typeface="Arial"/>
+        <a:ea typeface=""/>
+        <a:cs typeface=""/>
+        <a:font script="Jpan" typeface="ＭＳ Ｐゴシック"/>
+        <a:font script="Hang" typeface="맑은 고딕"/>
+        <a:font script="Hans" typeface="宋体"/>
+        <a:font script="Hant" typeface="新細明體"/>
+        <a:font script="Arab" typeface="Times New Roman"/>
+        <a:font script="Hebr" typeface="Times New Roman"/>
+        <a:font script="Thai" typeface="Angsana New"/>
+        <a:font script="Ethi" typeface="Nyala"/>
+        <a:font script="Beng" typeface="Vrinda"/>
+        <a:font script="Gujr" typeface="Shruti"/>
+        <a:font script="Khmr" typeface="MoolBoran"/>
+        <a:font script="Knda" typeface="Tunga"/>
+        <a:font script="Guru" typeface="Raavi"/>
+        <a:font script="Cans" typeface="Euphemia"/>
+        <a:font script="Cher" typeface="Plantagenet Cherokee"/>
+        <a:font script="Yiii" typeface="Microsoft Yi Baiti"/>
+        <a:font script="Tibt" typeface="Microsoft Himalaya"/>
+        <a:font script="Thaa" typeface="MV Boli"/>
+        <a:font script="Deva" typeface="Mangal"/>
+        <a:font script="Telu" typeface="Gautami"/>
+        <a:font script="Taml" typeface="Latha"/>
+        <a:font script="Syrc" typeface="Estrangelo Edessa"/>
+        <a:font script="Orya" typeface="Kalinga"/>
+        <a:font script="Mlym" typeface="Kartika"/>
+        <a:font script="Laoo" typeface="DokChampa"/>
+        <a:font script="Sinh" typeface="Iskoola Pota"/>
+        <a:font script="Mong" typeface="Mongolian Baiti"/>
+        <a:font script="Viet" typeface="Times New Roman"/>
+        <a:font script="Uigh" typeface="Microsoft Uighur"/>
+        <a:font script="Geor" typeface="Sylfaen"/>
+      </a:majorFont>
+      <a:minorFont>
+        <a:latin typeface="Arial"/>
+        <a:ea typeface=""/>
+        <a:cs typeface=""/>
+        <a:font script="Jpan" typeface="ＭＳ Ｐゴシック"/>
+        <a:font script="Hang" typeface="맑은 고딕"/>
+        <a:font script="Hans" typeface="宋体"/>
+        <a:font script="Hant" typeface="新細明體"/>
+        <a:font script="Arab" typeface="Arial"/>
+        <a:font script="Hebr" typeface="Arial"/>
+        <a:font script="Thai" typeface="Cordia New"/>
+        <a:font script="Ethi" typeface="Nyala"/>
+        <a:font script="Beng" typeface="Vrinda"/>
+        <a:font script="Gujr" typeface="Shruti"/>
+        <a:font script="Khmr" typeface="DaunPenh"/>
+        <a:font script="Knda" typeface="Tunga"/>
+        <a:font script="Guru" typeface="Raavi"/>
+        <a:font script="Cans" typeface="Euphemia"/>
+        <a:font script="Cher" typeface="Plantagenet Cherokee"/>
+        <a:font script="Yiii" typeface="Microsoft Yi Baiti"/>
+        <a:font script="Tibt" typeface="Microsoft Himalaya"/>
+        <a:font script="Thaa" typeface="MV Boli"/>
+        <a:font script="Deva" typeface="Mangal"/>
+        <a:font script="Telu" typeface="Gautami"/>
+        <a:font script="Taml" typeface="Latha"/>
+        <a:font script="Syrc" typeface="Estrangelo Edessa"/>
+        <a:font script="Orya" typeface="Kalinga"/>
+        <a:font script="Mlym" typeface="Kartika"/>
+        <a:font script="Laoo" typeface="DokChampa"/>
+        <a:font script="Sinh" typeface="Iskoola Pota"/>
+        <a:font script="Mong" typeface="Mongolian Baiti"/>
+        <a:font script="Viet" typeface="Arial"/>
+        <a:font script="Uigh" typeface="Microsoft Uighur"/>
+        <a:font script="Geor" typeface="Sylfaen"/>
+      </a:minorFont>
+    </a:fontScheme>
+    <a:fmtScheme name="Office">
+      <a:fillStyleLst>
+        <a:solidFill>
+          <a:schemeClr val="phClr"/>
+        </a:solidFill>
+        <a:gradFill rotWithShape="1">
+          <a:gsLst>
+            <a:gs pos="0">
+              <a:schemeClr val="phClr">
+                <a:tint val="50000"/>
+                <a:satMod val="300000"/>
+              </a:schemeClr>
+            </a:gs>
+            <a:gs pos="35000">
+              <a:schemeClr val="phClr">
+                <a:tint val="37000"/>
+                <a:satMod val="300000"/>
+              </a:schemeClr>
+            </a:gs>
+            <a:gs pos="100000">
+              <a:schemeClr val="phClr">
+                <a:tint val="15000"/>
+                <a:satMod val="350000"/>
+              </a:schemeClr>
+            </a:gs>
+          </a:gsLst>
+          <a:lin ang="16200000" scaled="1"/>
+        </a:gradFill>
+        <a:gradFill rotWithShape="1">
+          <a:gsLst>
+            <a:gs pos="0">
+              <a:schemeClr val="phClr">
+                <a:tint val="100000"/>
+                <a:shade val="100000"/>
+                <a:satMod val="130000"/>
+              </a:schemeClr>
+            </a:gs>
+            <a:gs pos="100000">
+              <a:schemeClr val="phClr">
+                <a:tint val="50000"/>
+                <a:shade val="100000"/>
+                <a:satMod val="350000"/>
+              </a:schemeClr>
+            </a:gs>
+          </a:gsLst>
+          <a:lin ang="16200000" scaled="0"/>
+        </a:gradFill>
+      </a:fillStyleLst>
+      <a:lnStyleLst>
+        <a:ln w="9525" cap="flat" cmpd="sng" algn="ctr">
+          <a:solidFill>
+            <a:schemeClr val="phClr">
+              <a:shade val="95000"/>
+              <a:satMod val="105000"/>
+            </a:schemeClr>
+          </a:solidFill>
+          <a:prstDash val="solid"/>
+        </a:ln>
+        <a:ln w="25400" cap="flat" cmpd="sng" algn="ctr">
+          <a:solidFill>
+            <a:schemeClr val="phClr"/>
+          </a:solidFill>
+          <a:prstDash val="solid"/>
+        </a:ln>
+        <a:ln w="38100" cap="flat" cmpd="sng" algn="ctr">
+          <a:solidFill>
+            <a:schemeClr val="phClr"/>
+          </a:solidFill>
+          <a:prstDash val="solid"/>
+        </a:ln>
+      </a:lnStyleLst>
+      <a:effectStyleLst>
+        <a:effectStyle>
+          <a:effectLst>
+            <a:outerShdw blurRad="40000" dist="20000" dir="5400000" rotWithShape="0">
+              <a:srgbClr val="000000">
+                <a:alpha val="38000"/>
+              </a:srgbClr>
+            </a:outerShdw>
+          </a:effectLst>
+        </a:effectStyle>
+        <a:effectStyle>
+          <a:effectLst>
+            <a:outerShdw blurRad="40000" dist="23000" dir="5400000" rotWithShape="0">
+              <a:srgbClr val="000000">
+                <a:alpha val="35000"/>
+              </a:srgbClr>
+            </a:outerShdw>
+          </a:effectLst>
+        </a:effectStyle>
+        <a:effectStyle>
+          <a:effectLst>
+            <a:outerShdw blurRad="40000" dist="23000" dir="5400000" rotWithShape="0">
+              <a:srgbClr val="000000">
+                <a:alpha val="35000"/>
+              </a:srgbClr>
+            </a:outerShdw>
+          </a:effectLst>
+          <a:scene3d>
+            <a:camera prst="orthographicFront">
+              <a:rot lat="0" lon="0" rev="0"/>
+            </a:camera>
+            <a:lightRig rig="threePt" dir="t">
+              <a:rot lat="0" lon="0" rev="1200000"/>
+            </a:lightRig>
+          </a:scene3d>
+          <a:sp3d>
+            <a:bevelT w="63500" h="25400"/>
+          </a:sp3d>
+        </a:effectStyle>
+      </a:effectStyleLst>
+      <a:bgFillStyleLst>
+        <a:solidFill>
+          <a:schemeClr val="phClr"/>
+        </a:solidFill>
+        <a:gradFill rotWithShape="1">
+          <a:gsLst>
+            <a:gs pos="0">
+              <a:schemeClr val="phClr">
+                <a:tint val="40000"/>
+                <a:satMod val="350000"/>
+              </a:schemeClr>
+            </a:gs>
+            <a:gs pos="40000">
+              <a:schemeClr val="phClr">
+                <a:tint val="45000"/>
+                <a:shade val="99000"/>
+                <a:satMod val="350000"/>
+              </a:schemeClr>
+            </a:gs>
+            <a:gs pos="100000">
+              <a:schemeClr val="phClr">
+                <a:shade val="20000"/>
+                <a:satMod val="255000"/>
+              </a:schemeClr>
+            </a:gs>
+          </a:gsLst>
+          <a:path path="circle">
+            <a:fillToRect l="50000" t="-80000" r="50000" b="180000"/>
+          </a:path>
+        </a:gradFill>
+        <a:gradFill rotWithShape="1">
+          <a:gsLst>
+            <a:gs pos="0">
+              <a:schemeClr val="phClr">
+                <a:tint val="80000"/>
+                <a:satMod val="300000"/>
+              </a:schemeClr>
+            </a:gs>
+            <a:gs pos="100000">
+              <a:schemeClr val="phClr">
+                <a:shade val="30000"/>
+                <a:satMod val="200000"/>
+              </a:schemeClr>
+            </a:gs>
+          </a:gsLst>
+          <a:path path="circle">
+            <a:fillToRect l="50000" t="50000" r="50000" b="50000"/>
+          </a:path>
+        </a:gradFill>
+      </a:bgFillStyleLst>
+    </a:fmtScheme>
+  </a:themeElements>
+</a:theme>
+</file>
+
+<file path=ppt/theme/theme2.xml><?xml version="1.0" encoding="utf-8"?>
 <a:theme xmlns:a="http://schemas.openxmlformats.org/drawingml/2006/main" xmlns:r="http://schemas.openxmlformats.org/officeDocument/2006/relationships" name="Swiss">
   <a:themeElements>
     <a:clrScheme name="Swiss">
@@ -14346,283 +15513,4 @@
     </a:fmtScheme>
   </a:themeElements>
 </a:theme>
-</file>
-
-<file path=ppt/theme/theme2.xml><?xml version="1.0" encoding="utf-8"?>
-<a:theme xmlns:a="http://schemas.openxmlformats.org/drawingml/2006/main" xmlns:r="http://schemas.openxmlformats.org/officeDocument/2006/relationships">
-  <a:themeElements>
-    <a:clrScheme name="Default">
-      <a:dk1>
-        <a:srgbClr val="000000"/>
-      </a:dk1>
-      <a:lt1>
-        <a:srgbClr val="FFFFFF"/>
-      </a:lt1>
-      <a:dk2>
-        <a:srgbClr val="158158"/>
-      </a:dk2>
-      <a:lt2>
-        <a:srgbClr val="F3F3F3"/>
-      </a:lt2>
-      <a:accent1>
-        <a:srgbClr val="058DC7"/>
-      </a:accent1>
-      <a:accent2>
-        <a:srgbClr val="50B432"/>
-      </a:accent2>
-      <a:accent3>
-        <a:srgbClr val="ED561B"/>
-      </a:accent3>
-      <a:accent4>
-        <a:srgbClr val="EDEF00"/>
-      </a:accent4>
-      <a:accent5>
-        <a:srgbClr val="24CBE5"/>
-      </a:accent5>
-      <a:accent6>
-        <a:srgbClr val="64E572"/>
-      </a:accent6>
-      <a:hlink>
-        <a:srgbClr val="2200CC"/>
-      </a:hlink>
-      <a:folHlink>
-        <a:srgbClr val="551A8B"/>
-      </a:folHlink>
-    </a:clrScheme>
-    <a:fontScheme name="Office">
-      <a:majorFont>
-        <a:latin typeface="Arial"/>
-        <a:ea typeface=""/>
-        <a:cs typeface=""/>
-        <a:font script="Jpan" typeface="ＭＳ Ｐゴシック"/>
-        <a:font script="Hang" typeface="맑은 고딕"/>
-        <a:font script="Hans" typeface="宋体"/>
-        <a:font script="Hant" typeface="新細明體"/>
-        <a:font script="Arab" typeface="Times New Roman"/>
-        <a:font script="Hebr" typeface="Times New Roman"/>
-        <a:font script="Thai" typeface="Angsana New"/>
-        <a:font script="Ethi" typeface="Nyala"/>
-        <a:font script="Beng" typeface="Vrinda"/>
-        <a:font script="Gujr" typeface="Shruti"/>
-        <a:font script="Khmr" typeface="MoolBoran"/>
-        <a:font script="Knda" typeface="Tunga"/>
-        <a:font script="Guru" typeface="Raavi"/>
-        <a:font script="Cans" typeface="Euphemia"/>
-        <a:font script="Cher" typeface="Plantagenet Cherokee"/>
-        <a:font script="Yiii" typeface="Microsoft Yi Baiti"/>
-        <a:font script="Tibt" typeface="Microsoft Himalaya"/>
-        <a:font script="Thaa" typeface="MV Boli"/>
-        <a:font script="Deva" typeface="Mangal"/>
-        <a:font script="Telu" typeface="Gautami"/>
-        <a:font script="Taml" typeface="Latha"/>
-        <a:font script="Syrc" typeface="Estrangelo Edessa"/>
-        <a:font script="Orya" typeface="Kalinga"/>
-        <a:font script="Mlym" typeface="Kartika"/>
-        <a:font script="Laoo" typeface="DokChampa"/>
-        <a:font script="Sinh" typeface="Iskoola Pota"/>
-        <a:font script="Mong" typeface="Mongolian Baiti"/>
-        <a:font script="Viet" typeface="Times New Roman"/>
-        <a:font script="Uigh" typeface="Microsoft Uighur"/>
-        <a:font script="Geor" typeface="Sylfaen"/>
-      </a:majorFont>
-      <a:minorFont>
-        <a:latin typeface="Arial"/>
-        <a:ea typeface=""/>
-        <a:cs typeface=""/>
-        <a:font script="Jpan" typeface="ＭＳ Ｐゴシック"/>
-        <a:font script="Hang" typeface="맑은 고딕"/>
-        <a:font script="Hans" typeface="宋体"/>
-        <a:font script="Hant" typeface="新細明體"/>
-        <a:font script="Arab" typeface="Arial"/>
-        <a:font script="Hebr" typeface="Arial"/>
-        <a:font script="Thai" typeface="Cordia New"/>
-        <a:font script="Ethi" typeface="Nyala"/>
-        <a:font script="Beng" typeface="Vrinda"/>
-        <a:font script="Gujr" typeface="Shruti"/>
-        <a:font script="Khmr" typeface="DaunPenh"/>
-        <a:font script="Knda" typeface="Tunga"/>
-        <a:font script="Guru" typeface="Raavi"/>
-        <a:font script="Cans" typeface="Euphemia"/>
-        <a:font script="Cher" typeface="Plantagenet Cherokee"/>
-        <a:font script="Yiii" typeface="Microsoft Yi Baiti"/>
-        <a:font script="Tibt" typeface="Microsoft Himalaya"/>
-        <a:font script="Thaa" typeface="MV Boli"/>
-        <a:font script="Deva" typeface="Mangal"/>
-        <a:font script="Telu" typeface="Gautami"/>
-        <a:font script="Taml" typeface="Latha"/>
-        <a:font script="Syrc" typeface="Estrangelo Edessa"/>
-        <a:font script="Orya" typeface="Kalinga"/>
-        <a:font script="Mlym" typeface="Kartika"/>
-        <a:font script="Laoo" typeface="DokChampa"/>
-        <a:font script="Sinh" typeface="Iskoola Pota"/>
-        <a:font script="Mong" typeface="Mongolian Baiti"/>
-        <a:font script="Viet" typeface="Arial"/>
-        <a:font script="Uigh" typeface="Microsoft Uighur"/>
-        <a:font script="Geor" typeface="Sylfaen"/>
-      </a:minorFont>
-    </a:fontScheme>
-    <a:fmtScheme name="Office">
-      <a:fillStyleLst>
-        <a:solidFill>
-          <a:schemeClr val="phClr"/>
-        </a:solidFill>
-        <a:gradFill rotWithShape="1">
-          <a:gsLst>
-            <a:gs pos="0">
-              <a:schemeClr val="phClr">
-                <a:tint val="50000"/>
-                <a:satMod val="300000"/>
-              </a:schemeClr>
-            </a:gs>
-            <a:gs pos="35000">
-              <a:schemeClr val="phClr">
-                <a:tint val="37000"/>
-                <a:satMod val="300000"/>
-              </a:schemeClr>
-            </a:gs>
-            <a:gs pos="100000">
-              <a:schemeClr val="phClr">
-                <a:tint val="15000"/>
-                <a:satMod val="350000"/>
-              </a:schemeClr>
-            </a:gs>
-          </a:gsLst>
-          <a:lin ang="16200000" scaled="1"/>
-        </a:gradFill>
-        <a:gradFill rotWithShape="1">
-          <a:gsLst>
-            <a:gs pos="0">
-              <a:schemeClr val="phClr">
-                <a:tint val="100000"/>
-                <a:shade val="100000"/>
-                <a:satMod val="130000"/>
-              </a:schemeClr>
-            </a:gs>
-            <a:gs pos="100000">
-              <a:schemeClr val="phClr">
-                <a:tint val="50000"/>
-                <a:shade val="100000"/>
-                <a:satMod val="350000"/>
-              </a:schemeClr>
-            </a:gs>
-          </a:gsLst>
-          <a:lin ang="16200000" scaled="0"/>
-        </a:gradFill>
-      </a:fillStyleLst>
-      <a:lnStyleLst>
-        <a:ln w="9525" cap="flat" cmpd="sng" algn="ctr">
-          <a:solidFill>
-            <a:schemeClr val="phClr">
-              <a:shade val="95000"/>
-              <a:satMod val="105000"/>
-            </a:schemeClr>
-          </a:solidFill>
-          <a:prstDash val="solid"/>
-        </a:ln>
-        <a:ln w="25400" cap="flat" cmpd="sng" algn="ctr">
-          <a:solidFill>
-            <a:schemeClr val="phClr"/>
-          </a:solidFill>
-          <a:prstDash val="solid"/>
-        </a:ln>
-        <a:ln w="38100" cap="flat" cmpd="sng" algn="ctr">
-          <a:solidFill>
-            <a:schemeClr val="phClr"/>
-          </a:solidFill>
-          <a:prstDash val="solid"/>
-        </a:ln>
-      </a:lnStyleLst>
-      <a:effectStyleLst>
-        <a:effectStyle>
-          <a:effectLst>
-            <a:outerShdw blurRad="40000" dist="20000" dir="5400000" rotWithShape="0">
-              <a:srgbClr val="000000">
-                <a:alpha val="38000"/>
-              </a:srgbClr>
-            </a:outerShdw>
-          </a:effectLst>
-        </a:effectStyle>
-        <a:effectStyle>
-          <a:effectLst>
-            <a:outerShdw blurRad="40000" dist="23000" dir="5400000" rotWithShape="0">
-              <a:srgbClr val="000000">
-                <a:alpha val="35000"/>
-              </a:srgbClr>
-            </a:outerShdw>
-          </a:effectLst>
-        </a:effectStyle>
-        <a:effectStyle>
-          <a:effectLst>
-            <a:outerShdw blurRad="40000" dist="23000" dir="5400000" rotWithShape="0">
-              <a:srgbClr val="000000">
-                <a:alpha val="35000"/>
-              </a:srgbClr>
-            </a:outerShdw>
-          </a:effectLst>
-          <a:scene3d>
-            <a:camera prst="orthographicFront">
-              <a:rot lat="0" lon="0" rev="0"/>
-            </a:camera>
-            <a:lightRig rig="threePt" dir="t">
-              <a:rot lat="0" lon="0" rev="1200000"/>
-            </a:lightRig>
-          </a:scene3d>
-          <a:sp3d>
-            <a:bevelT w="63500" h="25400"/>
-          </a:sp3d>
-        </a:effectStyle>
-      </a:effectStyleLst>
-      <a:bgFillStyleLst>
-        <a:solidFill>
-          <a:schemeClr val="phClr"/>
-        </a:solidFill>
-        <a:gradFill rotWithShape="1">
-          <a:gsLst>
-            <a:gs pos="0">
-              <a:schemeClr val="phClr">
-                <a:tint val="40000"/>
-                <a:satMod val="350000"/>
-              </a:schemeClr>
-            </a:gs>
-            <a:gs pos="40000">
-              <a:schemeClr val="phClr">
-                <a:tint val="45000"/>
-                <a:shade val="99000"/>
-                <a:satMod val="350000"/>
-              </a:schemeClr>
-            </a:gs>
-            <a:gs pos="100000">
-              <a:schemeClr val="phClr">
-                <a:shade val="20000"/>
-                <a:satMod val="255000"/>
-              </a:schemeClr>
-            </a:gs>
-          </a:gsLst>
-          <a:path path="circle">
-            <a:fillToRect l="50000" t="-80000" r="50000" b="180000"/>
-          </a:path>
-        </a:gradFill>
-        <a:gradFill rotWithShape="1">
-          <a:gsLst>
-            <a:gs pos="0">
-              <a:schemeClr val="phClr">
-                <a:tint val="80000"/>
-                <a:satMod val="300000"/>
-              </a:schemeClr>
-            </a:gs>
-            <a:gs pos="100000">
-              <a:schemeClr val="phClr">
-                <a:shade val="30000"/>
-                <a:satMod val="200000"/>
-              </a:schemeClr>
-            </a:gs>
-          </a:gsLst>
-          <a:path path="circle">
-            <a:fillToRect l="50000" t="50000" r="50000" b="50000"/>
-          </a:path>
-        </a:gradFill>
-      </a:bgFillStyleLst>
-    </a:fmtScheme>
-  </a:themeElements>
-</a:theme>
 </file>